--- a/CaseStudy/BusinessFlow/BusinessFlow-IT.pptx
+++ b/CaseStudy/BusinessFlow/BusinessFlow-IT.pptx
@@ -6,6 +6,7 @@
   </p:sldMasterIdLst>
   <p:sldIdLst>
     <p:sldId id="257" r:id="rId2"/>
+    <p:sldId id="302" r:id="rId3"/>
   </p:sldIdLst>
   <p:sldSz cx="9144000" cy="6858000" type="screen4x3"/>
   <p:notesSz cx="6858000" cy="9144000"/>
@@ -104,6 +105,22 @@
       </a:defRPr>
     </a:lvl9pPr>
   </p:defaultTextStyle>
+  <p:extLst>
+    <p:ext uri="{EFAFB233-063F-42B5-8137-9DF3F51BA10A}">
+      <p15:sldGuideLst xmlns:p15="http://schemas.microsoft.com/office/powerpoint/2012/main">
+        <p15:guide id="1" orient="horz" pos="2160">
+          <p15:clr>
+            <a:srgbClr val="A4A3A4"/>
+          </p15:clr>
+        </p15:guide>
+        <p15:guide id="2" pos="2880">
+          <p15:clr>
+            <a:srgbClr val="A4A3A4"/>
+          </p15:clr>
+        </p15:guide>
+      </p15:sldGuideLst>
+    </p:ext>
+  </p:extLst>
 </p:presentation>
 </file>
 
@@ -145,10 +162,9 @@
           <a:lstStyle/>
           <a:p>
             <a:r>
-              <a:rPr kumimoji="1" lang="ja-JP" altLang="en-US" smtClean="0"/>
+              <a:rPr kumimoji="1" lang="ja-JP" altLang="en-US"/>
               <a:t>マスター タイトルの書式設定</a:t>
             </a:r>
-            <a:endParaRPr kumimoji="1" lang="ja-JP" altLang="en-US"/>
           </a:p>
         </p:txBody>
       </p:sp>
@@ -264,10 +280,9 @@
           </a:lstStyle>
           <a:p>
             <a:r>
-              <a:rPr kumimoji="1" lang="ja-JP" altLang="en-US" smtClean="0"/>
+              <a:rPr kumimoji="1" lang="ja-JP" altLang="en-US"/>
               <a:t>マスター サブタイトルの書式設定</a:t>
             </a:r>
-            <a:endParaRPr kumimoji="1" lang="ja-JP" altLang="en-US"/>
           </a:p>
         </p:txBody>
       </p:sp>
@@ -288,7 +303,7 @@
           <a:p>
             <a:fld id="{363C93A5-AB31-4885-A4FA-4F94D9533BAB}" type="datetimeFigureOut">
               <a:rPr kumimoji="1" lang="ja-JP" altLang="en-US" smtClean="0"/>
-              <a:t>2018/9/28</a:t>
+              <a:t>2018/10/26</a:t>
             </a:fld>
             <a:endParaRPr kumimoji="1" lang="ja-JP" altLang="en-US"/>
           </a:p>
@@ -382,10 +397,9 @@
           <a:lstStyle/>
           <a:p>
             <a:r>
-              <a:rPr kumimoji="1" lang="ja-JP" altLang="en-US" smtClean="0"/>
+              <a:rPr kumimoji="1" lang="ja-JP" altLang="en-US"/>
               <a:t>マスター タイトルの書式設定</a:t>
             </a:r>
-            <a:endParaRPr kumimoji="1" lang="ja-JP" altLang="en-US"/>
           </a:p>
         </p:txBody>
       </p:sp>
@@ -406,70 +420,69 @@
           <a:p>
             <a:pPr lvl="0"/>
             <a:r>
-              <a:rPr kumimoji="1" lang="ja-JP" altLang="en-US" smtClean="0"/>
+              <a:rPr kumimoji="1" lang="ja-JP" altLang="en-US"/>
               <a:t>マスター テキストの書式設定</a:t>
             </a:r>
           </a:p>
           <a:p>
             <a:pPr lvl="1"/>
             <a:r>
-              <a:rPr kumimoji="1" lang="ja-JP" altLang="en-US" smtClean="0"/>
+              <a:rPr kumimoji="1" lang="ja-JP" altLang="en-US"/>
               <a:t>第 </a:t>
             </a:r>
             <a:r>
-              <a:rPr kumimoji="1" lang="en-US" altLang="ja-JP" smtClean="0"/>
+              <a:rPr kumimoji="1" lang="en-US" altLang="ja-JP"/>
               <a:t>2 </a:t>
             </a:r>
             <a:r>
-              <a:rPr kumimoji="1" lang="ja-JP" altLang="en-US" smtClean="0"/>
+              <a:rPr kumimoji="1" lang="ja-JP" altLang="en-US"/>
               <a:t>レベル</a:t>
             </a:r>
           </a:p>
           <a:p>
             <a:pPr lvl="2"/>
             <a:r>
-              <a:rPr kumimoji="1" lang="ja-JP" altLang="en-US" smtClean="0"/>
+              <a:rPr kumimoji="1" lang="ja-JP" altLang="en-US"/>
               <a:t>第 </a:t>
             </a:r>
             <a:r>
-              <a:rPr kumimoji="1" lang="en-US" altLang="ja-JP" smtClean="0"/>
+              <a:rPr kumimoji="1" lang="en-US" altLang="ja-JP"/>
               <a:t>3 </a:t>
             </a:r>
             <a:r>
-              <a:rPr kumimoji="1" lang="ja-JP" altLang="en-US" smtClean="0"/>
+              <a:rPr kumimoji="1" lang="ja-JP" altLang="en-US"/>
               <a:t>レベル</a:t>
             </a:r>
           </a:p>
           <a:p>
             <a:pPr lvl="3"/>
             <a:r>
-              <a:rPr kumimoji="1" lang="ja-JP" altLang="en-US" smtClean="0"/>
+              <a:rPr kumimoji="1" lang="ja-JP" altLang="en-US"/>
               <a:t>第 </a:t>
             </a:r>
             <a:r>
-              <a:rPr kumimoji="1" lang="en-US" altLang="ja-JP" smtClean="0"/>
+              <a:rPr kumimoji="1" lang="en-US" altLang="ja-JP"/>
               <a:t>4 </a:t>
             </a:r>
             <a:r>
-              <a:rPr kumimoji="1" lang="ja-JP" altLang="en-US" smtClean="0"/>
+              <a:rPr kumimoji="1" lang="ja-JP" altLang="en-US"/>
               <a:t>レベル</a:t>
             </a:r>
           </a:p>
           <a:p>
             <a:pPr lvl="4"/>
             <a:r>
-              <a:rPr kumimoji="1" lang="ja-JP" altLang="en-US" smtClean="0"/>
+              <a:rPr kumimoji="1" lang="ja-JP" altLang="en-US"/>
               <a:t>第 </a:t>
             </a:r>
             <a:r>
-              <a:rPr kumimoji="1" lang="en-US" altLang="ja-JP" smtClean="0"/>
+              <a:rPr kumimoji="1" lang="en-US" altLang="ja-JP"/>
               <a:t>5 </a:t>
             </a:r>
             <a:r>
-              <a:rPr kumimoji="1" lang="ja-JP" altLang="en-US" smtClean="0"/>
+              <a:rPr kumimoji="1" lang="ja-JP" altLang="en-US"/>
               <a:t>レベル</a:t>
             </a:r>
-            <a:endParaRPr kumimoji="1" lang="ja-JP" altLang="en-US"/>
           </a:p>
         </p:txBody>
       </p:sp>
@@ -490,7 +503,7 @@
           <a:p>
             <a:fld id="{363C93A5-AB31-4885-A4FA-4F94D9533BAB}" type="datetimeFigureOut">
               <a:rPr kumimoji="1" lang="ja-JP" altLang="en-US" smtClean="0"/>
-              <a:t>2018/9/28</a:t>
+              <a:t>2018/10/26</a:t>
             </a:fld>
             <a:endParaRPr kumimoji="1" lang="ja-JP" altLang="en-US"/>
           </a:p>
@@ -589,10 +602,9 @@
           <a:lstStyle/>
           <a:p>
             <a:r>
-              <a:rPr kumimoji="1" lang="ja-JP" altLang="en-US" smtClean="0"/>
+              <a:rPr kumimoji="1" lang="ja-JP" altLang="en-US"/>
               <a:t>マスター タイトルの書式設定</a:t>
             </a:r>
-            <a:endParaRPr kumimoji="1" lang="ja-JP" altLang="en-US"/>
           </a:p>
         </p:txBody>
       </p:sp>
@@ -618,70 +630,69 @@
           <a:p>
             <a:pPr lvl="0"/>
             <a:r>
-              <a:rPr kumimoji="1" lang="ja-JP" altLang="en-US" smtClean="0"/>
+              <a:rPr kumimoji="1" lang="ja-JP" altLang="en-US"/>
               <a:t>マスター テキストの書式設定</a:t>
             </a:r>
           </a:p>
           <a:p>
             <a:pPr lvl="1"/>
             <a:r>
-              <a:rPr kumimoji="1" lang="ja-JP" altLang="en-US" smtClean="0"/>
+              <a:rPr kumimoji="1" lang="ja-JP" altLang="en-US"/>
               <a:t>第 </a:t>
             </a:r>
             <a:r>
-              <a:rPr kumimoji="1" lang="en-US" altLang="ja-JP" smtClean="0"/>
+              <a:rPr kumimoji="1" lang="en-US" altLang="ja-JP"/>
               <a:t>2 </a:t>
             </a:r>
             <a:r>
-              <a:rPr kumimoji="1" lang="ja-JP" altLang="en-US" smtClean="0"/>
+              <a:rPr kumimoji="1" lang="ja-JP" altLang="en-US"/>
               <a:t>レベル</a:t>
             </a:r>
           </a:p>
           <a:p>
             <a:pPr lvl="2"/>
             <a:r>
-              <a:rPr kumimoji="1" lang="ja-JP" altLang="en-US" smtClean="0"/>
+              <a:rPr kumimoji="1" lang="ja-JP" altLang="en-US"/>
               <a:t>第 </a:t>
             </a:r>
             <a:r>
-              <a:rPr kumimoji="1" lang="en-US" altLang="ja-JP" smtClean="0"/>
+              <a:rPr kumimoji="1" lang="en-US" altLang="ja-JP"/>
               <a:t>3 </a:t>
             </a:r>
             <a:r>
-              <a:rPr kumimoji="1" lang="ja-JP" altLang="en-US" smtClean="0"/>
+              <a:rPr kumimoji="1" lang="ja-JP" altLang="en-US"/>
               <a:t>レベル</a:t>
             </a:r>
           </a:p>
           <a:p>
             <a:pPr lvl="3"/>
             <a:r>
-              <a:rPr kumimoji="1" lang="ja-JP" altLang="en-US" smtClean="0"/>
+              <a:rPr kumimoji="1" lang="ja-JP" altLang="en-US"/>
               <a:t>第 </a:t>
             </a:r>
             <a:r>
-              <a:rPr kumimoji="1" lang="en-US" altLang="ja-JP" smtClean="0"/>
+              <a:rPr kumimoji="1" lang="en-US" altLang="ja-JP"/>
               <a:t>4 </a:t>
             </a:r>
             <a:r>
-              <a:rPr kumimoji="1" lang="ja-JP" altLang="en-US" smtClean="0"/>
+              <a:rPr kumimoji="1" lang="ja-JP" altLang="en-US"/>
               <a:t>レベル</a:t>
             </a:r>
           </a:p>
           <a:p>
             <a:pPr lvl="4"/>
             <a:r>
-              <a:rPr kumimoji="1" lang="ja-JP" altLang="en-US" smtClean="0"/>
+              <a:rPr kumimoji="1" lang="ja-JP" altLang="en-US"/>
               <a:t>第 </a:t>
             </a:r>
             <a:r>
-              <a:rPr kumimoji="1" lang="en-US" altLang="ja-JP" smtClean="0"/>
+              <a:rPr kumimoji="1" lang="en-US" altLang="ja-JP"/>
               <a:t>5 </a:t>
             </a:r>
             <a:r>
-              <a:rPr kumimoji="1" lang="ja-JP" altLang="en-US" smtClean="0"/>
+              <a:rPr kumimoji="1" lang="ja-JP" altLang="en-US"/>
               <a:t>レベル</a:t>
             </a:r>
-            <a:endParaRPr kumimoji="1" lang="ja-JP" altLang="en-US"/>
           </a:p>
         </p:txBody>
       </p:sp>
@@ -702,7 +713,7 @@
           <a:p>
             <a:fld id="{363C93A5-AB31-4885-A4FA-4F94D9533BAB}" type="datetimeFigureOut">
               <a:rPr kumimoji="1" lang="ja-JP" altLang="en-US" smtClean="0"/>
-              <a:t>2018/9/28</a:t>
+              <a:t>2018/10/26</a:t>
             </a:fld>
             <a:endParaRPr kumimoji="1" lang="ja-JP" altLang="en-US"/>
           </a:p>
@@ -796,10 +807,9 @@
           <a:lstStyle/>
           <a:p>
             <a:r>
-              <a:rPr kumimoji="1" lang="ja-JP" altLang="en-US" smtClean="0"/>
+              <a:rPr kumimoji="1" lang="ja-JP" altLang="en-US"/>
               <a:t>マスター タイトルの書式設定</a:t>
             </a:r>
-            <a:endParaRPr kumimoji="1" lang="ja-JP" altLang="en-US"/>
           </a:p>
         </p:txBody>
       </p:sp>
@@ -820,70 +830,69 @@
           <a:p>
             <a:pPr lvl="0"/>
             <a:r>
-              <a:rPr kumimoji="1" lang="ja-JP" altLang="en-US" smtClean="0"/>
+              <a:rPr kumimoji="1" lang="ja-JP" altLang="en-US"/>
               <a:t>マスター テキストの書式設定</a:t>
             </a:r>
           </a:p>
           <a:p>
             <a:pPr lvl="1"/>
             <a:r>
-              <a:rPr kumimoji="1" lang="ja-JP" altLang="en-US" smtClean="0"/>
+              <a:rPr kumimoji="1" lang="ja-JP" altLang="en-US"/>
               <a:t>第 </a:t>
             </a:r>
             <a:r>
-              <a:rPr kumimoji="1" lang="en-US" altLang="ja-JP" smtClean="0"/>
+              <a:rPr kumimoji="1" lang="en-US" altLang="ja-JP"/>
               <a:t>2 </a:t>
             </a:r>
             <a:r>
-              <a:rPr kumimoji="1" lang="ja-JP" altLang="en-US" smtClean="0"/>
+              <a:rPr kumimoji="1" lang="ja-JP" altLang="en-US"/>
               <a:t>レベル</a:t>
             </a:r>
           </a:p>
           <a:p>
             <a:pPr lvl="2"/>
             <a:r>
-              <a:rPr kumimoji="1" lang="ja-JP" altLang="en-US" smtClean="0"/>
+              <a:rPr kumimoji="1" lang="ja-JP" altLang="en-US"/>
               <a:t>第 </a:t>
             </a:r>
             <a:r>
-              <a:rPr kumimoji="1" lang="en-US" altLang="ja-JP" smtClean="0"/>
+              <a:rPr kumimoji="1" lang="en-US" altLang="ja-JP"/>
               <a:t>3 </a:t>
             </a:r>
             <a:r>
-              <a:rPr kumimoji="1" lang="ja-JP" altLang="en-US" smtClean="0"/>
+              <a:rPr kumimoji="1" lang="ja-JP" altLang="en-US"/>
               <a:t>レベル</a:t>
             </a:r>
           </a:p>
           <a:p>
             <a:pPr lvl="3"/>
             <a:r>
-              <a:rPr kumimoji="1" lang="ja-JP" altLang="en-US" smtClean="0"/>
+              <a:rPr kumimoji="1" lang="ja-JP" altLang="en-US"/>
               <a:t>第 </a:t>
             </a:r>
             <a:r>
-              <a:rPr kumimoji="1" lang="en-US" altLang="ja-JP" smtClean="0"/>
+              <a:rPr kumimoji="1" lang="en-US" altLang="ja-JP"/>
               <a:t>4 </a:t>
             </a:r>
             <a:r>
-              <a:rPr kumimoji="1" lang="ja-JP" altLang="en-US" smtClean="0"/>
+              <a:rPr kumimoji="1" lang="ja-JP" altLang="en-US"/>
               <a:t>レベル</a:t>
             </a:r>
           </a:p>
           <a:p>
             <a:pPr lvl="4"/>
             <a:r>
-              <a:rPr kumimoji="1" lang="ja-JP" altLang="en-US" smtClean="0"/>
+              <a:rPr kumimoji="1" lang="ja-JP" altLang="en-US"/>
               <a:t>第 </a:t>
             </a:r>
             <a:r>
-              <a:rPr kumimoji="1" lang="en-US" altLang="ja-JP" smtClean="0"/>
+              <a:rPr kumimoji="1" lang="en-US" altLang="ja-JP"/>
               <a:t>5 </a:t>
             </a:r>
             <a:r>
-              <a:rPr kumimoji="1" lang="ja-JP" altLang="en-US" smtClean="0"/>
+              <a:rPr kumimoji="1" lang="ja-JP" altLang="en-US"/>
               <a:t>レベル</a:t>
             </a:r>
-            <a:endParaRPr kumimoji="1" lang="ja-JP" altLang="en-US"/>
           </a:p>
         </p:txBody>
       </p:sp>
@@ -904,7 +913,7 @@
           <a:p>
             <a:fld id="{363C93A5-AB31-4885-A4FA-4F94D9533BAB}" type="datetimeFigureOut">
               <a:rPr kumimoji="1" lang="ja-JP" altLang="en-US" smtClean="0"/>
-              <a:t>2018/9/28</a:t>
+              <a:t>2018/10/26</a:t>
             </a:fld>
             <a:endParaRPr kumimoji="1" lang="ja-JP" altLang="en-US"/>
           </a:p>
@@ -1007,10 +1016,9 @@
           </a:lstStyle>
           <a:p>
             <a:r>
-              <a:rPr kumimoji="1" lang="ja-JP" altLang="en-US" smtClean="0"/>
+              <a:rPr kumimoji="1" lang="ja-JP" altLang="en-US"/>
               <a:t>マスター タイトルの書式設定</a:t>
             </a:r>
-            <a:endParaRPr kumimoji="1" lang="ja-JP" altLang="en-US"/>
           </a:p>
         </p:txBody>
       </p:sp>
@@ -1127,7 +1135,7 @@
           <a:p>
             <a:pPr lvl="0"/>
             <a:r>
-              <a:rPr kumimoji="1" lang="ja-JP" altLang="en-US" smtClean="0"/>
+              <a:rPr kumimoji="1" lang="ja-JP" altLang="en-US"/>
               <a:t>マスター テキストの書式設定</a:t>
             </a:r>
           </a:p>
@@ -1150,7 +1158,7 @@
           <a:p>
             <a:fld id="{363C93A5-AB31-4885-A4FA-4F94D9533BAB}" type="datetimeFigureOut">
               <a:rPr kumimoji="1" lang="ja-JP" altLang="en-US" smtClean="0"/>
-              <a:t>2018/9/28</a:t>
+              <a:t>2018/10/26</a:t>
             </a:fld>
             <a:endParaRPr kumimoji="1" lang="ja-JP" altLang="en-US"/>
           </a:p>
@@ -1244,10 +1252,9 @@
           <a:lstStyle/>
           <a:p>
             <a:r>
-              <a:rPr kumimoji="1" lang="ja-JP" altLang="en-US" smtClean="0"/>
+              <a:rPr kumimoji="1" lang="ja-JP" altLang="en-US"/>
               <a:t>マスター タイトルの書式設定</a:t>
             </a:r>
-            <a:endParaRPr kumimoji="1" lang="ja-JP" altLang="en-US"/>
           </a:p>
         </p:txBody>
       </p:sp>
@@ -1301,70 +1308,69 @@
           <a:p>
             <a:pPr lvl="0"/>
             <a:r>
-              <a:rPr kumimoji="1" lang="ja-JP" altLang="en-US" smtClean="0"/>
+              <a:rPr kumimoji="1" lang="ja-JP" altLang="en-US"/>
               <a:t>マスター テキストの書式設定</a:t>
             </a:r>
           </a:p>
           <a:p>
             <a:pPr lvl="1"/>
             <a:r>
-              <a:rPr kumimoji="1" lang="ja-JP" altLang="en-US" smtClean="0"/>
+              <a:rPr kumimoji="1" lang="ja-JP" altLang="en-US"/>
               <a:t>第 </a:t>
             </a:r>
             <a:r>
-              <a:rPr kumimoji="1" lang="en-US" altLang="ja-JP" smtClean="0"/>
+              <a:rPr kumimoji="1" lang="en-US" altLang="ja-JP"/>
               <a:t>2 </a:t>
             </a:r>
             <a:r>
-              <a:rPr kumimoji="1" lang="ja-JP" altLang="en-US" smtClean="0"/>
+              <a:rPr kumimoji="1" lang="ja-JP" altLang="en-US"/>
               <a:t>レベル</a:t>
             </a:r>
           </a:p>
           <a:p>
             <a:pPr lvl="2"/>
             <a:r>
-              <a:rPr kumimoji="1" lang="ja-JP" altLang="en-US" smtClean="0"/>
+              <a:rPr kumimoji="1" lang="ja-JP" altLang="en-US"/>
               <a:t>第 </a:t>
             </a:r>
             <a:r>
-              <a:rPr kumimoji="1" lang="en-US" altLang="ja-JP" smtClean="0"/>
+              <a:rPr kumimoji="1" lang="en-US" altLang="ja-JP"/>
               <a:t>3 </a:t>
             </a:r>
             <a:r>
-              <a:rPr kumimoji="1" lang="ja-JP" altLang="en-US" smtClean="0"/>
+              <a:rPr kumimoji="1" lang="ja-JP" altLang="en-US"/>
               <a:t>レベル</a:t>
             </a:r>
           </a:p>
           <a:p>
             <a:pPr lvl="3"/>
             <a:r>
-              <a:rPr kumimoji="1" lang="ja-JP" altLang="en-US" smtClean="0"/>
+              <a:rPr kumimoji="1" lang="ja-JP" altLang="en-US"/>
               <a:t>第 </a:t>
             </a:r>
             <a:r>
-              <a:rPr kumimoji="1" lang="en-US" altLang="ja-JP" smtClean="0"/>
+              <a:rPr kumimoji="1" lang="en-US" altLang="ja-JP"/>
               <a:t>4 </a:t>
             </a:r>
             <a:r>
-              <a:rPr kumimoji="1" lang="ja-JP" altLang="en-US" smtClean="0"/>
+              <a:rPr kumimoji="1" lang="ja-JP" altLang="en-US"/>
               <a:t>レベル</a:t>
             </a:r>
           </a:p>
           <a:p>
             <a:pPr lvl="4"/>
             <a:r>
-              <a:rPr kumimoji="1" lang="ja-JP" altLang="en-US" smtClean="0"/>
+              <a:rPr kumimoji="1" lang="ja-JP" altLang="en-US"/>
               <a:t>第 </a:t>
             </a:r>
             <a:r>
-              <a:rPr kumimoji="1" lang="en-US" altLang="ja-JP" smtClean="0"/>
+              <a:rPr kumimoji="1" lang="en-US" altLang="ja-JP"/>
               <a:t>5 </a:t>
             </a:r>
             <a:r>
-              <a:rPr kumimoji="1" lang="ja-JP" altLang="en-US" smtClean="0"/>
+              <a:rPr kumimoji="1" lang="ja-JP" altLang="en-US"/>
               <a:t>レベル</a:t>
             </a:r>
-            <a:endParaRPr kumimoji="1" lang="ja-JP" altLang="en-US"/>
           </a:p>
         </p:txBody>
       </p:sp>
@@ -1418,70 +1424,69 @@
           <a:p>
             <a:pPr lvl="0"/>
             <a:r>
-              <a:rPr kumimoji="1" lang="ja-JP" altLang="en-US" smtClean="0"/>
+              <a:rPr kumimoji="1" lang="ja-JP" altLang="en-US"/>
               <a:t>マスター テキストの書式設定</a:t>
             </a:r>
           </a:p>
           <a:p>
             <a:pPr lvl="1"/>
             <a:r>
-              <a:rPr kumimoji="1" lang="ja-JP" altLang="en-US" smtClean="0"/>
+              <a:rPr kumimoji="1" lang="ja-JP" altLang="en-US"/>
               <a:t>第 </a:t>
             </a:r>
             <a:r>
-              <a:rPr kumimoji="1" lang="en-US" altLang="ja-JP" smtClean="0"/>
+              <a:rPr kumimoji="1" lang="en-US" altLang="ja-JP"/>
               <a:t>2 </a:t>
             </a:r>
             <a:r>
-              <a:rPr kumimoji="1" lang="ja-JP" altLang="en-US" smtClean="0"/>
+              <a:rPr kumimoji="1" lang="ja-JP" altLang="en-US"/>
               <a:t>レベル</a:t>
             </a:r>
           </a:p>
           <a:p>
             <a:pPr lvl="2"/>
             <a:r>
-              <a:rPr kumimoji="1" lang="ja-JP" altLang="en-US" smtClean="0"/>
+              <a:rPr kumimoji="1" lang="ja-JP" altLang="en-US"/>
               <a:t>第 </a:t>
             </a:r>
             <a:r>
-              <a:rPr kumimoji="1" lang="en-US" altLang="ja-JP" smtClean="0"/>
+              <a:rPr kumimoji="1" lang="en-US" altLang="ja-JP"/>
               <a:t>3 </a:t>
             </a:r>
             <a:r>
-              <a:rPr kumimoji="1" lang="ja-JP" altLang="en-US" smtClean="0"/>
+              <a:rPr kumimoji="1" lang="ja-JP" altLang="en-US"/>
               <a:t>レベル</a:t>
             </a:r>
           </a:p>
           <a:p>
             <a:pPr lvl="3"/>
             <a:r>
-              <a:rPr kumimoji="1" lang="ja-JP" altLang="en-US" smtClean="0"/>
+              <a:rPr kumimoji="1" lang="ja-JP" altLang="en-US"/>
               <a:t>第 </a:t>
             </a:r>
             <a:r>
-              <a:rPr kumimoji="1" lang="en-US" altLang="ja-JP" smtClean="0"/>
+              <a:rPr kumimoji="1" lang="en-US" altLang="ja-JP"/>
               <a:t>4 </a:t>
             </a:r>
             <a:r>
-              <a:rPr kumimoji="1" lang="ja-JP" altLang="en-US" smtClean="0"/>
+              <a:rPr kumimoji="1" lang="ja-JP" altLang="en-US"/>
               <a:t>レベル</a:t>
             </a:r>
           </a:p>
           <a:p>
             <a:pPr lvl="4"/>
             <a:r>
-              <a:rPr kumimoji="1" lang="ja-JP" altLang="en-US" smtClean="0"/>
+              <a:rPr kumimoji="1" lang="ja-JP" altLang="en-US"/>
               <a:t>第 </a:t>
             </a:r>
             <a:r>
-              <a:rPr kumimoji="1" lang="en-US" altLang="ja-JP" smtClean="0"/>
+              <a:rPr kumimoji="1" lang="en-US" altLang="ja-JP"/>
               <a:t>5 </a:t>
             </a:r>
             <a:r>
-              <a:rPr kumimoji="1" lang="ja-JP" altLang="en-US" smtClean="0"/>
+              <a:rPr kumimoji="1" lang="ja-JP" altLang="en-US"/>
               <a:t>レベル</a:t>
             </a:r>
-            <a:endParaRPr kumimoji="1" lang="ja-JP" altLang="en-US"/>
           </a:p>
         </p:txBody>
       </p:sp>
@@ -1502,7 +1507,7 @@
           <a:p>
             <a:fld id="{363C93A5-AB31-4885-A4FA-4F94D9533BAB}" type="datetimeFigureOut">
               <a:rPr kumimoji="1" lang="ja-JP" altLang="en-US" smtClean="0"/>
-              <a:t>2018/9/28</a:t>
+              <a:t>2018/10/26</a:t>
             </a:fld>
             <a:endParaRPr kumimoji="1" lang="ja-JP" altLang="en-US"/>
           </a:p>
@@ -1600,10 +1605,9 @@
           </a:lstStyle>
           <a:p>
             <a:r>
-              <a:rPr kumimoji="1" lang="ja-JP" altLang="en-US" smtClean="0"/>
+              <a:rPr kumimoji="1" lang="ja-JP" altLang="en-US"/>
               <a:t>マスター タイトルの書式設定</a:t>
             </a:r>
-            <a:endParaRPr kumimoji="1" lang="ja-JP" altLang="en-US"/>
           </a:p>
         </p:txBody>
       </p:sp>
@@ -1666,7 +1670,7 @@
           <a:p>
             <a:pPr lvl="0"/>
             <a:r>
-              <a:rPr kumimoji="1" lang="ja-JP" altLang="en-US" smtClean="0"/>
+              <a:rPr kumimoji="1" lang="ja-JP" altLang="en-US"/>
               <a:t>マスター テキストの書式設定</a:t>
             </a:r>
           </a:p>
@@ -1722,70 +1726,69 @@
           <a:p>
             <a:pPr lvl="0"/>
             <a:r>
-              <a:rPr kumimoji="1" lang="ja-JP" altLang="en-US" smtClean="0"/>
+              <a:rPr kumimoji="1" lang="ja-JP" altLang="en-US"/>
               <a:t>マスター テキストの書式設定</a:t>
             </a:r>
           </a:p>
           <a:p>
             <a:pPr lvl="1"/>
             <a:r>
-              <a:rPr kumimoji="1" lang="ja-JP" altLang="en-US" smtClean="0"/>
+              <a:rPr kumimoji="1" lang="ja-JP" altLang="en-US"/>
               <a:t>第 </a:t>
             </a:r>
             <a:r>
-              <a:rPr kumimoji="1" lang="en-US" altLang="ja-JP" smtClean="0"/>
+              <a:rPr kumimoji="1" lang="en-US" altLang="ja-JP"/>
               <a:t>2 </a:t>
             </a:r>
             <a:r>
-              <a:rPr kumimoji="1" lang="ja-JP" altLang="en-US" smtClean="0"/>
+              <a:rPr kumimoji="1" lang="ja-JP" altLang="en-US"/>
               <a:t>レベル</a:t>
             </a:r>
           </a:p>
           <a:p>
             <a:pPr lvl="2"/>
             <a:r>
-              <a:rPr kumimoji="1" lang="ja-JP" altLang="en-US" smtClean="0"/>
+              <a:rPr kumimoji="1" lang="ja-JP" altLang="en-US"/>
               <a:t>第 </a:t>
             </a:r>
             <a:r>
-              <a:rPr kumimoji="1" lang="en-US" altLang="ja-JP" smtClean="0"/>
+              <a:rPr kumimoji="1" lang="en-US" altLang="ja-JP"/>
               <a:t>3 </a:t>
             </a:r>
             <a:r>
-              <a:rPr kumimoji="1" lang="ja-JP" altLang="en-US" smtClean="0"/>
+              <a:rPr kumimoji="1" lang="ja-JP" altLang="en-US"/>
               <a:t>レベル</a:t>
             </a:r>
           </a:p>
           <a:p>
             <a:pPr lvl="3"/>
             <a:r>
-              <a:rPr kumimoji="1" lang="ja-JP" altLang="en-US" smtClean="0"/>
+              <a:rPr kumimoji="1" lang="ja-JP" altLang="en-US"/>
               <a:t>第 </a:t>
             </a:r>
             <a:r>
-              <a:rPr kumimoji="1" lang="en-US" altLang="ja-JP" smtClean="0"/>
+              <a:rPr kumimoji="1" lang="en-US" altLang="ja-JP"/>
               <a:t>4 </a:t>
             </a:r>
             <a:r>
-              <a:rPr kumimoji="1" lang="ja-JP" altLang="en-US" smtClean="0"/>
+              <a:rPr kumimoji="1" lang="ja-JP" altLang="en-US"/>
               <a:t>レベル</a:t>
             </a:r>
           </a:p>
           <a:p>
             <a:pPr lvl="4"/>
             <a:r>
-              <a:rPr kumimoji="1" lang="ja-JP" altLang="en-US" smtClean="0"/>
+              <a:rPr kumimoji="1" lang="ja-JP" altLang="en-US"/>
               <a:t>第 </a:t>
             </a:r>
             <a:r>
-              <a:rPr kumimoji="1" lang="en-US" altLang="ja-JP" smtClean="0"/>
+              <a:rPr kumimoji="1" lang="en-US" altLang="ja-JP"/>
               <a:t>5 </a:t>
             </a:r>
             <a:r>
-              <a:rPr kumimoji="1" lang="ja-JP" altLang="en-US" smtClean="0"/>
+              <a:rPr kumimoji="1" lang="ja-JP" altLang="en-US"/>
               <a:t>レベル</a:t>
             </a:r>
-            <a:endParaRPr kumimoji="1" lang="ja-JP" altLang="en-US"/>
           </a:p>
         </p:txBody>
       </p:sp>
@@ -1848,7 +1851,7 @@
           <a:p>
             <a:pPr lvl="0"/>
             <a:r>
-              <a:rPr kumimoji="1" lang="ja-JP" altLang="en-US" smtClean="0"/>
+              <a:rPr kumimoji="1" lang="ja-JP" altLang="en-US"/>
               <a:t>マスター テキストの書式設定</a:t>
             </a:r>
           </a:p>
@@ -1904,70 +1907,69 @@
           <a:p>
             <a:pPr lvl="0"/>
             <a:r>
-              <a:rPr kumimoji="1" lang="ja-JP" altLang="en-US" smtClean="0"/>
+              <a:rPr kumimoji="1" lang="ja-JP" altLang="en-US"/>
               <a:t>マスター テキストの書式設定</a:t>
             </a:r>
           </a:p>
           <a:p>
             <a:pPr lvl="1"/>
             <a:r>
-              <a:rPr kumimoji="1" lang="ja-JP" altLang="en-US" smtClean="0"/>
+              <a:rPr kumimoji="1" lang="ja-JP" altLang="en-US"/>
               <a:t>第 </a:t>
             </a:r>
             <a:r>
-              <a:rPr kumimoji="1" lang="en-US" altLang="ja-JP" smtClean="0"/>
+              <a:rPr kumimoji="1" lang="en-US" altLang="ja-JP"/>
               <a:t>2 </a:t>
             </a:r>
             <a:r>
-              <a:rPr kumimoji="1" lang="ja-JP" altLang="en-US" smtClean="0"/>
+              <a:rPr kumimoji="1" lang="ja-JP" altLang="en-US"/>
               <a:t>レベル</a:t>
             </a:r>
           </a:p>
           <a:p>
             <a:pPr lvl="2"/>
             <a:r>
-              <a:rPr kumimoji="1" lang="ja-JP" altLang="en-US" smtClean="0"/>
+              <a:rPr kumimoji="1" lang="ja-JP" altLang="en-US"/>
               <a:t>第 </a:t>
             </a:r>
             <a:r>
-              <a:rPr kumimoji="1" lang="en-US" altLang="ja-JP" smtClean="0"/>
+              <a:rPr kumimoji="1" lang="en-US" altLang="ja-JP"/>
               <a:t>3 </a:t>
             </a:r>
             <a:r>
-              <a:rPr kumimoji="1" lang="ja-JP" altLang="en-US" smtClean="0"/>
+              <a:rPr kumimoji="1" lang="ja-JP" altLang="en-US"/>
               <a:t>レベル</a:t>
             </a:r>
           </a:p>
           <a:p>
             <a:pPr lvl="3"/>
             <a:r>
-              <a:rPr kumimoji="1" lang="ja-JP" altLang="en-US" smtClean="0"/>
+              <a:rPr kumimoji="1" lang="ja-JP" altLang="en-US"/>
               <a:t>第 </a:t>
             </a:r>
             <a:r>
-              <a:rPr kumimoji="1" lang="en-US" altLang="ja-JP" smtClean="0"/>
+              <a:rPr kumimoji="1" lang="en-US" altLang="ja-JP"/>
               <a:t>4 </a:t>
             </a:r>
             <a:r>
-              <a:rPr kumimoji="1" lang="ja-JP" altLang="en-US" smtClean="0"/>
+              <a:rPr kumimoji="1" lang="ja-JP" altLang="en-US"/>
               <a:t>レベル</a:t>
             </a:r>
           </a:p>
           <a:p>
             <a:pPr lvl="4"/>
             <a:r>
-              <a:rPr kumimoji="1" lang="ja-JP" altLang="en-US" smtClean="0"/>
+              <a:rPr kumimoji="1" lang="ja-JP" altLang="en-US"/>
               <a:t>第 </a:t>
             </a:r>
             <a:r>
-              <a:rPr kumimoji="1" lang="en-US" altLang="ja-JP" smtClean="0"/>
+              <a:rPr kumimoji="1" lang="en-US" altLang="ja-JP"/>
               <a:t>5 </a:t>
             </a:r>
             <a:r>
-              <a:rPr kumimoji="1" lang="ja-JP" altLang="en-US" smtClean="0"/>
+              <a:rPr kumimoji="1" lang="ja-JP" altLang="en-US"/>
               <a:t>レベル</a:t>
             </a:r>
-            <a:endParaRPr kumimoji="1" lang="ja-JP" altLang="en-US"/>
           </a:p>
         </p:txBody>
       </p:sp>
@@ -1988,7 +1990,7 @@
           <a:p>
             <a:fld id="{363C93A5-AB31-4885-A4FA-4F94D9533BAB}" type="datetimeFigureOut">
               <a:rPr kumimoji="1" lang="ja-JP" altLang="en-US" smtClean="0"/>
-              <a:t>2018/9/28</a:t>
+              <a:t>2018/10/26</a:t>
             </a:fld>
             <a:endParaRPr kumimoji="1" lang="ja-JP" altLang="en-US"/>
           </a:p>
@@ -2082,10 +2084,9 @@
           <a:lstStyle/>
           <a:p>
             <a:r>
-              <a:rPr kumimoji="1" lang="ja-JP" altLang="en-US" smtClean="0"/>
+              <a:rPr kumimoji="1" lang="ja-JP" altLang="en-US"/>
               <a:t>マスター タイトルの書式設定</a:t>
             </a:r>
-            <a:endParaRPr kumimoji="1" lang="ja-JP" altLang="en-US"/>
           </a:p>
         </p:txBody>
       </p:sp>
@@ -2106,7 +2107,7 @@
           <a:p>
             <a:fld id="{363C93A5-AB31-4885-A4FA-4F94D9533BAB}" type="datetimeFigureOut">
               <a:rPr kumimoji="1" lang="ja-JP" altLang="en-US" smtClean="0"/>
-              <a:t>2018/9/28</a:t>
+              <a:t>2018/10/26</a:t>
             </a:fld>
             <a:endParaRPr kumimoji="1" lang="ja-JP" altLang="en-US"/>
           </a:p>
@@ -2201,7 +2202,7 @@
           <a:p>
             <a:fld id="{363C93A5-AB31-4885-A4FA-4F94D9533BAB}" type="datetimeFigureOut">
               <a:rPr kumimoji="1" lang="ja-JP" altLang="en-US" smtClean="0"/>
-              <a:t>2018/9/28</a:t>
+              <a:t>2018/10/26</a:t>
             </a:fld>
             <a:endParaRPr kumimoji="1" lang="ja-JP" altLang="en-US"/>
           </a:p>
@@ -2304,10 +2305,9 @@
           </a:lstStyle>
           <a:p>
             <a:r>
-              <a:rPr kumimoji="1" lang="ja-JP" altLang="en-US" smtClean="0"/>
+              <a:rPr kumimoji="1" lang="ja-JP" altLang="en-US"/>
               <a:t>マスター タイトルの書式設定</a:t>
             </a:r>
-            <a:endParaRPr kumimoji="1" lang="ja-JP" altLang="en-US"/>
           </a:p>
         </p:txBody>
       </p:sp>
@@ -2361,70 +2361,69 @@
           <a:p>
             <a:pPr lvl="0"/>
             <a:r>
-              <a:rPr kumimoji="1" lang="ja-JP" altLang="en-US" smtClean="0"/>
+              <a:rPr kumimoji="1" lang="ja-JP" altLang="en-US"/>
               <a:t>マスター テキストの書式設定</a:t>
             </a:r>
           </a:p>
           <a:p>
             <a:pPr lvl="1"/>
             <a:r>
-              <a:rPr kumimoji="1" lang="ja-JP" altLang="en-US" smtClean="0"/>
+              <a:rPr kumimoji="1" lang="ja-JP" altLang="en-US"/>
               <a:t>第 </a:t>
             </a:r>
             <a:r>
-              <a:rPr kumimoji="1" lang="en-US" altLang="ja-JP" smtClean="0"/>
+              <a:rPr kumimoji="1" lang="en-US" altLang="ja-JP"/>
               <a:t>2 </a:t>
             </a:r>
             <a:r>
-              <a:rPr kumimoji="1" lang="ja-JP" altLang="en-US" smtClean="0"/>
+              <a:rPr kumimoji="1" lang="ja-JP" altLang="en-US"/>
               <a:t>レベル</a:t>
             </a:r>
           </a:p>
           <a:p>
             <a:pPr lvl="2"/>
             <a:r>
-              <a:rPr kumimoji="1" lang="ja-JP" altLang="en-US" smtClean="0"/>
+              <a:rPr kumimoji="1" lang="ja-JP" altLang="en-US"/>
               <a:t>第 </a:t>
             </a:r>
             <a:r>
-              <a:rPr kumimoji="1" lang="en-US" altLang="ja-JP" smtClean="0"/>
+              <a:rPr kumimoji="1" lang="en-US" altLang="ja-JP"/>
               <a:t>3 </a:t>
             </a:r>
             <a:r>
-              <a:rPr kumimoji="1" lang="ja-JP" altLang="en-US" smtClean="0"/>
+              <a:rPr kumimoji="1" lang="ja-JP" altLang="en-US"/>
               <a:t>レベル</a:t>
             </a:r>
           </a:p>
           <a:p>
             <a:pPr lvl="3"/>
             <a:r>
-              <a:rPr kumimoji="1" lang="ja-JP" altLang="en-US" smtClean="0"/>
+              <a:rPr kumimoji="1" lang="ja-JP" altLang="en-US"/>
               <a:t>第 </a:t>
             </a:r>
             <a:r>
-              <a:rPr kumimoji="1" lang="en-US" altLang="ja-JP" smtClean="0"/>
+              <a:rPr kumimoji="1" lang="en-US" altLang="ja-JP"/>
               <a:t>4 </a:t>
             </a:r>
             <a:r>
-              <a:rPr kumimoji="1" lang="ja-JP" altLang="en-US" smtClean="0"/>
+              <a:rPr kumimoji="1" lang="ja-JP" altLang="en-US"/>
               <a:t>レベル</a:t>
             </a:r>
           </a:p>
           <a:p>
             <a:pPr lvl="4"/>
             <a:r>
-              <a:rPr kumimoji="1" lang="ja-JP" altLang="en-US" smtClean="0"/>
+              <a:rPr kumimoji="1" lang="ja-JP" altLang="en-US"/>
               <a:t>第 </a:t>
             </a:r>
             <a:r>
-              <a:rPr kumimoji="1" lang="en-US" altLang="ja-JP" smtClean="0"/>
+              <a:rPr kumimoji="1" lang="en-US" altLang="ja-JP"/>
               <a:t>5 </a:t>
             </a:r>
             <a:r>
-              <a:rPr kumimoji="1" lang="ja-JP" altLang="en-US" smtClean="0"/>
+              <a:rPr kumimoji="1" lang="ja-JP" altLang="en-US"/>
               <a:t>レベル</a:t>
             </a:r>
-            <a:endParaRPr kumimoji="1" lang="ja-JP" altLang="en-US"/>
           </a:p>
         </p:txBody>
       </p:sp>
@@ -2487,7 +2486,7 @@
           <a:p>
             <a:pPr lvl="0"/>
             <a:r>
-              <a:rPr kumimoji="1" lang="ja-JP" altLang="en-US" smtClean="0"/>
+              <a:rPr kumimoji="1" lang="ja-JP" altLang="en-US"/>
               <a:t>マスター テキストの書式設定</a:t>
             </a:r>
           </a:p>
@@ -2510,7 +2509,7 @@
           <a:p>
             <a:fld id="{363C93A5-AB31-4885-A4FA-4F94D9533BAB}" type="datetimeFigureOut">
               <a:rPr kumimoji="1" lang="ja-JP" altLang="en-US" smtClean="0"/>
-              <a:t>2018/9/28</a:t>
+              <a:t>2018/10/26</a:t>
             </a:fld>
             <a:endParaRPr kumimoji="1" lang="ja-JP" altLang="en-US"/>
           </a:p>
@@ -2613,10 +2612,9 @@
           </a:lstStyle>
           <a:p>
             <a:r>
-              <a:rPr kumimoji="1" lang="ja-JP" altLang="en-US" smtClean="0"/>
+              <a:rPr kumimoji="1" lang="ja-JP" altLang="en-US"/>
               <a:t>マスター タイトルの書式設定</a:t>
             </a:r>
-            <a:endParaRPr kumimoji="1" lang="ja-JP" altLang="en-US"/>
           </a:p>
         </p:txBody>
       </p:sp>
@@ -2740,7 +2738,7 @@
           <a:p>
             <a:pPr lvl="0"/>
             <a:r>
-              <a:rPr kumimoji="1" lang="ja-JP" altLang="en-US" smtClean="0"/>
+              <a:rPr kumimoji="1" lang="ja-JP" altLang="en-US"/>
               <a:t>マスター テキストの書式設定</a:t>
             </a:r>
           </a:p>
@@ -2763,7 +2761,7 @@
           <a:p>
             <a:fld id="{363C93A5-AB31-4885-A4FA-4F94D9533BAB}" type="datetimeFigureOut">
               <a:rPr kumimoji="1" lang="ja-JP" altLang="en-US" smtClean="0"/>
-              <a:t>2018/9/28</a:t>
+              <a:t>2018/10/26</a:t>
             </a:fld>
             <a:endParaRPr kumimoji="1" lang="ja-JP" altLang="en-US"/>
           </a:p>
@@ -2872,10 +2870,9 @@
           <a:lstStyle/>
           <a:p>
             <a:r>
-              <a:rPr kumimoji="1" lang="ja-JP" altLang="en-US" smtClean="0"/>
+              <a:rPr kumimoji="1" lang="ja-JP" altLang="en-US"/>
               <a:t>マスター タイトルの書式設定</a:t>
             </a:r>
-            <a:endParaRPr kumimoji="1" lang="ja-JP" altLang="en-US"/>
           </a:p>
         </p:txBody>
       </p:sp>
@@ -2906,70 +2903,69 @@
           <a:p>
             <a:pPr lvl="0"/>
             <a:r>
-              <a:rPr kumimoji="1" lang="ja-JP" altLang="en-US" smtClean="0"/>
+              <a:rPr kumimoji="1" lang="ja-JP" altLang="en-US"/>
               <a:t>マスター テキストの書式設定</a:t>
             </a:r>
           </a:p>
           <a:p>
             <a:pPr lvl="1"/>
             <a:r>
-              <a:rPr kumimoji="1" lang="ja-JP" altLang="en-US" smtClean="0"/>
+              <a:rPr kumimoji="1" lang="ja-JP" altLang="en-US"/>
               <a:t>第 </a:t>
             </a:r>
             <a:r>
-              <a:rPr kumimoji="1" lang="en-US" altLang="ja-JP" smtClean="0"/>
+              <a:rPr kumimoji="1" lang="en-US" altLang="ja-JP"/>
               <a:t>2 </a:t>
             </a:r>
             <a:r>
-              <a:rPr kumimoji="1" lang="ja-JP" altLang="en-US" smtClean="0"/>
+              <a:rPr kumimoji="1" lang="ja-JP" altLang="en-US"/>
               <a:t>レベル</a:t>
             </a:r>
           </a:p>
           <a:p>
             <a:pPr lvl="2"/>
             <a:r>
-              <a:rPr kumimoji="1" lang="ja-JP" altLang="en-US" smtClean="0"/>
+              <a:rPr kumimoji="1" lang="ja-JP" altLang="en-US"/>
               <a:t>第 </a:t>
             </a:r>
             <a:r>
-              <a:rPr kumimoji="1" lang="en-US" altLang="ja-JP" smtClean="0"/>
+              <a:rPr kumimoji="1" lang="en-US" altLang="ja-JP"/>
               <a:t>3 </a:t>
             </a:r>
             <a:r>
-              <a:rPr kumimoji="1" lang="ja-JP" altLang="en-US" smtClean="0"/>
+              <a:rPr kumimoji="1" lang="ja-JP" altLang="en-US"/>
               <a:t>レベル</a:t>
             </a:r>
           </a:p>
           <a:p>
             <a:pPr lvl="3"/>
             <a:r>
-              <a:rPr kumimoji="1" lang="ja-JP" altLang="en-US" smtClean="0"/>
+              <a:rPr kumimoji="1" lang="ja-JP" altLang="en-US"/>
               <a:t>第 </a:t>
             </a:r>
             <a:r>
-              <a:rPr kumimoji="1" lang="en-US" altLang="ja-JP" smtClean="0"/>
+              <a:rPr kumimoji="1" lang="en-US" altLang="ja-JP"/>
               <a:t>4 </a:t>
             </a:r>
             <a:r>
-              <a:rPr kumimoji="1" lang="ja-JP" altLang="en-US" smtClean="0"/>
+              <a:rPr kumimoji="1" lang="ja-JP" altLang="en-US"/>
               <a:t>レベル</a:t>
             </a:r>
           </a:p>
           <a:p>
             <a:pPr lvl="4"/>
             <a:r>
-              <a:rPr kumimoji="1" lang="ja-JP" altLang="en-US" smtClean="0"/>
+              <a:rPr kumimoji="1" lang="ja-JP" altLang="en-US"/>
               <a:t>第 </a:t>
             </a:r>
             <a:r>
-              <a:rPr kumimoji="1" lang="en-US" altLang="ja-JP" smtClean="0"/>
+              <a:rPr kumimoji="1" lang="en-US" altLang="ja-JP"/>
               <a:t>5 </a:t>
             </a:r>
             <a:r>
-              <a:rPr kumimoji="1" lang="ja-JP" altLang="en-US" smtClean="0"/>
+              <a:rPr kumimoji="1" lang="ja-JP" altLang="en-US"/>
               <a:t>レベル</a:t>
             </a:r>
-            <a:endParaRPr kumimoji="1" lang="ja-JP" altLang="en-US"/>
           </a:p>
         </p:txBody>
       </p:sp>
@@ -3008,7 +3004,7 @@
           <a:p>
             <a:fld id="{363C93A5-AB31-4885-A4FA-4F94D9533BAB}" type="datetimeFigureOut">
               <a:rPr kumimoji="1" lang="ja-JP" altLang="en-US" smtClean="0"/>
-              <a:t>2018/9/28</a:t>
+              <a:t>2018/10/26</a:t>
             </a:fld>
             <a:endParaRPr kumimoji="1" lang="ja-JP" altLang="en-US"/>
           </a:p>
@@ -3477,11 +3473,11 @@
           <a:lstStyle/>
           <a:p>
             <a:r>
-              <a:rPr lang="ja-JP" altLang="en-US" smtClean="0"/>
+              <a:rPr lang="ja-JP" altLang="en-US"/>
               <a:t>パターン</a:t>
             </a:r>
             <a:r>
-              <a:rPr kumimoji="1" lang="en-US" altLang="ja-JP" smtClean="0"/>
+              <a:rPr kumimoji="1" lang="en-US" altLang="ja-JP"/>
               <a:t>1</a:t>
             </a:r>
             <a:endParaRPr kumimoji="1" lang="ja-JP" altLang="en-US" dirty="0"/>
@@ -3525,18 +3521,13 @@
           <a:p>
             <a:pPr algn="ctr"/>
             <a:r>
-              <a:rPr kumimoji="1" lang="ja-JP" altLang="en-US" smtClean="0">
+              <a:rPr kumimoji="1" lang="ja-JP" altLang="en-US">
                 <a:solidFill>
                   <a:schemeClr val="bg1"/>
                 </a:solidFill>
               </a:rPr>
               <a:t>企画・開発</a:t>
             </a:r>
-            <a:endParaRPr kumimoji="1" lang="ja-JP" altLang="en-US">
-              <a:solidFill>
-                <a:schemeClr val="bg1"/>
-              </a:solidFill>
-            </a:endParaRPr>
           </a:p>
         </p:txBody>
       </p:sp>
@@ -3613,18 +3604,13 @@
           <a:p>
             <a:pPr algn="ctr"/>
             <a:r>
-              <a:rPr kumimoji="1" lang="ja-JP" altLang="en-US" smtClean="0">
+              <a:rPr kumimoji="1" lang="ja-JP" altLang="en-US">
                 <a:solidFill>
                   <a:schemeClr val="bg1"/>
                 </a:solidFill>
               </a:rPr>
               <a:t>検証</a:t>
             </a:r>
-            <a:endParaRPr kumimoji="1" lang="ja-JP" altLang="en-US">
-              <a:solidFill>
-                <a:schemeClr val="bg1"/>
-              </a:solidFill>
-            </a:endParaRPr>
           </a:p>
         </p:txBody>
       </p:sp>
@@ -3686,11 +3672,11 @@
           <a:lstStyle/>
           <a:p>
             <a:r>
-              <a:rPr lang="ja-JP" altLang="en-US" smtClean="0"/>
+              <a:rPr lang="ja-JP" altLang="en-US"/>
               <a:t>パターン</a:t>
             </a:r>
             <a:r>
-              <a:rPr lang="en-US" altLang="ja-JP" smtClean="0"/>
+              <a:rPr lang="en-US" altLang="ja-JP"/>
               <a:t>2</a:t>
             </a:r>
             <a:endParaRPr kumimoji="1" lang="ja-JP" altLang="en-US" dirty="0"/>
@@ -3720,11 +3706,11 @@
           <a:lstStyle/>
           <a:p>
             <a:r>
-              <a:rPr lang="ja-JP" altLang="en-US" smtClean="0"/>
+              <a:rPr lang="ja-JP" altLang="en-US"/>
               <a:t>パターン</a:t>
             </a:r>
             <a:r>
-              <a:rPr lang="en-US" altLang="ja-JP" smtClean="0"/>
+              <a:rPr lang="en-US" altLang="ja-JP"/>
               <a:t>4</a:t>
             </a:r>
             <a:endParaRPr kumimoji="1" lang="ja-JP" altLang="en-US" dirty="0"/>
@@ -3776,7 +3762,7 @@
           <a:p>
             <a:pPr algn="ctr"/>
             <a:r>
-              <a:rPr kumimoji="1" lang="en-US" altLang="ja-JP" sz="2400" smtClean="0">
+              <a:rPr kumimoji="1" lang="en-US" altLang="ja-JP" sz="2400">
                 <a:solidFill>
                   <a:schemeClr val="tx1"/>
                 </a:solidFill>
@@ -3873,18 +3859,13 @@
           <a:p>
             <a:pPr algn="ctr"/>
             <a:r>
-              <a:rPr kumimoji="1" lang="ja-JP" altLang="en-US" smtClean="0">
+              <a:rPr kumimoji="1" lang="ja-JP" altLang="en-US">
                 <a:solidFill>
                   <a:schemeClr val="bg1"/>
                 </a:solidFill>
               </a:rPr>
               <a:t>ユーザ</a:t>
             </a:r>
-            <a:endParaRPr kumimoji="1" lang="ja-JP" altLang="en-US">
-              <a:solidFill>
-                <a:schemeClr val="bg1"/>
-              </a:solidFill>
-            </a:endParaRPr>
           </a:p>
         </p:txBody>
       </p:sp>
@@ -3960,7 +3941,7 @@
           <a:p>
             <a:pPr algn="ctr"/>
             <a:r>
-              <a:rPr lang="ja-JP" altLang="en-US" smtClean="0">
+              <a:rPr lang="ja-JP" altLang="en-US">
                 <a:solidFill>
                   <a:schemeClr val="bg1"/>
                 </a:solidFill>
@@ -4055,14 +4036,14 @@
           <a:p>
             <a:pPr algn="ctr"/>
             <a:r>
-              <a:rPr kumimoji="1" lang="ja-JP" altLang="en-US" smtClean="0">
+              <a:rPr kumimoji="1" lang="ja-JP" altLang="en-US">
                 <a:solidFill>
                   <a:schemeClr val="bg1"/>
                 </a:solidFill>
               </a:rPr>
               <a:t>・企画</a:t>
             </a:r>
-            <a:endParaRPr kumimoji="1" lang="en-US" altLang="ja-JP" smtClean="0">
+            <a:endParaRPr kumimoji="1" lang="en-US" altLang="ja-JP">
               <a:solidFill>
                 <a:schemeClr val="bg1"/>
               </a:solidFill>
@@ -4071,18 +4052,13 @@
           <a:p>
             <a:pPr algn="ctr"/>
             <a:r>
-              <a:rPr kumimoji="1" lang="ja-JP" altLang="en-US" smtClean="0">
+              <a:rPr kumimoji="1" lang="ja-JP" altLang="en-US">
                 <a:solidFill>
                   <a:schemeClr val="bg1"/>
                 </a:solidFill>
               </a:rPr>
               <a:t>・検収</a:t>
             </a:r>
-            <a:endParaRPr kumimoji="1" lang="ja-JP" altLang="en-US">
-              <a:solidFill>
-                <a:schemeClr val="bg1"/>
-              </a:solidFill>
-            </a:endParaRPr>
           </a:p>
         </p:txBody>
       </p:sp>
@@ -4159,18 +4135,13 @@
           <a:p>
             <a:pPr algn="ctr"/>
             <a:r>
-              <a:rPr kumimoji="1" lang="ja-JP" altLang="en-US" smtClean="0">
+              <a:rPr kumimoji="1" lang="ja-JP" altLang="en-US">
                 <a:solidFill>
                   <a:schemeClr val="bg1"/>
                 </a:solidFill>
               </a:rPr>
               <a:t>検証</a:t>
             </a:r>
-            <a:endParaRPr kumimoji="1" lang="ja-JP" altLang="en-US">
-              <a:solidFill>
-                <a:schemeClr val="bg1"/>
-              </a:solidFill>
-            </a:endParaRPr>
           </a:p>
         </p:txBody>
       </p:sp>
@@ -4254,7 +4225,7 @@
           <a:p>
             <a:pPr algn="ctr"/>
             <a:r>
-              <a:rPr kumimoji="1" lang="en-US" altLang="ja-JP" sz="2400" smtClean="0">
+              <a:rPr kumimoji="1" lang="en-US" altLang="ja-JP" sz="2400">
                 <a:solidFill>
                   <a:schemeClr val="tx1"/>
                 </a:solidFill>
@@ -4353,18 +4324,13 @@
           <a:p>
             <a:pPr algn="ctr"/>
             <a:r>
-              <a:rPr kumimoji="1" lang="ja-JP" altLang="en-US" smtClean="0">
+              <a:rPr kumimoji="1" lang="ja-JP" altLang="en-US">
                 <a:solidFill>
                   <a:schemeClr val="bg1"/>
                 </a:solidFill>
               </a:rPr>
               <a:t>ユーザ</a:t>
             </a:r>
-            <a:endParaRPr kumimoji="1" lang="ja-JP" altLang="en-US">
-              <a:solidFill>
-                <a:schemeClr val="bg1"/>
-              </a:solidFill>
-            </a:endParaRPr>
           </a:p>
         </p:txBody>
       </p:sp>
@@ -4452,14 +4418,14 @@
           <a:p>
             <a:pPr algn="ctr"/>
             <a:r>
-              <a:rPr lang="ja-JP" altLang="en-US" sz="1400" smtClean="0">
+              <a:rPr lang="ja-JP" altLang="en-US" sz="1400">
                 <a:solidFill>
                   <a:schemeClr val="bg1"/>
                 </a:solidFill>
               </a:rPr>
               <a:t>ソフト</a:t>
             </a:r>
-            <a:endParaRPr lang="en-US" altLang="ja-JP" sz="1400" smtClean="0">
+            <a:endParaRPr lang="en-US" altLang="ja-JP" sz="1400">
               <a:solidFill>
                 <a:schemeClr val="bg1"/>
               </a:solidFill>
@@ -4468,7 +4434,7 @@
           <a:p>
             <a:pPr algn="ctr"/>
             <a:r>
-              <a:rPr lang="ja-JP" altLang="en-US" sz="1400" smtClean="0">
+              <a:rPr lang="ja-JP" altLang="en-US" sz="1400">
                 <a:solidFill>
                   <a:schemeClr val="bg1"/>
                 </a:solidFill>
@@ -4543,10 +4509,9 @@
           <a:lstStyle/>
           <a:p>
             <a:r>
-              <a:rPr kumimoji="1" lang="ja-JP" altLang="en-US" smtClean="0"/>
+              <a:rPr kumimoji="1" lang="ja-JP" altLang="en-US"/>
               <a:t>発注</a:t>
             </a:r>
-            <a:endParaRPr kumimoji="1" lang="ja-JP" altLang="en-US"/>
           </a:p>
         </p:txBody>
       </p:sp>
@@ -4573,11 +4538,11 @@
           <a:lstStyle/>
           <a:p>
             <a:r>
-              <a:rPr lang="ja-JP" altLang="en-US" smtClean="0"/>
+              <a:rPr lang="ja-JP" altLang="en-US"/>
               <a:t>パターン</a:t>
             </a:r>
             <a:r>
-              <a:rPr kumimoji="1" lang="en-US" altLang="ja-JP" smtClean="0"/>
+              <a:rPr kumimoji="1" lang="en-US" altLang="ja-JP"/>
               <a:t>3</a:t>
             </a:r>
             <a:endParaRPr kumimoji="1" lang="ja-JP" altLang="en-US" dirty="0"/>
@@ -4663,37 +4628,24 @@
           <a:lstStyle/>
           <a:p>
             <a:r>
-              <a:rPr lang="ja-JP" altLang="en-US" smtClean="0">
+              <a:rPr lang="ja-JP" altLang="en-US">
                 <a:solidFill>
                   <a:schemeClr val="bg1"/>
                 </a:solidFill>
               </a:rPr>
               <a:t>・開発・検証</a:t>
             </a:r>
-            <a:endParaRPr lang="ja-JP" altLang="en-US">
-              <a:solidFill>
-                <a:schemeClr val="bg1"/>
-              </a:solidFill>
-            </a:endParaRPr>
-          </a:p>
-          <a:p>
-            <a:r>
-              <a:rPr lang="ja-JP" altLang="en-US" smtClean="0">
+          </a:p>
+          <a:p>
+            <a:r>
+              <a:rPr lang="ja-JP" altLang="en-US">
                 <a:solidFill>
                   <a:schemeClr val="bg1"/>
                 </a:solidFill>
               </a:rPr>
-              <a:t>・</a:t>
-            </a:r>
-            <a:r>
-              <a:rPr lang="ja-JP" altLang="en-US" smtClean="0">
-                <a:solidFill>
-                  <a:schemeClr val="bg1"/>
-                </a:solidFill>
-              </a:rPr>
-              <a:t>検収</a:t>
-            </a:r>
-            <a:endParaRPr lang="en-US" altLang="ja-JP" smtClean="0">
+              <a:t>・検収</a:t>
+            </a:r>
+            <a:endParaRPr lang="en-US" altLang="ja-JP">
               <a:solidFill>
                 <a:schemeClr val="bg1"/>
               </a:solidFill>
@@ -4746,7 +4698,7 @@
           <a:p>
             <a:pPr algn="ctr"/>
             <a:r>
-              <a:rPr kumimoji="1" lang="en-US" altLang="ja-JP" sz="2400" smtClean="0">
+              <a:rPr kumimoji="1" lang="en-US" altLang="ja-JP" sz="2400">
                 <a:solidFill>
                   <a:schemeClr val="tx1"/>
                 </a:solidFill>
@@ -4845,14 +4797,14 @@
           <a:p>
             <a:pPr algn="ctr"/>
             <a:r>
-              <a:rPr kumimoji="1" lang="ja-JP" altLang="en-US" smtClean="0">
+              <a:rPr kumimoji="1" lang="ja-JP" altLang="en-US">
                 <a:solidFill>
                   <a:schemeClr val="bg1"/>
                 </a:solidFill>
               </a:rPr>
               <a:t>ユーザ</a:t>
             </a:r>
-            <a:endParaRPr kumimoji="1" lang="en-US" altLang="ja-JP" smtClean="0">
+            <a:endParaRPr kumimoji="1" lang="en-US" altLang="ja-JP">
               <a:solidFill>
                 <a:schemeClr val="bg1"/>
               </a:solidFill>
@@ -4861,7 +4813,7 @@
           <a:p>
             <a:pPr algn="ctr"/>
             <a:r>
-              <a:rPr lang="ja-JP" altLang="en-US" smtClean="0">
+              <a:rPr lang="ja-JP" altLang="en-US">
                 <a:solidFill>
                   <a:schemeClr val="bg1"/>
                 </a:solidFill>
@@ -4962,14 +4914,14 @@
           <a:p>
             <a:pPr algn="ctr"/>
             <a:r>
-              <a:rPr lang="ja-JP" altLang="en-US" sz="1400" smtClean="0">
+              <a:rPr lang="ja-JP" altLang="en-US" sz="1400">
                 <a:solidFill>
                   <a:schemeClr val="bg1"/>
                 </a:solidFill>
               </a:rPr>
               <a:t>ソフト</a:t>
             </a:r>
-            <a:endParaRPr lang="en-US" altLang="ja-JP" sz="1400" smtClean="0">
+            <a:endParaRPr lang="en-US" altLang="ja-JP" sz="1400">
               <a:solidFill>
                 <a:schemeClr val="bg1"/>
               </a:solidFill>
@@ -4978,7 +4930,7 @@
           <a:p>
             <a:pPr algn="ctr"/>
             <a:r>
-              <a:rPr lang="ja-JP" altLang="en-US" sz="1400" smtClean="0">
+              <a:rPr lang="ja-JP" altLang="en-US" sz="1400">
                 <a:solidFill>
                   <a:schemeClr val="bg1"/>
                 </a:solidFill>
@@ -5053,10 +5005,9 @@
           <a:lstStyle/>
           <a:p>
             <a:r>
-              <a:rPr kumimoji="1" lang="ja-JP" altLang="en-US" smtClean="0"/>
+              <a:rPr kumimoji="1" lang="ja-JP" altLang="en-US"/>
               <a:t>発注</a:t>
             </a:r>
-            <a:endParaRPr kumimoji="1" lang="ja-JP" altLang="en-US"/>
           </a:p>
         </p:txBody>
       </p:sp>
@@ -5083,10 +5034,9 @@
           <a:lstStyle/>
           <a:p>
             <a:r>
-              <a:rPr kumimoji="1" lang="ja-JP" altLang="en-US" smtClean="0"/>
+              <a:rPr kumimoji="1" lang="ja-JP" altLang="en-US"/>
               <a:t>発注</a:t>
             </a:r>
-            <a:endParaRPr kumimoji="1" lang="ja-JP" altLang="en-US"/>
           </a:p>
         </p:txBody>
       </p:sp>
@@ -5135,7 +5085,7 @@
           <a:p>
             <a:pPr algn="ctr"/>
             <a:r>
-              <a:rPr kumimoji="1" lang="en-US" altLang="ja-JP" sz="2400" smtClean="0">
+              <a:rPr kumimoji="1" lang="en-US" altLang="ja-JP" sz="2400">
                 <a:solidFill>
                   <a:schemeClr val="tx1"/>
                 </a:solidFill>
@@ -5266,7 +5216,7 @@
           <a:p>
             <a:pPr algn="ctr"/>
             <a:r>
-              <a:rPr lang="ja-JP" altLang="en-US" smtClean="0">
+              <a:rPr lang="ja-JP" altLang="en-US">
                 <a:solidFill>
                   <a:schemeClr val="bg1"/>
                 </a:solidFill>
@@ -5326,7 +5276,7 @@
           <a:p>
             <a:pPr algn="ctr"/>
             <a:r>
-              <a:rPr kumimoji="1" lang="en-US" altLang="ja-JP" sz="2400" smtClean="0">
+              <a:rPr kumimoji="1" lang="en-US" altLang="ja-JP" sz="2400">
                 <a:solidFill>
                   <a:schemeClr val="tx1"/>
                 </a:solidFill>
@@ -5461,14 +5411,14 @@
           <a:p>
             <a:pPr algn="ctr"/>
             <a:r>
-              <a:rPr lang="ja-JP" altLang="en-US" sz="1400" smtClean="0">
+              <a:rPr lang="ja-JP" altLang="en-US" sz="1400">
                 <a:solidFill>
                   <a:schemeClr val="bg1"/>
                 </a:solidFill>
               </a:rPr>
               <a:t>製品</a:t>
             </a:r>
-            <a:endParaRPr lang="en-US" altLang="ja-JP" sz="1400" smtClean="0">
+            <a:endParaRPr lang="en-US" altLang="ja-JP" sz="1400">
               <a:solidFill>
                 <a:schemeClr val="bg1"/>
               </a:solidFill>
@@ -5477,7 +5427,7 @@
           <a:p>
             <a:pPr algn="ctr"/>
             <a:r>
-              <a:rPr lang="ja-JP" altLang="en-US" sz="1400" smtClean="0">
+              <a:rPr lang="ja-JP" altLang="en-US" sz="1400">
                 <a:solidFill>
                   <a:schemeClr val="bg1"/>
                 </a:solidFill>
@@ -5552,7 +5502,7 @@
           <a:lstStyle/>
           <a:p>
             <a:r>
-              <a:rPr lang="ja-JP" altLang="en-US" smtClean="0"/>
+              <a:rPr lang="ja-JP" altLang="en-US"/>
               <a:t>購入</a:t>
             </a:r>
             <a:endParaRPr kumimoji="1" lang="ja-JP" altLang="en-US"/>
@@ -5608,18 +5558,13 @@
           <a:p>
             <a:pPr algn="ctr"/>
             <a:r>
-              <a:rPr kumimoji="1" lang="ja-JP" altLang="en-US" smtClean="0">
+              <a:rPr kumimoji="1" lang="ja-JP" altLang="en-US">
                 <a:solidFill>
                   <a:schemeClr val="bg1"/>
                 </a:solidFill>
               </a:rPr>
               <a:t>ユーザ</a:t>
             </a:r>
-            <a:endParaRPr kumimoji="1" lang="ja-JP" altLang="en-US">
-              <a:solidFill>
-                <a:schemeClr val="bg1"/>
-              </a:solidFill>
-            </a:endParaRPr>
           </a:p>
         </p:txBody>
       </p:sp>
@@ -5646,10 +5591,9 @@
           <a:lstStyle/>
           <a:p>
             <a:r>
-              <a:rPr kumimoji="1" lang="ja-JP" altLang="en-US" smtClean="0"/>
+              <a:rPr kumimoji="1" lang="ja-JP" altLang="en-US"/>
               <a:t>販売</a:t>
             </a:r>
-            <a:endParaRPr kumimoji="1" lang="ja-JP" altLang="en-US"/>
           </a:p>
         </p:txBody>
       </p:sp>
@@ -5728,10 +5672,9 @@
           <a:lstStyle/>
           <a:p>
             <a:r>
-              <a:rPr kumimoji="1" lang="ja-JP" altLang="en-US" smtClean="0"/>
+              <a:rPr kumimoji="1" lang="ja-JP" altLang="en-US"/>
               <a:t>販売</a:t>
             </a:r>
-            <a:endParaRPr kumimoji="1" lang="ja-JP" altLang="en-US"/>
           </a:p>
         </p:txBody>
       </p:sp>
@@ -5758,10 +5701,9 @@
           <a:lstStyle/>
           <a:p>
             <a:r>
-              <a:rPr kumimoji="1" lang="ja-JP" altLang="en-US" smtClean="0"/>
+              <a:rPr kumimoji="1" lang="ja-JP" altLang="en-US"/>
               <a:t>納品</a:t>
             </a:r>
-            <a:endParaRPr kumimoji="1" lang="ja-JP" altLang="en-US"/>
           </a:p>
         </p:txBody>
       </p:sp>
@@ -5788,10 +5730,9 @@
           <a:lstStyle/>
           <a:p>
             <a:r>
-              <a:rPr kumimoji="1" lang="ja-JP" altLang="en-US" smtClean="0"/>
+              <a:rPr kumimoji="1" lang="ja-JP" altLang="en-US"/>
               <a:t>納品</a:t>
             </a:r>
-            <a:endParaRPr kumimoji="1" lang="ja-JP" altLang="en-US"/>
           </a:p>
         </p:txBody>
       </p:sp>
@@ -5818,10 +5759,9 @@
           <a:lstStyle/>
           <a:p>
             <a:r>
-              <a:rPr kumimoji="1" lang="ja-JP" altLang="en-US" smtClean="0"/>
+              <a:rPr kumimoji="1" lang="ja-JP" altLang="en-US"/>
               <a:t>納品</a:t>
             </a:r>
-            <a:endParaRPr kumimoji="1" lang="ja-JP" altLang="en-US"/>
           </a:p>
         </p:txBody>
       </p:sp>
@@ -5905,14 +5845,14 @@
           <a:p>
             <a:pPr algn="ctr"/>
             <a:r>
-              <a:rPr lang="ja-JP" altLang="en-US" smtClean="0">
+              <a:rPr lang="ja-JP" altLang="en-US">
                 <a:solidFill>
                   <a:schemeClr val="bg1"/>
                 </a:solidFill>
               </a:rPr>
               <a:t>・検収</a:t>
             </a:r>
-            <a:endParaRPr lang="en-US" altLang="ja-JP" smtClean="0">
+            <a:endParaRPr lang="en-US" altLang="ja-JP">
               <a:solidFill>
                 <a:schemeClr val="bg1"/>
               </a:solidFill>
@@ -5921,7 +5861,7 @@
           <a:p>
             <a:pPr algn="ctr"/>
             <a:r>
-              <a:rPr lang="ja-JP" altLang="en-US" smtClean="0">
+              <a:rPr lang="ja-JP" altLang="en-US">
                 <a:solidFill>
                   <a:schemeClr val="bg1"/>
                 </a:solidFill>
@@ -5989,10 +5929,9 @@
           <a:lstStyle/>
           <a:p>
             <a:r>
-              <a:rPr kumimoji="1" lang="ja-JP" altLang="en-US" smtClean="0"/>
+              <a:rPr kumimoji="1" lang="ja-JP" altLang="en-US"/>
               <a:t>販売</a:t>
             </a:r>
-            <a:endParaRPr kumimoji="1" lang="ja-JP" altLang="en-US"/>
           </a:p>
         </p:txBody>
       </p:sp>
@@ -6092,10 +6031,9 @@
           <a:lstStyle/>
           <a:p>
             <a:r>
-              <a:rPr kumimoji="1" lang="ja-JP" altLang="en-US" smtClean="0"/>
+              <a:rPr kumimoji="1" lang="ja-JP" altLang="en-US"/>
               <a:t>販売</a:t>
             </a:r>
-            <a:endParaRPr kumimoji="1" lang="ja-JP" altLang="en-US"/>
           </a:p>
         </p:txBody>
       </p:sp>
@@ -6136,7 +6074,7 @@
           <a:p>
             <a:pPr algn="ctr"/>
             <a:r>
-              <a:rPr lang="ja-JP" altLang="en-US" smtClean="0">
+              <a:rPr lang="ja-JP" altLang="en-US">
                 <a:solidFill>
                   <a:schemeClr val="bg1"/>
                 </a:solidFill>
@@ -6207,6 +6145,4277 @@
     <p:extLst>
       <p:ext uri="{BB962C8B-B14F-4D97-AF65-F5344CB8AC3E}">
         <p14:creationId xmlns:p14="http://schemas.microsoft.com/office/powerpoint/2010/main" val="2727086800"/>
+      </p:ext>
+    </p:extLst>
+  </p:cSld>
+  <p:clrMapOvr>
+    <a:masterClrMapping/>
+  </p:clrMapOvr>
+</p:sld>
+</file>
+
+<file path=ppt/slides/slide2.xml><?xml version="1.0" encoding="utf-8"?>
+<p:sld xmlns:a="http://schemas.openxmlformats.org/drawingml/2006/main" xmlns:r="http://schemas.openxmlformats.org/officeDocument/2006/relationships" xmlns:p="http://schemas.openxmlformats.org/presentationml/2006/main">
+  <p:cSld>
+    <p:spTree>
+      <p:nvGrpSpPr>
+        <p:cNvPr id="1" name=""/>
+        <p:cNvGrpSpPr/>
+        <p:nvPr/>
+      </p:nvGrpSpPr>
+      <p:grpSpPr>
+        <a:xfrm>
+          <a:off x="0" y="0"/>
+          <a:ext cx="0" cy="0"/>
+          <a:chOff x="0" y="0"/>
+          <a:chExt cx="0" cy="0"/>
+        </a:xfrm>
+      </p:grpSpPr>
+      <p:sp>
+        <p:nvSpPr>
+          <p:cNvPr id="2" name="フッター プレースホルダー 1">
+            <a:extLst>
+              <a:ext uri="{FF2B5EF4-FFF2-40B4-BE49-F238E27FC236}">
+                <a16:creationId xmlns:a16="http://schemas.microsoft.com/office/drawing/2014/main" id="{E8DFE1D6-FE49-4377-A3BD-BCE7470B4846}"/>
+              </a:ext>
+            </a:extLst>
+          </p:cNvPr>
+          <p:cNvSpPr>
+            <a:spLocks noGrp="1"/>
+          </p:cNvSpPr>
+          <p:nvPr>
+            <p:ph type="ftr" sz="quarter" idx="11"/>
+          </p:nvPr>
+        </p:nvSpPr>
+        <p:spPr>
+          <a:xfrm>
+            <a:off x="3486150" y="5624513"/>
+            <a:ext cx="2171700" cy="273844"/>
+          </a:xfrm>
+        </p:spPr>
+        <p:txBody>
+          <a:bodyPr/>
+          <a:lstStyle/>
+          <a:p>
+            <a:pPr defTabSz="685800">
+              <a:defRPr/>
+            </a:pPr>
+            <a:r>
+              <a:rPr lang="en-US" altLang="ja-JP" sz="900">
+                <a:solidFill>
+                  <a:prstClr val="black">
+                    <a:tint val="75000"/>
+                  </a:prstClr>
+                </a:solidFill>
+                <a:latin typeface="Calibri"/>
+                <a:ea typeface="ＭＳ Ｐゴシック" panose="020B0600070205080204" pitchFamily="50" charset="-128"/>
+              </a:rPr>
+              <a:t>CC0-1.0</a:t>
+            </a:r>
+            <a:endParaRPr lang="ja-JP" altLang="en-US" sz="900" dirty="0">
+              <a:solidFill>
+                <a:prstClr val="black">
+                  <a:tint val="75000"/>
+                </a:prstClr>
+              </a:solidFill>
+              <a:latin typeface="Calibri"/>
+              <a:ea typeface="ＭＳ Ｐゴシック" panose="020B0600070205080204" pitchFamily="50" charset="-128"/>
+            </a:endParaRPr>
+          </a:p>
+        </p:txBody>
+      </p:sp>
+      <p:sp>
+        <p:nvSpPr>
+          <p:cNvPr id="3" name="四角形: 角を丸くする 2">
+            <a:extLst>
+              <a:ext uri="{FF2B5EF4-FFF2-40B4-BE49-F238E27FC236}">
+                <a16:creationId xmlns:a16="http://schemas.microsoft.com/office/drawing/2014/main" id="{2C34A4A2-6303-43D7-A31A-2AA017E830C7}"/>
+              </a:ext>
+            </a:extLst>
+          </p:cNvPr>
+          <p:cNvSpPr/>
+          <p:nvPr/>
+        </p:nvSpPr>
+        <p:spPr>
+          <a:xfrm>
+            <a:off x="390684" y="2570542"/>
+            <a:ext cx="1299754" cy="2403566"/>
+          </a:xfrm>
+          <a:prstGeom prst="roundRect">
+            <a:avLst/>
+          </a:prstGeom>
+          <a:solidFill>
+            <a:srgbClr val="00B050"/>
+          </a:solidFill>
+          <a:ln>
+            <a:solidFill>
+              <a:srgbClr val="00B050"/>
+            </a:solidFill>
+          </a:ln>
+        </p:spPr>
+        <p:style>
+          <a:lnRef idx="2">
+            <a:schemeClr val="accent1">
+              <a:shade val="50000"/>
+            </a:schemeClr>
+          </a:lnRef>
+          <a:fillRef idx="1">
+            <a:schemeClr val="accent1"/>
+          </a:fillRef>
+          <a:effectRef idx="0">
+            <a:schemeClr val="accent1"/>
+          </a:effectRef>
+          <a:fontRef idx="minor">
+            <a:schemeClr val="lt1"/>
+          </a:fontRef>
+        </p:style>
+        <p:txBody>
+          <a:bodyPr rtlCol="0" anchor="ctr"/>
+          <a:lstStyle/>
+          <a:p>
+            <a:pPr algn="ctr" defTabSz="685800">
+              <a:defRPr/>
+            </a:pPr>
+            <a:r>
+              <a:rPr lang="ja-JP" altLang="en-US" sz="1350" dirty="0">
+                <a:solidFill>
+                  <a:prstClr val="white"/>
+                </a:solidFill>
+                <a:latin typeface="Calibri"/>
+                <a:ea typeface="ＭＳ Ｐゴシック" panose="020B0600070205080204" pitchFamily="50" charset="-128"/>
+              </a:rPr>
+              <a:t>ソフトウェア</a:t>
+            </a:r>
+            <a:endParaRPr lang="en-US" altLang="ja-JP" sz="1350" dirty="0">
+              <a:solidFill>
+                <a:prstClr val="white"/>
+              </a:solidFill>
+              <a:latin typeface="Calibri"/>
+              <a:ea typeface="ＭＳ Ｐゴシック" panose="020B0600070205080204" pitchFamily="50" charset="-128"/>
+            </a:endParaRPr>
+          </a:p>
+          <a:p>
+            <a:pPr algn="ctr" defTabSz="685800">
+              <a:defRPr/>
+            </a:pPr>
+            <a:r>
+              <a:rPr lang="ja-JP" altLang="en-US" sz="1350" dirty="0">
+                <a:solidFill>
+                  <a:prstClr val="white"/>
+                </a:solidFill>
+                <a:latin typeface="Calibri"/>
+                <a:ea typeface="ＭＳ Ｐゴシック" panose="020B0600070205080204" pitchFamily="50" charset="-128"/>
+              </a:rPr>
+              <a:t>供給者</a:t>
+            </a:r>
+          </a:p>
+        </p:txBody>
+      </p:sp>
+      <p:sp>
+        <p:nvSpPr>
+          <p:cNvPr id="7" name="四角形: 角を丸くする 6">
+            <a:extLst>
+              <a:ext uri="{FF2B5EF4-FFF2-40B4-BE49-F238E27FC236}">
+                <a16:creationId xmlns:a16="http://schemas.microsoft.com/office/drawing/2014/main" id="{8E1A5EC1-C62A-4EBD-8155-D9DD4151CBB7}"/>
+              </a:ext>
+            </a:extLst>
+          </p:cNvPr>
+          <p:cNvSpPr/>
+          <p:nvPr/>
+        </p:nvSpPr>
+        <p:spPr>
+          <a:xfrm>
+            <a:off x="2713013" y="1765119"/>
+            <a:ext cx="3348152" cy="3200396"/>
+          </a:xfrm>
+          <a:prstGeom prst="roundRect">
+            <a:avLst/>
+          </a:prstGeom>
+          <a:solidFill>
+            <a:schemeClr val="accent1">
+              <a:lumMod val="20000"/>
+              <a:lumOff val="80000"/>
+            </a:schemeClr>
+          </a:solidFill>
+        </p:spPr>
+        <p:style>
+          <a:lnRef idx="2">
+            <a:schemeClr val="accent1">
+              <a:shade val="50000"/>
+            </a:schemeClr>
+          </a:lnRef>
+          <a:fillRef idx="1">
+            <a:schemeClr val="accent1"/>
+          </a:fillRef>
+          <a:effectRef idx="0">
+            <a:schemeClr val="accent1"/>
+          </a:effectRef>
+          <a:fontRef idx="minor">
+            <a:schemeClr val="lt1"/>
+          </a:fontRef>
+        </p:style>
+        <p:txBody>
+          <a:bodyPr rtlCol="0" anchor="ctr"/>
+          <a:lstStyle/>
+          <a:p>
+            <a:pPr algn="ctr" defTabSz="685800">
+              <a:defRPr/>
+            </a:pPr>
+            <a:endParaRPr lang="ja-JP" altLang="en-US" sz="1350">
+              <a:solidFill>
+                <a:prstClr val="white"/>
+              </a:solidFill>
+              <a:latin typeface="Calibri"/>
+              <a:ea typeface="ＭＳ Ｐゴシック" panose="020B0600070205080204" pitchFamily="50" charset="-128"/>
+            </a:endParaRPr>
+          </a:p>
+        </p:txBody>
+      </p:sp>
+      <p:sp>
+        <p:nvSpPr>
+          <p:cNvPr id="8" name="四角形: 角を丸くする 7">
+            <a:extLst>
+              <a:ext uri="{FF2B5EF4-FFF2-40B4-BE49-F238E27FC236}">
+                <a16:creationId xmlns:a16="http://schemas.microsoft.com/office/drawing/2014/main" id="{89052F24-0417-4CDA-8638-962F182F5F29}"/>
+              </a:ext>
+            </a:extLst>
+          </p:cNvPr>
+          <p:cNvSpPr/>
+          <p:nvPr/>
+        </p:nvSpPr>
+        <p:spPr>
+          <a:xfrm>
+            <a:off x="7380312" y="2676249"/>
+            <a:ext cx="1299754" cy="2403566"/>
+          </a:xfrm>
+          <a:prstGeom prst="roundRect">
+            <a:avLst/>
+          </a:prstGeom>
+          <a:solidFill>
+            <a:srgbClr val="00B050"/>
+          </a:solidFill>
+          <a:ln>
+            <a:solidFill>
+              <a:srgbClr val="00B050"/>
+            </a:solidFill>
+          </a:ln>
+        </p:spPr>
+        <p:style>
+          <a:lnRef idx="2">
+            <a:schemeClr val="accent1">
+              <a:shade val="50000"/>
+            </a:schemeClr>
+          </a:lnRef>
+          <a:fillRef idx="1">
+            <a:schemeClr val="accent1"/>
+          </a:fillRef>
+          <a:effectRef idx="0">
+            <a:schemeClr val="accent1"/>
+          </a:effectRef>
+          <a:fontRef idx="minor">
+            <a:schemeClr val="lt1"/>
+          </a:fontRef>
+        </p:style>
+        <p:txBody>
+          <a:bodyPr rtlCol="0" anchor="ctr"/>
+          <a:lstStyle/>
+          <a:p>
+            <a:pPr algn="ctr" defTabSz="685800">
+              <a:defRPr/>
+            </a:pPr>
+            <a:r>
+              <a:rPr lang="ja-JP" altLang="en-US" sz="1350" dirty="0">
+                <a:solidFill>
+                  <a:prstClr val="white"/>
+                </a:solidFill>
+                <a:latin typeface="Calibri"/>
+                <a:ea typeface="ＭＳ Ｐゴシック" panose="020B0600070205080204" pitchFamily="50" charset="-128"/>
+              </a:rPr>
+              <a:t>顧客</a:t>
+            </a:r>
+          </a:p>
+        </p:txBody>
+      </p:sp>
+      <p:sp>
+        <p:nvSpPr>
+          <p:cNvPr id="10" name="四角形: 角を丸くする 9">
+            <a:extLst>
+              <a:ext uri="{FF2B5EF4-FFF2-40B4-BE49-F238E27FC236}">
+                <a16:creationId xmlns:a16="http://schemas.microsoft.com/office/drawing/2014/main" id="{3E8CA6F4-9AF7-4331-9663-D13706D8F841}"/>
+              </a:ext>
+            </a:extLst>
+          </p:cNvPr>
+          <p:cNvSpPr/>
+          <p:nvPr/>
+        </p:nvSpPr>
+        <p:spPr>
+          <a:xfrm>
+            <a:off x="3187419" y="5087082"/>
+            <a:ext cx="2671346" cy="473307"/>
+          </a:xfrm>
+          <a:prstGeom prst="roundRect">
+            <a:avLst/>
+          </a:prstGeom>
+          <a:solidFill>
+            <a:srgbClr val="00B050"/>
+          </a:solidFill>
+          <a:ln>
+            <a:solidFill>
+              <a:srgbClr val="00B050"/>
+            </a:solidFill>
+          </a:ln>
+        </p:spPr>
+        <p:style>
+          <a:lnRef idx="2">
+            <a:schemeClr val="accent1">
+              <a:shade val="50000"/>
+            </a:schemeClr>
+          </a:lnRef>
+          <a:fillRef idx="1">
+            <a:schemeClr val="accent1"/>
+          </a:fillRef>
+          <a:effectRef idx="0">
+            <a:schemeClr val="accent1"/>
+          </a:effectRef>
+          <a:fontRef idx="minor">
+            <a:schemeClr val="lt1"/>
+          </a:fontRef>
+        </p:style>
+        <p:txBody>
+          <a:bodyPr rtlCol="0" anchor="ctr"/>
+          <a:lstStyle/>
+          <a:p>
+            <a:pPr algn="ctr" defTabSz="685800">
+              <a:defRPr/>
+            </a:pPr>
+            <a:r>
+              <a:rPr lang="ja-JP" altLang="en-US" sz="1350" dirty="0">
+                <a:solidFill>
+                  <a:prstClr val="white"/>
+                </a:solidFill>
+                <a:latin typeface="Calibri"/>
+                <a:ea typeface="ＭＳ Ｐゴシック" panose="020B0600070205080204" pitchFamily="50" charset="-128"/>
+              </a:rPr>
+              <a:t>オープンソースコミュニティ</a:t>
+            </a:r>
+          </a:p>
+        </p:txBody>
+      </p:sp>
+      <p:sp>
+        <p:nvSpPr>
+          <p:cNvPr id="11" name="四角形: 角を丸くする 10">
+            <a:extLst>
+              <a:ext uri="{FF2B5EF4-FFF2-40B4-BE49-F238E27FC236}">
+                <a16:creationId xmlns:a16="http://schemas.microsoft.com/office/drawing/2014/main" id="{AFB6E93C-9793-472A-B955-A686FAC84609}"/>
+              </a:ext>
+            </a:extLst>
+          </p:cNvPr>
+          <p:cNvSpPr/>
+          <p:nvPr/>
+        </p:nvSpPr>
+        <p:spPr>
+          <a:xfrm>
+            <a:off x="3627563" y="2761490"/>
+            <a:ext cx="1609418" cy="1336379"/>
+          </a:xfrm>
+          <a:prstGeom prst="roundRect">
+            <a:avLst/>
+          </a:prstGeom>
+          <a:solidFill>
+            <a:srgbClr val="FFC000"/>
+          </a:solidFill>
+          <a:ln>
+            <a:noFill/>
+          </a:ln>
+        </p:spPr>
+        <p:style>
+          <a:lnRef idx="2">
+            <a:schemeClr val="accent1">
+              <a:shade val="50000"/>
+            </a:schemeClr>
+          </a:lnRef>
+          <a:fillRef idx="1">
+            <a:schemeClr val="accent1"/>
+          </a:fillRef>
+          <a:effectRef idx="0">
+            <a:schemeClr val="accent1"/>
+          </a:effectRef>
+          <a:fontRef idx="minor">
+            <a:schemeClr val="lt1"/>
+          </a:fontRef>
+        </p:style>
+        <p:txBody>
+          <a:bodyPr rtlCol="0" anchor="ctr"/>
+          <a:lstStyle/>
+          <a:p>
+            <a:pPr algn="ctr" defTabSz="685800">
+              <a:defRPr/>
+            </a:pPr>
+            <a:r>
+              <a:rPr lang="ja-JP" altLang="en-US" sz="1350" dirty="0">
+                <a:solidFill>
+                  <a:prstClr val="black"/>
+                </a:solidFill>
+                <a:latin typeface="Calibri"/>
+                <a:ea typeface="ＭＳ Ｐゴシック" panose="020B0600070205080204" pitchFamily="50" charset="-128"/>
+              </a:rPr>
+              <a:t>ソフトウエア</a:t>
+            </a:r>
+            <a:endParaRPr lang="en-US" altLang="ja-JP" sz="1350" dirty="0">
+              <a:solidFill>
+                <a:prstClr val="black"/>
+              </a:solidFill>
+              <a:latin typeface="Calibri"/>
+              <a:ea typeface="ＭＳ Ｐゴシック" panose="020B0600070205080204" pitchFamily="50" charset="-128"/>
+            </a:endParaRPr>
+          </a:p>
+          <a:p>
+            <a:pPr algn="ctr" defTabSz="685800">
+              <a:defRPr/>
+            </a:pPr>
+            <a:r>
+              <a:rPr lang="ja-JP" altLang="en-US" sz="1350" dirty="0">
+                <a:solidFill>
+                  <a:prstClr val="black"/>
+                </a:solidFill>
+                <a:latin typeface="Calibri"/>
+                <a:ea typeface="ＭＳ Ｐゴシック" panose="020B0600070205080204" pitchFamily="50" charset="-128"/>
+              </a:rPr>
+              <a:t>開発・設計</a:t>
+            </a:r>
+          </a:p>
+        </p:txBody>
+      </p:sp>
+      <p:sp>
+        <p:nvSpPr>
+          <p:cNvPr id="17" name="四角形: 角を丸くする 16">
+            <a:extLst>
+              <a:ext uri="{FF2B5EF4-FFF2-40B4-BE49-F238E27FC236}">
+                <a16:creationId xmlns:a16="http://schemas.microsoft.com/office/drawing/2014/main" id="{04085E13-10DF-491F-B9A2-245D5988475A}"/>
+              </a:ext>
+            </a:extLst>
+          </p:cNvPr>
+          <p:cNvSpPr/>
+          <p:nvPr/>
+        </p:nvSpPr>
+        <p:spPr>
+          <a:xfrm>
+            <a:off x="3037049" y="2008965"/>
+            <a:ext cx="554355" cy="279218"/>
+          </a:xfrm>
+          <a:prstGeom prst="roundRect">
+            <a:avLst/>
+          </a:prstGeom>
+          <a:solidFill>
+            <a:srgbClr val="FFC000"/>
+          </a:solidFill>
+          <a:ln>
+            <a:noFill/>
+          </a:ln>
+        </p:spPr>
+        <p:style>
+          <a:lnRef idx="2">
+            <a:schemeClr val="accent1">
+              <a:shade val="50000"/>
+            </a:schemeClr>
+          </a:lnRef>
+          <a:fillRef idx="1">
+            <a:schemeClr val="accent1"/>
+          </a:fillRef>
+          <a:effectRef idx="0">
+            <a:schemeClr val="accent1"/>
+          </a:effectRef>
+          <a:fontRef idx="minor">
+            <a:schemeClr val="lt1"/>
+          </a:fontRef>
+        </p:style>
+        <p:txBody>
+          <a:bodyPr rtlCol="0" anchor="ctr"/>
+          <a:lstStyle/>
+          <a:p>
+            <a:pPr algn="ctr" defTabSz="685800">
+              <a:defRPr/>
+            </a:pPr>
+            <a:r>
+              <a:rPr lang="ja-JP" altLang="en-US" sz="600" dirty="0">
+                <a:solidFill>
+                  <a:prstClr val="black"/>
+                </a:solidFill>
+                <a:latin typeface="Calibri"/>
+                <a:ea typeface="ＭＳ Ｐゴシック" panose="020B0600070205080204" pitchFamily="50" charset="-128"/>
+              </a:rPr>
+              <a:t>ソフト契約</a:t>
+            </a:r>
+            <a:endParaRPr lang="en-US" altLang="ja-JP" sz="600" dirty="0">
+              <a:solidFill>
+                <a:prstClr val="black"/>
+              </a:solidFill>
+              <a:latin typeface="Calibri"/>
+              <a:ea typeface="ＭＳ Ｐゴシック" panose="020B0600070205080204" pitchFamily="50" charset="-128"/>
+            </a:endParaRPr>
+          </a:p>
+          <a:p>
+            <a:pPr algn="ctr" defTabSz="685800">
+              <a:defRPr/>
+            </a:pPr>
+            <a:r>
+              <a:rPr lang="ja-JP" altLang="en-US" sz="600" dirty="0">
+                <a:solidFill>
+                  <a:prstClr val="black"/>
+                </a:solidFill>
+                <a:latin typeface="Calibri"/>
+                <a:ea typeface="ＭＳ Ｐゴシック" panose="020B0600070205080204" pitchFamily="50" charset="-128"/>
+              </a:rPr>
+              <a:t>担当</a:t>
+            </a:r>
+          </a:p>
+        </p:txBody>
+      </p:sp>
+      <p:sp>
+        <p:nvSpPr>
+          <p:cNvPr id="19" name="四角形: 角を丸くする 18">
+            <a:extLst>
+              <a:ext uri="{FF2B5EF4-FFF2-40B4-BE49-F238E27FC236}">
+                <a16:creationId xmlns:a16="http://schemas.microsoft.com/office/drawing/2014/main" id="{6523DCD1-17EA-4908-91AA-938632C2087D}"/>
+              </a:ext>
+            </a:extLst>
+          </p:cNvPr>
+          <p:cNvSpPr/>
+          <p:nvPr/>
+        </p:nvSpPr>
+        <p:spPr>
+          <a:xfrm>
+            <a:off x="3604028" y="2356617"/>
+            <a:ext cx="554355" cy="279218"/>
+          </a:xfrm>
+          <a:prstGeom prst="roundRect">
+            <a:avLst/>
+          </a:prstGeom>
+          <a:solidFill>
+            <a:srgbClr val="FFC000"/>
+          </a:solidFill>
+          <a:ln>
+            <a:noFill/>
+          </a:ln>
+        </p:spPr>
+        <p:style>
+          <a:lnRef idx="2">
+            <a:schemeClr val="accent1">
+              <a:shade val="50000"/>
+            </a:schemeClr>
+          </a:lnRef>
+          <a:fillRef idx="1">
+            <a:schemeClr val="accent1"/>
+          </a:fillRef>
+          <a:effectRef idx="0">
+            <a:schemeClr val="accent1"/>
+          </a:effectRef>
+          <a:fontRef idx="minor">
+            <a:schemeClr val="lt1"/>
+          </a:fontRef>
+        </p:style>
+        <p:txBody>
+          <a:bodyPr rtlCol="0" anchor="ctr"/>
+          <a:lstStyle/>
+          <a:p>
+            <a:pPr algn="ctr" defTabSz="685800">
+              <a:defRPr/>
+            </a:pPr>
+            <a:r>
+              <a:rPr lang="ja-JP" altLang="en-US" sz="900" dirty="0">
+                <a:solidFill>
+                  <a:prstClr val="black"/>
+                </a:solidFill>
+                <a:latin typeface="Calibri"/>
+                <a:ea typeface="ＭＳ Ｐゴシック" panose="020B0600070205080204" pitchFamily="50" charset="-128"/>
+              </a:rPr>
+              <a:t>ソフト</a:t>
+            </a:r>
+            <a:endParaRPr lang="en-US" altLang="ja-JP" sz="900" dirty="0">
+              <a:solidFill>
+                <a:prstClr val="black"/>
+              </a:solidFill>
+              <a:latin typeface="Calibri"/>
+              <a:ea typeface="ＭＳ Ｐゴシック" panose="020B0600070205080204" pitchFamily="50" charset="-128"/>
+            </a:endParaRPr>
+          </a:p>
+          <a:p>
+            <a:pPr algn="ctr" defTabSz="685800">
+              <a:defRPr/>
+            </a:pPr>
+            <a:r>
+              <a:rPr lang="ja-JP" altLang="en-US" sz="900" dirty="0">
+                <a:solidFill>
+                  <a:prstClr val="black"/>
+                </a:solidFill>
+                <a:latin typeface="Calibri"/>
+                <a:ea typeface="ＭＳ Ｐゴシック" panose="020B0600070205080204" pitchFamily="50" charset="-128"/>
+              </a:rPr>
+              <a:t>検証</a:t>
+            </a:r>
+          </a:p>
+        </p:txBody>
+      </p:sp>
+      <p:cxnSp>
+        <p:nvCxnSpPr>
+          <p:cNvPr id="21" name="直線矢印コネクタ 20">
+            <a:extLst>
+              <a:ext uri="{FF2B5EF4-FFF2-40B4-BE49-F238E27FC236}">
+                <a16:creationId xmlns:a16="http://schemas.microsoft.com/office/drawing/2014/main" id="{BF8045E8-B913-4E84-B739-F112D5CF6173}"/>
+              </a:ext>
+            </a:extLst>
+          </p:cNvPr>
+          <p:cNvCxnSpPr>
+            <a:cxnSpLocks/>
+          </p:cNvCxnSpPr>
+          <p:nvPr/>
+        </p:nvCxnSpPr>
+        <p:spPr>
+          <a:xfrm>
+            <a:off x="1701481" y="2996726"/>
+            <a:ext cx="1244021" cy="10723"/>
+          </a:xfrm>
+          <a:prstGeom prst="straightConnector1">
+            <a:avLst/>
+          </a:prstGeom>
+          <a:ln w="38100">
+            <a:solidFill>
+              <a:schemeClr val="tx1"/>
+            </a:solidFill>
+            <a:tailEnd type="triangle"/>
+          </a:ln>
+        </p:spPr>
+        <p:style>
+          <a:lnRef idx="1">
+            <a:schemeClr val="accent1"/>
+          </a:lnRef>
+          <a:fillRef idx="0">
+            <a:schemeClr val="accent1"/>
+          </a:fillRef>
+          <a:effectRef idx="0">
+            <a:schemeClr val="accent1"/>
+          </a:effectRef>
+          <a:fontRef idx="minor">
+            <a:schemeClr val="tx1"/>
+          </a:fontRef>
+        </p:style>
+      </p:cxnSp>
+      <p:sp>
+        <p:nvSpPr>
+          <p:cNvPr id="22" name="テキスト ボックス 21">
+            <a:extLst>
+              <a:ext uri="{FF2B5EF4-FFF2-40B4-BE49-F238E27FC236}">
+                <a16:creationId xmlns:a16="http://schemas.microsoft.com/office/drawing/2014/main" id="{E9894525-D21A-419D-9CDA-8648B20773CA}"/>
+              </a:ext>
+            </a:extLst>
+          </p:cNvPr>
+          <p:cNvSpPr txBox="1"/>
+          <p:nvPr/>
+        </p:nvSpPr>
+        <p:spPr>
+          <a:xfrm>
+            <a:off x="1832819" y="2742833"/>
+            <a:ext cx="1043876" cy="253916"/>
+          </a:xfrm>
+          <a:prstGeom prst="rect">
+            <a:avLst/>
+          </a:prstGeom>
+          <a:noFill/>
+        </p:spPr>
+        <p:txBody>
+          <a:bodyPr wrap="none" rtlCol="0">
+            <a:spAutoFit/>
+          </a:bodyPr>
+          <a:lstStyle/>
+          <a:p>
+            <a:pPr defTabSz="685800">
+              <a:defRPr/>
+            </a:pPr>
+            <a:r>
+              <a:rPr lang="ja-JP" altLang="en-US" sz="1050" dirty="0">
+                <a:solidFill>
+                  <a:prstClr val="black"/>
+                </a:solidFill>
+                <a:latin typeface="Calibri"/>
+                <a:ea typeface="ＭＳ Ｐゴシック" panose="020B0600070205080204" pitchFamily="50" charset="-128"/>
+              </a:rPr>
+              <a:t>納入</a:t>
+            </a:r>
+            <a:r>
+              <a:rPr lang="en-US" altLang="ja-JP" sz="1050" dirty="0">
+                <a:solidFill>
+                  <a:prstClr val="black"/>
+                </a:solidFill>
+                <a:latin typeface="Calibri"/>
+                <a:ea typeface="ＭＳ Ｐゴシック" panose="020B0600070205080204" pitchFamily="50" charset="-128"/>
+              </a:rPr>
+              <a:t>/</a:t>
+            </a:r>
+            <a:r>
+              <a:rPr lang="ja-JP" altLang="en-US" sz="1050" dirty="0">
+                <a:solidFill>
+                  <a:prstClr val="black"/>
+                </a:solidFill>
+                <a:latin typeface="Calibri"/>
+                <a:ea typeface="ＭＳ Ｐゴシック" panose="020B0600070205080204" pitchFamily="50" charset="-128"/>
+              </a:rPr>
+              <a:t>配布許諾</a:t>
+            </a:r>
+          </a:p>
+        </p:txBody>
+      </p:sp>
+      <p:cxnSp>
+        <p:nvCxnSpPr>
+          <p:cNvPr id="23" name="直線矢印コネクタ 22">
+            <a:extLst>
+              <a:ext uri="{FF2B5EF4-FFF2-40B4-BE49-F238E27FC236}">
+                <a16:creationId xmlns:a16="http://schemas.microsoft.com/office/drawing/2014/main" id="{D6DB3BC3-1EA4-43D8-9CB5-F47C3248820F}"/>
+              </a:ext>
+            </a:extLst>
+          </p:cNvPr>
+          <p:cNvCxnSpPr>
+            <a:cxnSpLocks/>
+          </p:cNvCxnSpPr>
+          <p:nvPr/>
+        </p:nvCxnSpPr>
+        <p:spPr>
+          <a:xfrm>
+            <a:off x="1701481" y="3113408"/>
+            <a:ext cx="1297087" cy="0"/>
+          </a:xfrm>
+          <a:prstGeom prst="straightConnector1">
+            <a:avLst/>
+          </a:prstGeom>
+          <a:ln w="38100">
+            <a:solidFill>
+              <a:srgbClr val="FFC000"/>
+            </a:solidFill>
+            <a:tailEnd type="triangle"/>
+          </a:ln>
+        </p:spPr>
+        <p:style>
+          <a:lnRef idx="1">
+            <a:schemeClr val="accent1"/>
+          </a:lnRef>
+          <a:fillRef idx="0">
+            <a:schemeClr val="accent1"/>
+          </a:fillRef>
+          <a:effectRef idx="0">
+            <a:schemeClr val="accent1"/>
+          </a:effectRef>
+          <a:fontRef idx="minor">
+            <a:schemeClr val="tx1"/>
+          </a:fontRef>
+        </p:style>
+      </p:cxnSp>
+      <p:cxnSp>
+        <p:nvCxnSpPr>
+          <p:cNvPr id="24" name="直線矢印コネクタ 23">
+            <a:extLst>
+              <a:ext uri="{FF2B5EF4-FFF2-40B4-BE49-F238E27FC236}">
+                <a16:creationId xmlns:a16="http://schemas.microsoft.com/office/drawing/2014/main" id="{22A2176F-C7E0-4A62-BB89-872E3A8450C7}"/>
+              </a:ext>
+            </a:extLst>
+          </p:cNvPr>
+          <p:cNvCxnSpPr>
+            <a:cxnSpLocks/>
+          </p:cNvCxnSpPr>
+          <p:nvPr/>
+        </p:nvCxnSpPr>
+        <p:spPr>
+          <a:xfrm flipV="1">
+            <a:off x="1690438" y="3500262"/>
+            <a:ext cx="1275629" cy="18182"/>
+          </a:xfrm>
+          <a:prstGeom prst="straightConnector1">
+            <a:avLst/>
+          </a:prstGeom>
+          <a:ln w="38100">
+            <a:solidFill>
+              <a:srgbClr val="FF0000"/>
+            </a:solidFill>
+            <a:tailEnd type="triangle"/>
+          </a:ln>
+        </p:spPr>
+        <p:style>
+          <a:lnRef idx="1">
+            <a:schemeClr val="accent1"/>
+          </a:lnRef>
+          <a:fillRef idx="0">
+            <a:schemeClr val="accent1"/>
+          </a:fillRef>
+          <a:effectRef idx="0">
+            <a:schemeClr val="accent1"/>
+          </a:effectRef>
+          <a:fontRef idx="minor">
+            <a:schemeClr val="tx1"/>
+          </a:fontRef>
+        </p:style>
+      </p:cxnSp>
+      <p:sp>
+        <p:nvSpPr>
+          <p:cNvPr id="25" name="テキスト ボックス 24">
+            <a:extLst>
+              <a:ext uri="{FF2B5EF4-FFF2-40B4-BE49-F238E27FC236}">
+                <a16:creationId xmlns:a16="http://schemas.microsoft.com/office/drawing/2014/main" id="{B4C743F6-CC25-4B1A-8297-7D8799951F02}"/>
+              </a:ext>
+            </a:extLst>
+          </p:cNvPr>
+          <p:cNvSpPr txBox="1"/>
+          <p:nvPr/>
+        </p:nvSpPr>
+        <p:spPr>
+          <a:xfrm>
+            <a:off x="1616243" y="3126028"/>
+            <a:ext cx="1326004" cy="415498"/>
+          </a:xfrm>
+          <a:prstGeom prst="rect">
+            <a:avLst/>
+          </a:prstGeom>
+          <a:noFill/>
+        </p:spPr>
+        <p:txBody>
+          <a:bodyPr wrap="none" rtlCol="0">
+            <a:spAutoFit/>
+          </a:bodyPr>
+          <a:lstStyle/>
+          <a:p>
+            <a:pPr defTabSz="685800">
+              <a:defRPr/>
+            </a:pPr>
+            <a:r>
+              <a:rPr lang="en-US" altLang="ja-JP" sz="1050" dirty="0">
+                <a:solidFill>
+                  <a:prstClr val="black"/>
+                </a:solidFill>
+                <a:latin typeface="Calibri"/>
+                <a:ea typeface="ＭＳ Ｐゴシック" panose="020B0600070205080204" pitchFamily="50" charset="-128"/>
+              </a:rPr>
+              <a:t>Proprietary Software</a:t>
+            </a:r>
+          </a:p>
+          <a:p>
+            <a:pPr defTabSz="685800">
+              <a:defRPr/>
+            </a:pPr>
+            <a:r>
+              <a:rPr lang="ja-JP" altLang="en-US" sz="1050" dirty="0">
+                <a:solidFill>
+                  <a:prstClr val="black"/>
+                </a:solidFill>
+                <a:latin typeface="Calibri"/>
+                <a:ea typeface="ＭＳ Ｐゴシック" panose="020B0600070205080204" pitchFamily="50" charset="-128"/>
+              </a:rPr>
+              <a:t>（</a:t>
+            </a:r>
+            <a:r>
+              <a:rPr lang="en-US" altLang="ja-JP" sz="1050" dirty="0">
+                <a:solidFill>
+                  <a:prstClr val="black"/>
+                </a:solidFill>
+                <a:latin typeface="Calibri"/>
+                <a:ea typeface="ＭＳ Ｐゴシック" panose="020B0600070205080204" pitchFamily="50" charset="-128"/>
+              </a:rPr>
+              <a:t>incl. OSS</a:t>
+            </a:r>
+            <a:r>
+              <a:rPr lang="ja-JP" altLang="en-US" sz="1050" dirty="0">
+                <a:solidFill>
+                  <a:prstClr val="black"/>
+                </a:solidFill>
+                <a:latin typeface="Calibri"/>
+                <a:ea typeface="ＭＳ Ｐゴシック" panose="020B0600070205080204" pitchFamily="50" charset="-128"/>
+              </a:rPr>
+              <a:t>）</a:t>
+            </a:r>
+          </a:p>
+        </p:txBody>
+      </p:sp>
+      <p:cxnSp>
+        <p:nvCxnSpPr>
+          <p:cNvPr id="29" name="直線矢印コネクタ 28">
+            <a:extLst>
+              <a:ext uri="{FF2B5EF4-FFF2-40B4-BE49-F238E27FC236}">
+                <a16:creationId xmlns:a16="http://schemas.microsoft.com/office/drawing/2014/main" id="{C9876905-EE9C-4F1C-8F91-A9DF1AB0B922}"/>
+              </a:ext>
+            </a:extLst>
+          </p:cNvPr>
+          <p:cNvCxnSpPr>
+            <a:cxnSpLocks/>
+          </p:cNvCxnSpPr>
+          <p:nvPr/>
+        </p:nvCxnSpPr>
+        <p:spPr>
+          <a:xfrm flipV="1">
+            <a:off x="5832566" y="2986503"/>
+            <a:ext cx="1547746" cy="1"/>
+          </a:xfrm>
+          <a:prstGeom prst="straightConnector1">
+            <a:avLst/>
+          </a:prstGeom>
+          <a:ln w="38100">
+            <a:solidFill>
+              <a:schemeClr val="tx1"/>
+            </a:solidFill>
+            <a:tailEnd type="triangle"/>
+          </a:ln>
+        </p:spPr>
+        <p:style>
+          <a:lnRef idx="1">
+            <a:schemeClr val="accent1"/>
+          </a:lnRef>
+          <a:fillRef idx="0">
+            <a:schemeClr val="accent1"/>
+          </a:fillRef>
+          <a:effectRef idx="0">
+            <a:schemeClr val="accent1"/>
+          </a:effectRef>
+          <a:fontRef idx="minor">
+            <a:schemeClr val="tx1"/>
+          </a:fontRef>
+        </p:style>
+      </p:cxnSp>
+      <p:cxnSp>
+        <p:nvCxnSpPr>
+          <p:cNvPr id="31" name="直線矢印コネクタ 30">
+            <a:extLst>
+              <a:ext uri="{FF2B5EF4-FFF2-40B4-BE49-F238E27FC236}">
+                <a16:creationId xmlns:a16="http://schemas.microsoft.com/office/drawing/2014/main" id="{266003C7-C2C5-4BB9-ADBE-8E0BFA5AA82D}"/>
+              </a:ext>
+            </a:extLst>
+          </p:cNvPr>
+          <p:cNvCxnSpPr>
+            <a:cxnSpLocks/>
+          </p:cNvCxnSpPr>
+          <p:nvPr/>
+        </p:nvCxnSpPr>
+        <p:spPr>
+          <a:xfrm>
+            <a:off x="5796136" y="3579609"/>
+            <a:ext cx="1584176" cy="0"/>
+          </a:xfrm>
+          <a:prstGeom prst="straightConnector1">
+            <a:avLst/>
+          </a:prstGeom>
+          <a:ln w="38100">
+            <a:solidFill>
+              <a:srgbClr val="FFC000">
+                <a:alpha val="20000"/>
+              </a:srgbClr>
+            </a:solidFill>
+            <a:prstDash val="sysDash"/>
+            <a:tailEnd type="triangle"/>
+          </a:ln>
+        </p:spPr>
+        <p:style>
+          <a:lnRef idx="1">
+            <a:schemeClr val="accent1"/>
+          </a:lnRef>
+          <a:fillRef idx="0">
+            <a:schemeClr val="accent1"/>
+          </a:fillRef>
+          <a:effectRef idx="0">
+            <a:schemeClr val="accent1"/>
+          </a:effectRef>
+          <a:fontRef idx="minor">
+            <a:schemeClr val="tx1"/>
+          </a:fontRef>
+        </p:style>
+      </p:cxnSp>
+      <p:cxnSp>
+        <p:nvCxnSpPr>
+          <p:cNvPr id="32" name="直線矢印コネクタ 31">
+            <a:extLst>
+              <a:ext uri="{FF2B5EF4-FFF2-40B4-BE49-F238E27FC236}">
+                <a16:creationId xmlns:a16="http://schemas.microsoft.com/office/drawing/2014/main" id="{D00AF6E8-0ED9-474D-AA30-816429BC7242}"/>
+              </a:ext>
+            </a:extLst>
+          </p:cNvPr>
+          <p:cNvCxnSpPr>
+            <a:cxnSpLocks/>
+          </p:cNvCxnSpPr>
+          <p:nvPr/>
+        </p:nvCxnSpPr>
+        <p:spPr>
+          <a:xfrm>
+            <a:off x="5837558" y="4061717"/>
+            <a:ext cx="1542754" cy="2902"/>
+          </a:xfrm>
+          <a:prstGeom prst="straightConnector1">
+            <a:avLst/>
+          </a:prstGeom>
+          <a:ln w="38100">
+            <a:solidFill>
+              <a:srgbClr val="FF0000">
+                <a:alpha val="20000"/>
+              </a:srgbClr>
+            </a:solidFill>
+            <a:prstDash val="sysDash"/>
+            <a:tailEnd type="triangle"/>
+          </a:ln>
+        </p:spPr>
+        <p:style>
+          <a:lnRef idx="1">
+            <a:schemeClr val="accent1"/>
+          </a:lnRef>
+          <a:fillRef idx="0">
+            <a:schemeClr val="accent1"/>
+          </a:fillRef>
+          <a:effectRef idx="0">
+            <a:schemeClr val="accent1"/>
+          </a:effectRef>
+          <a:fontRef idx="minor">
+            <a:schemeClr val="tx1"/>
+          </a:fontRef>
+        </p:style>
+      </p:cxnSp>
+      <p:cxnSp>
+        <p:nvCxnSpPr>
+          <p:cNvPr id="40" name="直線矢印コネクタ 39">
+            <a:extLst>
+              <a:ext uri="{FF2B5EF4-FFF2-40B4-BE49-F238E27FC236}">
+                <a16:creationId xmlns:a16="http://schemas.microsoft.com/office/drawing/2014/main" id="{3CE0855D-F339-48A9-84B6-AE904974AB96}"/>
+              </a:ext>
+            </a:extLst>
+          </p:cNvPr>
+          <p:cNvCxnSpPr>
+            <a:cxnSpLocks/>
+            <a:endCxn id="62" idx="3"/>
+          </p:cNvCxnSpPr>
+          <p:nvPr/>
+        </p:nvCxnSpPr>
+        <p:spPr>
+          <a:xfrm flipH="1">
+            <a:off x="5832567" y="4679278"/>
+            <a:ext cx="1628282" cy="0"/>
+          </a:xfrm>
+          <a:prstGeom prst="straightConnector1">
+            <a:avLst/>
+          </a:prstGeom>
+          <a:ln w="38100">
+            <a:solidFill>
+              <a:srgbClr val="FF0000"/>
+            </a:solidFill>
+            <a:tailEnd type="triangle"/>
+          </a:ln>
+        </p:spPr>
+        <p:style>
+          <a:lnRef idx="1">
+            <a:schemeClr val="accent1"/>
+          </a:lnRef>
+          <a:fillRef idx="0">
+            <a:schemeClr val="accent1"/>
+          </a:fillRef>
+          <a:effectRef idx="0">
+            <a:schemeClr val="accent1"/>
+          </a:effectRef>
+          <a:fontRef idx="minor">
+            <a:schemeClr val="tx1"/>
+          </a:fontRef>
+        </p:style>
+      </p:cxnSp>
+      <p:sp>
+        <p:nvSpPr>
+          <p:cNvPr id="41" name="四角形: 角を丸くする 40">
+            <a:extLst>
+              <a:ext uri="{FF2B5EF4-FFF2-40B4-BE49-F238E27FC236}">
+                <a16:creationId xmlns:a16="http://schemas.microsoft.com/office/drawing/2014/main" id="{62D9895C-A80B-4178-8F06-528C0E486442}"/>
+              </a:ext>
+            </a:extLst>
+          </p:cNvPr>
+          <p:cNvSpPr/>
+          <p:nvPr/>
+        </p:nvSpPr>
+        <p:spPr>
+          <a:xfrm>
+            <a:off x="3020142" y="2761490"/>
+            <a:ext cx="554355" cy="817923"/>
+          </a:xfrm>
+          <a:prstGeom prst="roundRect">
+            <a:avLst/>
+          </a:prstGeom>
+          <a:solidFill>
+            <a:srgbClr val="FFC000"/>
+          </a:solidFill>
+          <a:ln>
+            <a:noFill/>
+          </a:ln>
+        </p:spPr>
+        <p:style>
+          <a:lnRef idx="2">
+            <a:schemeClr val="accent1">
+              <a:shade val="50000"/>
+            </a:schemeClr>
+          </a:lnRef>
+          <a:fillRef idx="1">
+            <a:schemeClr val="accent1"/>
+          </a:fillRef>
+          <a:effectRef idx="0">
+            <a:schemeClr val="accent1"/>
+          </a:effectRef>
+          <a:fontRef idx="minor">
+            <a:schemeClr val="lt1"/>
+          </a:fontRef>
+        </p:style>
+        <p:txBody>
+          <a:bodyPr rtlCol="0" anchor="ctr"/>
+          <a:lstStyle/>
+          <a:p>
+            <a:pPr algn="ctr" defTabSz="685800">
+              <a:defRPr/>
+            </a:pPr>
+            <a:r>
+              <a:rPr lang="ja-JP" altLang="en-US" sz="1050" dirty="0">
+                <a:solidFill>
+                  <a:prstClr val="black"/>
+                </a:solidFill>
+                <a:latin typeface="Calibri"/>
+                <a:ea typeface="ＭＳ Ｐゴシック" panose="020B0600070205080204" pitchFamily="50" charset="-128"/>
+              </a:rPr>
+              <a:t>ソフト受入</a:t>
+            </a:r>
+            <a:endParaRPr lang="ja-JP" altLang="en-US" sz="1200" dirty="0">
+              <a:solidFill>
+                <a:prstClr val="black"/>
+              </a:solidFill>
+              <a:latin typeface="Calibri"/>
+              <a:ea typeface="ＭＳ Ｐゴシック" panose="020B0600070205080204" pitchFamily="50" charset="-128"/>
+            </a:endParaRPr>
+          </a:p>
+        </p:txBody>
+      </p:sp>
+      <p:sp>
+        <p:nvSpPr>
+          <p:cNvPr id="43" name="四角形: 角を丸くする 42">
+            <a:extLst>
+              <a:ext uri="{FF2B5EF4-FFF2-40B4-BE49-F238E27FC236}">
+                <a16:creationId xmlns:a16="http://schemas.microsoft.com/office/drawing/2014/main" id="{B1FB880F-C922-4291-A896-B3BC079FD4D7}"/>
+              </a:ext>
+            </a:extLst>
+          </p:cNvPr>
+          <p:cNvSpPr/>
+          <p:nvPr/>
+        </p:nvSpPr>
+        <p:spPr>
+          <a:xfrm>
+            <a:off x="4230089" y="2008965"/>
+            <a:ext cx="554355" cy="279218"/>
+          </a:xfrm>
+          <a:prstGeom prst="roundRect">
+            <a:avLst/>
+          </a:prstGeom>
+          <a:solidFill>
+            <a:srgbClr val="FFC000"/>
+          </a:solidFill>
+          <a:ln>
+            <a:noFill/>
+          </a:ln>
+        </p:spPr>
+        <p:style>
+          <a:lnRef idx="2">
+            <a:schemeClr val="accent1">
+              <a:shade val="50000"/>
+            </a:schemeClr>
+          </a:lnRef>
+          <a:fillRef idx="1">
+            <a:schemeClr val="accent1"/>
+          </a:fillRef>
+          <a:effectRef idx="0">
+            <a:schemeClr val="accent1"/>
+          </a:effectRef>
+          <a:fontRef idx="minor">
+            <a:schemeClr val="lt1"/>
+          </a:fontRef>
+        </p:style>
+        <p:txBody>
+          <a:bodyPr rtlCol="0" anchor="ctr"/>
+          <a:lstStyle/>
+          <a:p>
+            <a:pPr algn="ctr" defTabSz="685800">
+              <a:defRPr/>
+            </a:pPr>
+            <a:r>
+              <a:rPr lang="ja-JP" altLang="en-US" sz="1200" dirty="0">
+                <a:solidFill>
+                  <a:prstClr val="black"/>
+                </a:solidFill>
+                <a:latin typeface="Calibri"/>
+                <a:ea typeface="ＭＳ Ｐゴシック" panose="020B0600070205080204" pitchFamily="50" charset="-128"/>
+              </a:rPr>
+              <a:t>特許</a:t>
+            </a:r>
+            <a:endParaRPr lang="ja-JP" altLang="en-US" sz="1350" dirty="0">
+              <a:solidFill>
+                <a:prstClr val="black"/>
+              </a:solidFill>
+              <a:latin typeface="Calibri"/>
+              <a:ea typeface="ＭＳ Ｐゴシック" panose="020B0600070205080204" pitchFamily="50" charset="-128"/>
+            </a:endParaRPr>
+          </a:p>
+        </p:txBody>
+      </p:sp>
+      <p:cxnSp>
+        <p:nvCxnSpPr>
+          <p:cNvPr id="44" name="直線矢印コネクタ 43">
+            <a:extLst>
+              <a:ext uri="{FF2B5EF4-FFF2-40B4-BE49-F238E27FC236}">
+                <a16:creationId xmlns:a16="http://schemas.microsoft.com/office/drawing/2014/main" id="{FDADA76A-F9C8-42B2-832F-693E5679D550}"/>
+              </a:ext>
+            </a:extLst>
+          </p:cNvPr>
+          <p:cNvCxnSpPr>
+            <a:cxnSpLocks/>
+          </p:cNvCxnSpPr>
+          <p:nvPr/>
+        </p:nvCxnSpPr>
+        <p:spPr>
+          <a:xfrm>
+            <a:off x="7602931" y="594405"/>
+            <a:ext cx="546863" cy="0"/>
+          </a:xfrm>
+          <a:prstGeom prst="straightConnector1">
+            <a:avLst/>
+          </a:prstGeom>
+          <a:ln w="38100">
+            <a:solidFill>
+              <a:schemeClr val="tx1"/>
+            </a:solidFill>
+            <a:tailEnd type="triangle"/>
+          </a:ln>
+        </p:spPr>
+        <p:style>
+          <a:lnRef idx="1">
+            <a:schemeClr val="accent1"/>
+          </a:lnRef>
+          <a:fillRef idx="0">
+            <a:schemeClr val="accent1"/>
+          </a:fillRef>
+          <a:effectRef idx="0">
+            <a:schemeClr val="accent1"/>
+          </a:effectRef>
+          <a:fontRef idx="minor">
+            <a:schemeClr val="tx1"/>
+          </a:fontRef>
+        </p:style>
+      </p:cxnSp>
+      <p:sp>
+        <p:nvSpPr>
+          <p:cNvPr id="45" name="テキスト ボックス 44">
+            <a:extLst>
+              <a:ext uri="{FF2B5EF4-FFF2-40B4-BE49-F238E27FC236}">
+                <a16:creationId xmlns:a16="http://schemas.microsoft.com/office/drawing/2014/main" id="{9583A253-DADE-4B31-AAD9-EF598107C2BC}"/>
+              </a:ext>
+            </a:extLst>
+          </p:cNvPr>
+          <p:cNvSpPr txBox="1"/>
+          <p:nvPr/>
+        </p:nvSpPr>
+        <p:spPr>
+          <a:xfrm>
+            <a:off x="6920962" y="668948"/>
+            <a:ext cx="744114" cy="230832"/>
+          </a:xfrm>
+          <a:prstGeom prst="rect">
+            <a:avLst/>
+          </a:prstGeom>
+          <a:noFill/>
+        </p:spPr>
+        <p:txBody>
+          <a:bodyPr wrap="none" rtlCol="0">
+            <a:spAutoFit/>
+          </a:bodyPr>
+          <a:lstStyle/>
+          <a:p>
+            <a:pPr defTabSz="685800">
+              <a:defRPr/>
+            </a:pPr>
+            <a:r>
+              <a:rPr lang="ja-JP" altLang="en-US" sz="900" dirty="0">
+                <a:solidFill>
+                  <a:prstClr val="black"/>
+                </a:solidFill>
+                <a:latin typeface="Calibri"/>
+                <a:ea typeface="ＭＳ Ｐゴシック" panose="020B0600070205080204" pitchFamily="50" charset="-128"/>
+              </a:rPr>
+              <a:t>ソフトウェア</a:t>
+            </a:r>
+          </a:p>
+        </p:txBody>
+      </p:sp>
+      <p:cxnSp>
+        <p:nvCxnSpPr>
+          <p:cNvPr id="46" name="直線矢印コネクタ 45">
+            <a:extLst>
+              <a:ext uri="{FF2B5EF4-FFF2-40B4-BE49-F238E27FC236}">
+                <a16:creationId xmlns:a16="http://schemas.microsoft.com/office/drawing/2014/main" id="{27F132D1-801E-44B0-8A71-BF7F69C418E1}"/>
+              </a:ext>
+            </a:extLst>
+          </p:cNvPr>
+          <p:cNvCxnSpPr>
+            <a:cxnSpLocks/>
+          </p:cNvCxnSpPr>
+          <p:nvPr/>
+        </p:nvCxnSpPr>
+        <p:spPr>
+          <a:xfrm>
+            <a:off x="7600006" y="774224"/>
+            <a:ext cx="546863" cy="0"/>
+          </a:xfrm>
+          <a:prstGeom prst="straightConnector1">
+            <a:avLst/>
+          </a:prstGeom>
+          <a:ln w="38100">
+            <a:solidFill>
+              <a:srgbClr val="FFC000"/>
+            </a:solidFill>
+            <a:tailEnd type="triangle"/>
+          </a:ln>
+        </p:spPr>
+        <p:style>
+          <a:lnRef idx="1">
+            <a:schemeClr val="accent1"/>
+          </a:lnRef>
+          <a:fillRef idx="0">
+            <a:schemeClr val="accent1"/>
+          </a:fillRef>
+          <a:effectRef idx="0">
+            <a:schemeClr val="accent1"/>
+          </a:effectRef>
+          <a:fontRef idx="minor">
+            <a:schemeClr val="tx1"/>
+          </a:fontRef>
+        </p:style>
+      </p:cxnSp>
+      <p:sp>
+        <p:nvSpPr>
+          <p:cNvPr id="47" name="テキスト ボックス 46">
+            <a:extLst>
+              <a:ext uri="{FF2B5EF4-FFF2-40B4-BE49-F238E27FC236}">
+                <a16:creationId xmlns:a16="http://schemas.microsoft.com/office/drawing/2014/main" id="{CB53ED47-8C15-4826-8B4F-A10BE7EA8E51}"/>
+              </a:ext>
+            </a:extLst>
+          </p:cNvPr>
+          <p:cNvSpPr txBox="1"/>
+          <p:nvPr/>
+        </p:nvSpPr>
+        <p:spPr>
+          <a:xfrm>
+            <a:off x="6904632" y="489326"/>
+            <a:ext cx="184731" cy="230832"/>
+          </a:xfrm>
+          <a:prstGeom prst="rect">
+            <a:avLst/>
+          </a:prstGeom>
+          <a:noFill/>
+        </p:spPr>
+        <p:txBody>
+          <a:bodyPr wrap="none" rtlCol="0">
+            <a:spAutoFit/>
+          </a:bodyPr>
+          <a:lstStyle/>
+          <a:p>
+            <a:pPr defTabSz="685800">
+              <a:defRPr/>
+            </a:pPr>
+            <a:endParaRPr lang="ja-JP" altLang="en-US" sz="900" dirty="0">
+              <a:solidFill>
+                <a:prstClr val="black"/>
+              </a:solidFill>
+              <a:latin typeface="Calibri"/>
+              <a:ea typeface="ＭＳ Ｐゴシック" panose="020B0600070205080204" pitchFamily="50" charset="-128"/>
+            </a:endParaRPr>
+          </a:p>
+        </p:txBody>
+      </p:sp>
+      <p:sp>
+        <p:nvSpPr>
+          <p:cNvPr id="48" name="テキスト ボックス 47">
+            <a:extLst>
+              <a:ext uri="{FF2B5EF4-FFF2-40B4-BE49-F238E27FC236}">
+                <a16:creationId xmlns:a16="http://schemas.microsoft.com/office/drawing/2014/main" id="{6C3FDEA2-1B6E-4C5C-BB4C-6F9988C2F421}"/>
+              </a:ext>
+            </a:extLst>
+          </p:cNvPr>
+          <p:cNvSpPr txBox="1"/>
+          <p:nvPr/>
+        </p:nvSpPr>
+        <p:spPr>
+          <a:xfrm>
+            <a:off x="6721440" y="476672"/>
+            <a:ext cx="970137" cy="230832"/>
+          </a:xfrm>
+          <a:prstGeom prst="rect">
+            <a:avLst/>
+          </a:prstGeom>
+          <a:noFill/>
+        </p:spPr>
+        <p:txBody>
+          <a:bodyPr wrap="none" rtlCol="0">
+            <a:spAutoFit/>
+          </a:bodyPr>
+          <a:lstStyle/>
+          <a:p>
+            <a:pPr defTabSz="685800">
+              <a:defRPr/>
+            </a:pPr>
+            <a:r>
+              <a:rPr lang="ja-JP" altLang="en-US" sz="900" dirty="0">
+                <a:solidFill>
+                  <a:prstClr val="black"/>
+                </a:solidFill>
+                <a:latin typeface="Calibri"/>
+                <a:ea typeface="ＭＳ Ｐゴシック" panose="020B0600070205080204" pitchFamily="50" charset="-128"/>
+              </a:rPr>
+              <a:t>契約・ライセンス</a:t>
+            </a:r>
+          </a:p>
+        </p:txBody>
+      </p:sp>
+      <p:cxnSp>
+        <p:nvCxnSpPr>
+          <p:cNvPr id="49" name="直線矢印コネクタ 48">
+            <a:extLst>
+              <a:ext uri="{FF2B5EF4-FFF2-40B4-BE49-F238E27FC236}">
+                <a16:creationId xmlns:a16="http://schemas.microsoft.com/office/drawing/2014/main" id="{C464B536-32C7-4CB4-A68D-DC849895144C}"/>
+              </a:ext>
+            </a:extLst>
+          </p:cNvPr>
+          <p:cNvCxnSpPr>
+            <a:cxnSpLocks/>
+          </p:cNvCxnSpPr>
+          <p:nvPr/>
+        </p:nvCxnSpPr>
+        <p:spPr>
+          <a:xfrm>
+            <a:off x="7600006" y="966482"/>
+            <a:ext cx="546863" cy="0"/>
+          </a:xfrm>
+          <a:prstGeom prst="straightConnector1">
+            <a:avLst/>
+          </a:prstGeom>
+          <a:ln w="38100">
+            <a:solidFill>
+              <a:srgbClr val="FF0000"/>
+            </a:solidFill>
+            <a:tailEnd type="triangle"/>
+          </a:ln>
+        </p:spPr>
+        <p:style>
+          <a:lnRef idx="1">
+            <a:schemeClr val="accent1"/>
+          </a:lnRef>
+          <a:fillRef idx="0">
+            <a:schemeClr val="accent1"/>
+          </a:fillRef>
+          <a:effectRef idx="0">
+            <a:schemeClr val="accent1"/>
+          </a:effectRef>
+          <a:fontRef idx="minor">
+            <a:schemeClr val="tx1"/>
+          </a:fontRef>
+        </p:style>
+      </p:cxnSp>
+      <p:sp>
+        <p:nvSpPr>
+          <p:cNvPr id="50" name="テキスト ボックス 49">
+            <a:extLst>
+              <a:ext uri="{FF2B5EF4-FFF2-40B4-BE49-F238E27FC236}">
+                <a16:creationId xmlns:a16="http://schemas.microsoft.com/office/drawing/2014/main" id="{7F771F3B-14A5-4791-833D-D36A79EE9812}"/>
+              </a:ext>
+            </a:extLst>
+          </p:cNvPr>
+          <p:cNvSpPr txBox="1"/>
+          <p:nvPr/>
+        </p:nvSpPr>
+        <p:spPr>
+          <a:xfrm>
+            <a:off x="6916745" y="836712"/>
+            <a:ext cx="2226892" cy="507831"/>
+          </a:xfrm>
+          <a:prstGeom prst="rect">
+            <a:avLst/>
+          </a:prstGeom>
+          <a:noFill/>
+        </p:spPr>
+        <p:txBody>
+          <a:bodyPr wrap="none" rtlCol="0">
+            <a:spAutoFit/>
+          </a:bodyPr>
+          <a:lstStyle/>
+          <a:p>
+            <a:pPr defTabSz="685800">
+              <a:defRPr/>
+            </a:pPr>
+            <a:r>
+              <a:rPr lang="en-US" altLang="ja-JP" sz="900" dirty="0">
+                <a:solidFill>
+                  <a:prstClr val="black"/>
+                </a:solidFill>
+                <a:latin typeface="Calibri"/>
+                <a:ea typeface="ＭＳ Ｐゴシック" panose="020B0600070205080204" pitchFamily="50" charset="-128"/>
+              </a:rPr>
+              <a:t>OSS</a:t>
+            </a:r>
+            <a:r>
+              <a:rPr lang="ja-JP" altLang="en-US" sz="900" dirty="0">
+                <a:solidFill>
+                  <a:prstClr val="black"/>
+                </a:solidFill>
+                <a:latin typeface="Calibri"/>
+                <a:ea typeface="ＭＳ Ｐゴシック" panose="020B0600070205080204" pitchFamily="50" charset="-128"/>
+              </a:rPr>
+              <a:t>情報</a:t>
+            </a:r>
+            <a:endParaRPr lang="en-US" altLang="ja-JP" sz="900" dirty="0">
+              <a:solidFill>
+                <a:prstClr val="black"/>
+              </a:solidFill>
+              <a:latin typeface="Calibri"/>
+              <a:ea typeface="ＭＳ Ｐゴシック" panose="020B0600070205080204" pitchFamily="50" charset="-128"/>
+            </a:endParaRPr>
+          </a:p>
+          <a:p>
+            <a:pPr defTabSz="685800">
+              <a:defRPr/>
+            </a:pPr>
+            <a:r>
+              <a:rPr lang="ja-JP" altLang="en-US" sz="900" dirty="0">
+                <a:solidFill>
+                  <a:prstClr val="black"/>
+                </a:solidFill>
+                <a:latin typeface="Calibri"/>
+                <a:ea typeface="ＭＳ Ｐゴシック" panose="020B0600070205080204" pitchFamily="50" charset="-128"/>
+              </a:rPr>
+              <a:t>（使用</a:t>
+            </a:r>
+            <a:r>
+              <a:rPr lang="en-US" altLang="ja-JP" sz="900" dirty="0">
+                <a:solidFill>
+                  <a:prstClr val="black"/>
+                </a:solidFill>
+                <a:latin typeface="Calibri"/>
+                <a:ea typeface="ＭＳ Ｐゴシック" panose="020B0600070205080204" pitchFamily="50" charset="-128"/>
+              </a:rPr>
+              <a:t>OSS</a:t>
+            </a:r>
+            <a:r>
+              <a:rPr lang="ja-JP" altLang="en-US" sz="900" dirty="0">
+                <a:solidFill>
+                  <a:prstClr val="black"/>
+                </a:solidFill>
+                <a:latin typeface="Calibri"/>
+                <a:ea typeface="ＭＳ Ｐゴシック" panose="020B0600070205080204" pitchFamily="50" charset="-128"/>
+              </a:rPr>
+              <a:t>リスト、ライセンス、著作権情報、</a:t>
+            </a:r>
+            <a:endParaRPr lang="en-US" altLang="ja-JP" sz="900" dirty="0">
+              <a:solidFill>
+                <a:prstClr val="black"/>
+              </a:solidFill>
+              <a:latin typeface="Calibri"/>
+              <a:ea typeface="ＭＳ Ｐゴシック" panose="020B0600070205080204" pitchFamily="50" charset="-128"/>
+            </a:endParaRPr>
+          </a:p>
+          <a:p>
+            <a:pPr defTabSz="685800">
+              <a:defRPr/>
+            </a:pPr>
+            <a:r>
+              <a:rPr lang="ja-JP" altLang="en-US" sz="900" dirty="0">
+                <a:solidFill>
+                  <a:prstClr val="black"/>
+                </a:solidFill>
+                <a:latin typeface="Calibri"/>
+                <a:ea typeface="ＭＳ Ｐゴシック" panose="020B0600070205080204" pitchFamily="50" charset="-128"/>
+              </a:rPr>
+              <a:t>開示必要なソース）</a:t>
+            </a:r>
+          </a:p>
+        </p:txBody>
+      </p:sp>
+      <p:sp>
+        <p:nvSpPr>
+          <p:cNvPr id="51" name="テキスト ボックス 50">
+            <a:extLst>
+              <a:ext uri="{FF2B5EF4-FFF2-40B4-BE49-F238E27FC236}">
+                <a16:creationId xmlns:a16="http://schemas.microsoft.com/office/drawing/2014/main" id="{B0074E85-688C-4C3A-8DE3-F9EA54BAB42F}"/>
+              </a:ext>
+            </a:extLst>
+          </p:cNvPr>
+          <p:cNvSpPr txBox="1"/>
+          <p:nvPr/>
+        </p:nvSpPr>
+        <p:spPr>
+          <a:xfrm>
+            <a:off x="1892078" y="3500261"/>
+            <a:ext cx="598241" cy="230832"/>
+          </a:xfrm>
+          <a:prstGeom prst="rect">
+            <a:avLst/>
+          </a:prstGeom>
+          <a:noFill/>
+        </p:spPr>
+        <p:txBody>
+          <a:bodyPr wrap="none" rtlCol="0">
+            <a:spAutoFit/>
+          </a:bodyPr>
+          <a:lstStyle/>
+          <a:p>
+            <a:pPr defTabSz="685800">
+              <a:defRPr/>
+            </a:pPr>
+            <a:r>
+              <a:rPr lang="en-US" altLang="ja-JP" sz="900" dirty="0">
+                <a:solidFill>
+                  <a:prstClr val="black"/>
+                </a:solidFill>
+                <a:latin typeface="Calibri"/>
+                <a:ea typeface="ＭＳ Ｐゴシック" panose="020B0600070205080204" pitchFamily="50" charset="-128"/>
+              </a:rPr>
+              <a:t>OSS</a:t>
+            </a:r>
+            <a:r>
+              <a:rPr lang="ja-JP" altLang="en-US" sz="900" dirty="0">
+                <a:solidFill>
+                  <a:prstClr val="black"/>
+                </a:solidFill>
+                <a:latin typeface="Calibri"/>
+                <a:ea typeface="ＭＳ Ｐゴシック" panose="020B0600070205080204" pitchFamily="50" charset="-128"/>
+              </a:rPr>
+              <a:t>情報</a:t>
+            </a:r>
+          </a:p>
+        </p:txBody>
+      </p:sp>
+      <p:sp>
+        <p:nvSpPr>
+          <p:cNvPr id="52" name="テキスト ボックス 51">
+            <a:extLst>
+              <a:ext uri="{FF2B5EF4-FFF2-40B4-BE49-F238E27FC236}">
+                <a16:creationId xmlns:a16="http://schemas.microsoft.com/office/drawing/2014/main" id="{C3E49ACF-9195-4930-B28D-130ABD31308A}"/>
+              </a:ext>
+            </a:extLst>
+          </p:cNvPr>
+          <p:cNvSpPr txBox="1"/>
+          <p:nvPr/>
+        </p:nvSpPr>
+        <p:spPr>
+          <a:xfrm>
+            <a:off x="6075368" y="2718352"/>
+            <a:ext cx="1226618" cy="253916"/>
+          </a:xfrm>
+          <a:prstGeom prst="rect">
+            <a:avLst/>
+          </a:prstGeom>
+          <a:noFill/>
+        </p:spPr>
+        <p:txBody>
+          <a:bodyPr wrap="none" rtlCol="0">
+            <a:spAutoFit/>
+          </a:bodyPr>
+          <a:lstStyle/>
+          <a:p>
+            <a:pPr defTabSz="685800">
+              <a:defRPr/>
+            </a:pPr>
+            <a:r>
+              <a:rPr lang="ja-JP" altLang="en-US" sz="1050" dirty="0">
+                <a:solidFill>
+                  <a:prstClr val="black"/>
+                </a:solidFill>
+                <a:latin typeface="Calibri"/>
+                <a:ea typeface="ＭＳ Ｐゴシック" panose="020B0600070205080204" pitchFamily="50" charset="-128"/>
+              </a:rPr>
+              <a:t>サービス利用契約</a:t>
+            </a:r>
+          </a:p>
+        </p:txBody>
+      </p:sp>
+      <p:sp>
+        <p:nvSpPr>
+          <p:cNvPr id="53" name="テキスト ボックス 52">
+            <a:extLst>
+              <a:ext uri="{FF2B5EF4-FFF2-40B4-BE49-F238E27FC236}">
+                <a16:creationId xmlns:a16="http://schemas.microsoft.com/office/drawing/2014/main" id="{92A99D74-19FD-4883-B90A-D34018AE2B67}"/>
+              </a:ext>
+            </a:extLst>
+          </p:cNvPr>
+          <p:cNvSpPr txBox="1"/>
+          <p:nvPr/>
+        </p:nvSpPr>
+        <p:spPr>
+          <a:xfrm>
+            <a:off x="6011192" y="3573016"/>
+            <a:ext cx="1326004" cy="415498"/>
+          </a:xfrm>
+          <a:prstGeom prst="rect">
+            <a:avLst/>
+          </a:prstGeom>
+          <a:noFill/>
+        </p:spPr>
+        <p:txBody>
+          <a:bodyPr wrap="none" rtlCol="0">
+            <a:spAutoFit/>
+          </a:bodyPr>
+          <a:lstStyle/>
+          <a:p>
+            <a:pPr defTabSz="685800">
+              <a:defRPr/>
+            </a:pPr>
+            <a:r>
+              <a:rPr lang="en-US" altLang="ja-JP" sz="1050" dirty="0">
+                <a:solidFill>
+                  <a:schemeClr val="bg1">
+                    <a:lumMod val="65000"/>
+                  </a:schemeClr>
+                </a:solidFill>
+                <a:latin typeface="Calibri"/>
+                <a:ea typeface="ＭＳ Ｐゴシック" panose="020B0600070205080204" pitchFamily="50" charset="-128"/>
+              </a:rPr>
+              <a:t>Proprietary Software</a:t>
+            </a:r>
+          </a:p>
+          <a:p>
+            <a:pPr defTabSz="685800">
+              <a:defRPr/>
+            </a:pPr>
+            <a:r>
+              <a:rPr lang="ja-JP" altLang="en-US" sz="1050" dirty="0">
+                <a:solidFill>
+                  <a:schemeClr val="bg1">
+                    <a:lumMod val="65000"/>
+                  </a:schemeClr>
+                </a:solidFill>
+                <a:latin typeface="Calibri"/>
+                <a:ea typeface="ＭＳ Ｐゴシック" panose="020B0600070205080204" pitchFamily="50" charset="-128"/>
+              </a:rPr>
+              <a:t>（</a:t>
+            </a:r>
+            <a:r>
+              <a:rPr lang="en-US" altLang="ja-JP" sz="1050" dirty="0">
+                <a:solidFill>
+                  <a:schemeClr val="bg1">
+                    <a:lumMod val="65000"/>
+                  </a:schemeClr>
+                </a:solidFill>
+                <a:latin typeface="Calibri"/>
+                <a:ea typeface="ＭＳ Ｐゴシック" panose="020B0600070205080204" pitchFamily="50" charset="-128"/>
+              </a:rPr>
+              <a:t>incl. OSS</a:t>
+            </a:r>
+            <a:r>
+              <a:rPr lang="ja-JP" altLang="en-US" sz="1050" dirty="0">
+                <a:solidFill>
+                  <a:schemeClr val="bg1">
+                    <a:lumMod val="65000"/>
+                  </a:schemeClr>
+                </a:solidFill>
+                <a:latin typeface="Calibri"/>
+                <a:ea typeface="ＭＳ Ｐゴシック" panose="020B0600070205080204" pitchFamily="50" charset="-128"/>
+              </a:rPr>
+              <a:t>）</a:t>
+            </a:r>
+            <a:r>
+              <a:rPr lang="en-US" altLang="ja-JP" sz="1050" dirty="0">
+                <a:solidFill>
+                  <a:schemeClr val="bg1">
+                    <a:lumMod val="65000"/>
+                  </a:schemeClr>
+                </a:solidFill>
+                <a:latin typeface="Calibri"/>
+                <a:ea typeface="ＭＳ Ｐゴシック" panose="020B0600070205080204" pitchFamily="50" charset="-128"/>
+              </a:rPr>
+              <a:t>(</a:t>
+            </a:r>
+            <a:r>
+              <a:rPr lang="ja-JP" altLang="en-US" sz="1050" dirty="0">
+                <a:solidFill>
+                  <a:schemeClr val="bg1">
+                    <a:lumMod val="65000"/>
+                  </a:schemeClr>
+                </a:solidFill>
+                <a:latin typeface="Calibri"/>
+                <a:ea typeface="ＭＳ Ｐゴシック" panose="020B0600070205080204" pitchFamily="50" charset="-128"/>
+              </a:rPr>
+              <a:t>無し</a:t>
+            </a:r>
+            <a:r>
+              <a:rPr lang="en-US" altLang="ja-JP" sz="1050" dirty="0">
+                <a:solidFill>
+                  <a:schemeClr val="bg1">
+                    <a:lumMod val="65000"/>
+                  </a:schemeClr>
+                </a:solidFill>
+                <a:latin typeface="Calibri"/>
+                <a:ea typeface="ＭＳ Ｐゴシック" panose="020B0600070205080204" pitchFamily="50" charset="-128"/>
+              </a:rPr>
+              <a:t>)</a:t>
+            </a:r>
+            <a:endParaRPr lang="ja-JP" altLang="en-US" sz="1050" dirty="0">
+              <a:solidFill>
+                <a:schemeClr val="bg1">
+                  <a:lumMod val="65000"/>
+                </a:schemeClr>
+              </a:solidFill>
+              <a:latin typeface="Calibri"/>
+              <a:ea typeface="ＭＳ Ｐゴシック" panose="020B0600070205080204" pitchFamily="50" charset="-128"/>
+            </a:endParaRPr>
+          </a:p>
+        </p:txBody>
+      </p:sp>
+      <p:sp>
+        <p:nvSpPr>
+          <p:cNvPr id="54" name="テキスト ボックス 53">
+            <a:extLst>
+              <a:ext uri="{FF2B5EF4-FFF2-40B4-BE49-F238E27FC236}">
+                <a16:creationId xmlns:a16="http://schemas.microsoft.com/office/drawing/2014/main" id="{BC2E899B-C4A2-4544-BB5F-527B1C564FBE}"/>
+              </a:ext>
+            </a:extLst>
+          </p:cNvPr>
+          <p:cNvSpPr txBox="1"/>
+          <p:nvPr/>
+        </p:nvSpPr>
+        <p:spPr>
+          <a:xfrm>
+            <a:off x="6216123" y="4040929"/>
+            <a:ext cx="872355" cy="230832"/>
+          </a:xfrm>
+          <a:prstGeom prst="rect">
+            <a:avLst/>
+          </a:prstGeom>
+          <a:noFill/>
+        </p:spPr>
+        <p:txBody>
+          <a:bodyPr wrap="none" rtlCol="0">
+            <a:spAutoFit/>
+          </a:bodyPr>
+          <a:lstStyle/>
+          <a:p>
+            <a:pPr defTabSz="685800">
+              <a:defRPr/>
+            </a:pPr>
+            <a:r>
+              <a:rPr lang="en-US" altLang="ja-JP" sz="900" dirty="0">
+                <a:solidFill>
+                  <a:schemeClr val="bg1">
+                    <a:lumMod val="65000"/>
+                  </a:schemeClr>
+                </a:solidFill>
+                <a:latin typeface="Calibri"/>
+                <a:ea typeface="ＭＳ Ｐゴシック" panose="020B0600070205080204" pitchFamily="50" charset="-128"/>
+              </a:rPr>
+              <a:t>OSS</a:t>
+            </a:r>
+            <a:r>
+              <a:rPr lang="ja-JP" altLang="en-US" sz="900" dirty="0">
+                <a:solidFill>
+                  <a:schemeClr val="bg1">
+                    <a:lumMod val="65000"/>
+                  </a:schemeClr>
+                </a:solidFill>
+                <a:latin typeface="Calibri"/>
+                <a:ea typeface="ＭＳ Ｐゴシック" panose="020B0600070205080204" pitchFamily="50" charset="-128"/>
+              </a:rPr>
+              <a:t>情報</a:t>
+            </a:r>
+            <a:r>
+              <a:rPr lang="en-US" altLang="ja-JP" sz="900" dirty="0">
+                <a:solidFill>
+                  <a:schemeClr val="bg1">
+                    <a:lumMod val="65000"/>
+                  </a:schemeClr>
+                </a:solidFill>
+                <a:latin typeface="Calibri"/>
+                <a:ea typeface="ＭＳ Ｐゴシック" panose="020B0600070205080204" pitchFamily="50" charset="-128"/>
+              </a:rPr>
+              <a:t>(</a:t>
+            </a:r>
+            <a:r>
+              <a:rPr lang="ja-JP" altLang="en-US" sz="900" dirty="0">
+                <a:solidFill>
+                  <a:schemeClr val="bg1">
+                    <a:lumMod val="65000"/>
+                  </a:schemeClr>
+                </a:solidFill>
+                <a:latin typeface="Calibri"/>
+                <a:ea typeface="ＭＳ Ｐゴシック" panose="020B0600070205080204" pitchFamily="50" charset="-128"/>
+              </a:rPr>
+              <a:t>無し</a:t>
+            </a:r>
+            <a:r>
+              <a:rPr lang="en-US" altLang="ja-JP" sz="900" dirty="0">
+                <a:solidFill>
+                  <a:prstClr val="black"/>
+                </a:solidFill>
+                <a:latin typeface="Calibri"/>
+                <a:ea typeface="ＭＳ Ｐゴシック" panose="020B0600070205080204" pitchFamily="50" charset="-128"/>
+              </a:rPr>
+              <a:t>)</a:t>
+            </a:r>
+            <a:endParaRPr lang="ja-JP" altLang="en-US" sz="900" dirty="0">
+              <a:solidFill>
+                <a:prstClr val="black"/>
+              </a:solidFill>
+              <a:latin typeface="Calibri"/>
+              <a:ea typeface="ＭＳ Ｐゴシック" panose="020B0600070205080204" pitchFamily="50" charset="-128"/>
+            </a:endParaRPr>
+          </a:p>
+        </p:txBody>
+      </p:sp>
+      <p:cxnSp>
+        <p:nvCxnSpPr>
+          <p:cNvPr id="56" name="直線矢印コネクタ 55">
+            <a:extLst>
+              <a:ext uri="{FF2B5EF4-FFF2-40B4-BE49-F238E27FC236}">
+                <a16:creationId xmlns:a16="http://schemas.microsoft.com/office/drawing/2014/main" id="{0F3198F3-B473-49AB-AF2D-7EE74EB14D81}"/>
+              </a:ext>
+            </a:extLst>
+          </p:cNvPr>
+          <p:cNvCxnSpPr>
+            <a:cxnSpLocks/>
+            <a:stCxn id="55" idx="0"/>
+            <a:endCxn id="61" idx="1"/>
+          </p:cNvCxnSpPr>
+          <p:nvPr/>
+        </p:nvCxnSpPr>
+        <p:spPr>
+          <a:xfrm flipV="1">
+            <a:off x="5560381" y="1871563"/>
+            <a:ext cx="484805" cy="896947"/>
+          </a:xfrm>
+          <a:prstGeom prst="straightConnector1">
+            <a:avLst/>
+          </a:prstGeom>
+          <a:ln w="38100">
+            <a:solidFill>
+              <a:srgbClr val="FFC000">
+                <a:alpha val="20000"/>
+              </a:srgbClr>
+            </a:solidFill>
+            <a:prstDash val="sysDash"/>
+            <a:tailEnd type="triangle"/>
+          </a:ln>
+        </p:spPr>
+        <p:style>
+          <a:lnRef idx="1">
+            <a:schemeClr val="accent1"/>
+          </a:lnRef>
+          <a:fillRef idx="0">
+            <a:schemeClr val="accent1"/>
+          </a:fillRef>
+          <a:effectRef idx="0">
+            <a:schemeClr val="accent1"/>
+          </a:effectRef>
+          <a:fontRef idx="minor">
+            <a:schemeClr val="tx1"/>
+          </a:fontRef>
+        </p:style>
+      </p:cxnSp>
+      <p:sp>
+        <p:nvSpPr>
+          <p:cNvPr id="58" name="フローチャート: 磁気ディスク 57">
+            <a:extLst>
+              <a:ext uri="{FF2B5EF4-FFF2-40B4-BE49-F238E27FC236}">
+                <a16:creationId xmlns:a16="http://schemas.microsoft.com/office/drawing/2014/main" id="{6F8A06A7-D462-4044-9916-49AAABAF24F9}"/>
+              </a:ext>
+            </a:extLst>
+          </p:cNvPr>
+          <p:cNvSpPr/>
+          <p:nvPr/>
+        </p:nvSpPr>
+        <p:spPr>
+          <a:xfrm>
+            <a:off x="6120376" y="1629352"/>
+            <a:ext cx="430234" cy="474341"/>
+          </a:xfrm>
+          <a:prstGeom prst="flowChartMagneticDisk">
+            <a:avLst/>
+          </a:prstGeom>
+          <a:solidFill>
+            <a:srgbClr val="FFC000">
+              <a:alpha val="20000"/>
+            </a:srgbClr>
+          </a:solidFill>
+          <a:ln>
+            <a:prstDash val="sysDot"/>
+          </a:ln>
+        </p:spPr>
+        <p:style>
+          <a:lnRef idx="2">
+            <a:schemeClr val="accent1">
+              <a:shade val="50000"/>
+            </a:schemeClr>
+          </a:lnRef>
+          <a:fillRef idx="1">
+            <a:schemeClr val="accent1"/>
+          </a:fillRef>
+          <a:effectRef idx="0">
+            <a:schemeClr val="accent1"/>
+          </a:effectRef>
+          <a:fontRef idx="minor">
+            <a:schemeClr val="lt1"/>
+          </a:fontRef>
+        </p:style>
+        <p:txBody>
+          <a:bodyPr rtlCol="0" anchor="ctr"/>
+          <a:lstStyle/>
+          <a:p>
+            <a:pPr algn="ctr" defTabSz="685800">
+              <a:defRPr/>
+            </a:pPr>
+            <a:endParaRPr lang="ja-JP" altLang="en-US" sz="1350">
+              <a:solidFill>
+                <a:prstClr val="white"/>
+              </a:solidFill>
+              <a:latin typeface="Calibri"/>
+              <a:ea typeface="ＭＳ Ｐゴシック" panose="020B0600070205080204" pitchFamily="50" charset="-128"/>
+            </a:endParaRPr>
+          </a:p>
+        </p:txBody>
+      </p:sp>
+      <p:sp>
+        <p:nvSpPr>
+          <p:cNvPr id="60" name="テキスト ボックス 59">
+            <a:extLst>
+              <a:ext uri="{FF2B5EF4-FFF2-40B4-BE49-F238E27FC236}">
+                <a16:creationId xmlns:a16="http://schemas.microsoft.com/office/drawing/2014/main" id="{24174180-61C0-4491-BF49-706A833EC9A7}"/>
+              </a:ext>
+            </a:extLst>
+          </p:cNvPr>
+          <p:cNvSpPr txBox="1"/>
+          <p:nvPr/>
+        </p:nvSpPr>
+        <p:spPr>
+          <a:xfrm>
+            <a:off x="5567864" y="1264343"/>
+            <a:ext cx="1657826" cy="369332"/>
+          </a:xfrm>
+          <a:prstGeom prst="rect">
+            <a:avLst/>
+          </a:prstGeom>
+          <a:noFill/>
+        </p:spPr>
+        <p:txBody>
+          <a:bodyPr wrap="none" rtlCol="0">
+            <a:spAutoFit/>
+          </a:bodyPr>
+          <a:lstStyle/>
+          <a:p>
+            <a:pPr algn="ctr" defTabSz="685800">
+              <a:defRPr/>
+            </a:pPr>
+            <a:r>
+              <a:rPr lang="ja-JP" altLang="en-US" sz="900" dirty="0">
+                <a:solidFill>
+                  <a:prstClr val="black"/>
+                </a:solidFill>
+                <a:latin typeface="Calibri"/>
+                <a:ea typeface="ＭＳ Ｐゴシック" panose="020B0600070205080204" pitchFamily="50" charset="-128"/>
+              </a:rPr>
+              <a:t>公開用ソース</a:t>
+            </a:r>
+            <a:br>
+              <a:rPr lang="en-US" altLang="ja-JP" sz="900" dirty="0">
+                <a:solidFill>
+                  <a:prstClr val="black"/>
+                </a:solidFill>
+                <a:latin typeface="Calibri"/>
+                <a:ea typeface="ＭＳ Ｐゴシック" panose="020B0600070205080204" pitchFamily="50" charset="-128"/>
+              </a:rPr>
+            </a:br>
+            <a:r>
+              <a:rPr lang="en-US" altLang="ja-JP" sz="900" dirty="0">
+                <a:solidFill>
+                  <a:prstClr val="black"/>
+                </a:solidFill>
+                <a:latin typeface="Calibri"/>
+                <a:ea typeface="ＭＳ Ｐゴシック" panose="020B0600070205080204" pitchFamily="50" charset="-128"/>
+              </a:rPr>
+              <a:t>(</a:t>
+            </a:r>
+            <a:r>
+              <a:rPr lang="ja-JP" altLang="en-US" sz="900" dirty="0">
+                <a:solidFill>
+                  <a:prstClr val="black"/>
+                </a:solidFill>
+                <a:latin typeface="Calibri"/>
+                <a:ea typeface="ＭＳ Ｐゴシック" panose="020B0600070205080204" pitchFamily="50" charset="-128"/>
+              </a:rPr>
+              <a:t>サービス時はソース公開無し</a:t>
+            </a:r>
+            <a:r>
+              <a:rPr lang="en-US" altLang="ja-JP" sz="900" dirty="0">
+                <a:solidFill>
+                  <a:prstClr val="black"/>
+                </a:solidFill>
+                <a:latin typeface="Calibri"/>
+                <a:ea typeface="ＭＳ Ｐゴシック" panose="020B0600070205080204" pitchFamily="50" charset="-128"/>
+              </a:rPr>
+              <a:t>)</a:t>
+            </a:r>
+            <a:endParaRPr lang="ja-JP" altLang="en-US" sz="900" dirty="0">
+              <a:solidFill>
+                <a:prstClr val="black"/>
+              </a:solidFill>
+              <a:latin typeface="Calibri"/>
+              <a:ea typeface="ＭＳ Ｐゴシック" panose="020B0600070205080204" pitchFamily="50" charset="-128"/>
+            </a:endParaRPr>
+          </a:p>
+        </p:txBody>
+      </p:sp>
+      <p:sp>
+        <p:nvSpPr>
+          <p:cNvPr id="61" name="テキスト ボックス 60">
+            <a:extLst>
+              <a:ext uri="{FF2B5EF4-FFF2-40B4-BE49-F238E27FC236}">
+                <a16:creationId xmlns:a16="http://schemas.microsoft.com/office/drawing/2014/main" id="{9BA04A49-898C-47F7-A64B-CFFBA5599125}"/>
+              </a:ext>
+            </a:extLst>
+          </p:cNvPr>
+          <p:cNvSpPr txBox="1"/>
+          <p:nvPr/>
+        </p:nvSpPr>
+        <p:spPr>
+          <a:xfrm>
+            <a:off x="6045186" y="1634960"/>
+            <a:ext cx="598242" cy="473206"/>
+          </a:xfrm>
+          <a:prstGeom prst="rect">
+            <a:avLst/>
+          </a:prstGeom>
+          <a:noFill/>
+          <a:ln>
+            <a:noFill/>
+            <a:prstDash val="sysDot"/>
+          </a:ln>
+        </p:spPr>
+        <p:txBody>
+          <a:bodyPr wrap="none" rtlCol="0">
+            <a:spAutoFit/>
+          </a:bodyPr>
+          <a:lstStyle/>
+          <a:p>
+            <a:pPr algn="ctr" defTabSz="685800">
+              <a:defRPr/>
+            </a:pPr>
+            <a:r>
+              <a:rPr lang="ja-JP" altLang="en-US" sz="825" dirty="0">
+                <a:solidFill>
+                  <a:schemeClr val="bg1">
+                    <a:lumMod val="65000"/>
+                  </a:schemeClr>
+                </a:solidFill>
+                <a:latin typeface="Calibri"/>
+                <a:ea typeface="ＭＳ Ｐゴシック" panose="020B0600070205080204" pitchFamily="50" charset="-128"/>
+              </a:rPr>
+              <a:t>ソース</a:t>
+            </a:r>
+            <a:endParaRPr lang="en-US" altLang="ja-JP" sz="825" dirty="0">
+              <a:solidFill>
+                <a:schemeClr val="bg1">
+                  <a:lumMod val="65000"/>
+                </a:schemeClr>
+              </a:solidFill>
+              <a:latin typeface="Calibri"/>
+              <a:ea typeface="ＭＳ Ｐゴシック" panose="020B0600070205080204" pitchFamily="50" charset="-128"/>
+            </a:endParaRPr>
+          </a:p>
+          <a:p>
+            <a:pPr algn="ctr" defTabSz="685800">
+              <a:defRPr/>
+            </a:pPr>
+            <a:r>
+              <a:rPr lang="ja-JP" altLang="en-US" sz="825" dirty="0">
+                <a:solidFill>
+                  <a:schemeClr val="bg1">
+                    <a:lumMod val="65000"/>
+                  </a:schemeClr>
+                </a:solidFill>
+                <a:latin typeface="Calibri"/>
+                <a:ea typeface="ＭＳ Ｐゴシック" panose="020B0600070205080204" pitchFamily="50" charset="-128"/>
+              </a:rPr>
+              <a:t>公開</a:t>
+            </a:r>
+            <a:endParaRPr lang="en-US" altLang="ja-JP" sz="825" dirty="0">
+              <a:solidFill>
+                <a:schemeClr val="bg1">
+                  <a:lumMod val="65000"/>
+                </a:schemeClr>
+              </a:solidFill>
+              <a:latin typeface="Calibri"/>
+              <a:ea typeface="ＭＳ Ｐゴシック" panose="020B0600070205080204" pitchFamily="50" charset="-128"/>
+            </a:endParaRPr>
+          </a:p>
+          <a:p>
+            <a:pPr algn="ctr" defTabSz="685800">
+              <a:defRPr/>
+            </a:pPr>
+            <a:r>
+              <a:rPr lang="ja-JP" altLang="en-US" sz="825" dirty="0">
+                <a:solidFill>
+                  <a:schemeClr val="bg1">
+                    <a:lumMod val="65000"/>
+                  </a:schemeClr>
+                </a:solidFill>
+                <a:latin typeface="Calibri"/>
+                <a:ea typeface="ＭＳ Ｐゴシック" panose="020B0600070205080204" pitchFamily="50" charset="-128"/>
+              </a:rPr>
+              <a:t>サーバー</a:t>
+            </a:r>
+          </a:p>
+        </p:txBody>
+      </p:sp>
+      <p:sp>
+        <p:nvSpPr>
+          <p:cNvPr id="62" name="四角形: 角を丸くする 61">
+            <a:extLst>
+              <a:ext uri="{FF2B5EF4-FFF2-40B4-BE49-F238E27FC236}">
+                <a16:creationId xmlns:a16="http://schemas.microsoft.com/office/drawing/2014/main" id="{61E144C9-EEEA-467C-B27C-79409D934D7E}"/>
+              </a:ext>
+            </a:extLst>
+          </p:cNvPr>
+          <p:cNvSpPr/>
+          <p:nvPr/>
+        </p:nvSpPr>
+        <p:spPr>
+          <a:xfrm>
+            <a:off x="4973477" y="4469864"/>
+            <a:ext cx="859090" cy="418828"/>
+          </a:xfrm>
+          <a:prstGeom prst="roundRect">
+            <a:avLst/>
+          </a:prstGeom>
+          <a:solidFill>
+            <a:srgbClr val="FFC000"/>
+          </a:solidFill>
+          <a:ln>
+            <a:noFill/>
+          </a:ln>
+        </p:spPr>
+        <p:style>
+          <a:lnRef idx="2">
+            <a:schemeClr val="accent1">
+              <a:shade val="50000"/>
+            </a:schemeClr>
+          </a:lnRef>
+          <a:fillRef idx="1">
+            <a:schemeClr val="accent1"/>
+          </a:fillRef>
+          <a:effectRef idx="0">
+            <a:schemeClr val="accent1"/>
+          </a:effectRef>
+          <a:fontRef idx="minor">
+            <a:schemeClr val="lt1"/>
+          </a:fontRef>
+        </p:style>
+        <p:txBody>
+          <a:bodyPr rtlCol="0" anchor="ctr"/>
+          <a:lstStyle/>
+          <a:p>
+            <a:pPr algn="ctr" defTabSz="685800">
+              <a:defRPr/>
+            </a:pPr>
+            <a:r>
+              <a:rPr lang="ja-JP" altLang="en-US" sz="900" dirty="0">
+                <a:solidFill>
+                  <a:prstClr val="black"/>
+                </a:solidFill>
+                <a:latin typeface="Calibri"/>
+                <a:ea typeface="ＭＳ Ｐゴシック" panose="020B0600070205080204" pitchFamily="50" charset="-128"/>
+              </a:rPr>
+              <a:t>顧客</a:t>
+            </a:r>
+            <a:endParaRPr lang="en-US" altLang="ja-JP" sz="900" dirty="0">
+              <a:solidFill>
+                <a:prstClr val="black"/>
+              </a:solidFill>
+              <a:latin typeface="Calibri"/>
+              <a:ea typeface="ＭＳ Ｐゴシック" panose="020B0600070205080204" pitchFamily="50" charset="-128"/>
+            </a:endParaRPr>
+          </a:p>
+          <a:p>
+            <a:pPr algn="ctr" defTabSz="685800">
+              <a:defRPr/>
+            </a:pPr>
+            <a:r>
+              <a:rPr lang="ja-JP" altLang="en-US" sz="900" dirty="0">
+                <a:solidFill>
+                  <a:prstClr val="black"/>
+                </a:solidFill>
+                <a:latin typeface="Calibri"/>
+                <a:ea typeface="ＭＳ Ｐゴシック" panose="020B0600070205080204" pitchFamily="50" charset="-128"/>
+              </a:rPr>
+              <a:t>窓口</a:t>
+            </a:r>
+          </a:p>
+        </p:txBody>
+      </p:sp>
+      <p:sp>
+        <p:nvSpPr>
+          <p:cNvPr id="64" name="テキスト ボックス 63">
+            <a:extLst>
+              <a:ext uri="{FF2B5EF4-FFF2-40B4-BE49-F238E27FC236}">
+                <a16:creationId xmlns:a16="http://schemas.microsoft.com/office/drawing/2014/main" id="{6FA8BEB1-3EFE-4C16-9F41-44A149F98E9A}"/>
+              </a:ext>
+            </a:extLst>
+          </p:cNvPr>
+          <p:cNvSpPr txBox="1"/>
+          <p:nvPr/>
+        </p:nvSpPr>
+        <p:spPr>
+          <a:xfrm>
+            <a:off x="6222680" y="4718420"/>
+            <a:ext cx="1186543" cy="473206"/>
+          </a:xfrm>
+          <a:prstGeom prst="rect">
+            <a:avLst/>
+          </a:prstGeom>
+          <a:noFill/>
+        </p:spPr>
+        <p:txBody>
+          <a:bodyPr wrap="none" rtlCol="0">
+            <a:spAutoFit/>
+          </a:bodyPr>
+          <a:lstStyle/>
+          <a:p>
+            <a:pPr defTabSz="685800">
+              <a:defRPr/>
+            </a:pPr>
+            <a:r>
+              <a:rPr lang="en-US" altLang="ja-JP" sz="825" dirty="0">
+                <a:solidFill>
+                  <a:prstClr val="black"/>
+                </a:solidFill>
+                <a:latin typeface="Calibri"/>
+                <a:ea typeface="ＭＳ Ｐゴシック" panose="020B0600070205080204" pitchFamily="50" charset="-128"/>
+              </a:rPr>
+              <a:t>OSS</a:t>
+            </a:r>
+            <a:r>
+              <a:rPr lang="ja-JP" altLang="en-US" sz="825" dirty="0">
+                <a:solidFill>
+                  <a:prstClr val="black"/>
+                </a:solidFill>
+                <a:latin typeface="Calibri"/>
+                <a:ea typeface="ＭＳ Ｐゴシック" panose="020B0600070205080204" pitchFamily="50" charset="-128"/>
+              </a:rPr>
+              <a:t>問い合わせ</a:t>
+            </a:r>
+            <a:endParaRPr lang="en-US" altLang="ja-JP" sz="825" dirty="0">
+              <a:solidFill>
+                <a:prstClr val="black"/>
+              </a:solidFill>
+              <a:latin typeface="Calibri"/>
+              <a:ea typeface="ＭＳ Ｐゴシック" panose="020B0600070205080204" pitchFamily="50" charset="-128"/>
+            </a:endParaRPr>
+          </a:p>
+          <a:p>
+            <a:pPr defTabSz="685800">
+              <a:defRPr/>
+            </a:pPr>
+            <a:r>
+              <a:rPr lang="en-US" altLang="ja-JP" sz="825" dirty="0">
+                <a:solidFill>
+                  <a:prstClr val="black"/>
+                </a:solidFill>
+                <a:latin typeface="Calibri"/>
+                <a:ea typeface="ＭＳ Ｐゴシック" panose="020B0600070205080204" pitchFamily="50" charset="-128"/>
+              </a:rPr>
+              <a:t>(</a:t>
+            </a:r>
+            <a:r>
+              <a:rPr lang="ja-JP" altLang="en-US" sz="825" dirty="0">
+                <a:solidFill>
+                  <a:prstClr val="black"/>
+                </a:solidFill>
+                <a:latin typeface="Calibri"/>
+                <a:ea typeface="ＭＳ Ｐゴシック" panose="020B0600070205080204" pitchFamily="50" charset="-128"/>
+              </a:rPr>
+              <a:t>ライセンスよりは</a:t>
+            </a:r>
+            <a:endParaRPr lang="en-US" altLang="ja-JP" sz="825" dirty="0">
+              <a:solidFill>
+                <a:prstClr val="black"/>
+              </a:solidFill>
+              <a:latin typeface="Calibri"/>
+              <a:ea typeface="ＭＳ Ｐゴシック" panose="020B0600070205080204" pitchFamily="50" charset="-128"/>
+            </a:endParaRPr>
+          </a:p>
+          <a:p>
+            <a:pPr defTabSz="685800">
+              <a:defRPr/>
+            </a:pPr>
+            <a:r>
+              <a:rPr lang="en-US" altLang="ja-JP" sz="825" dirty="0">
+                <a:solidFill>
+                  <a:prstClr val="black"/>
+                </a:solidFill>
+                <a:latin typeface="Calibri"/>
+                <a:ea typeface="ＭＳ Ｐゴシック" panose="020B0600070205080204" pitchFamily="50" charset="-128"/>
+              </a:rPr>
+              <a:t> </a:t>
+            </a:r>
+            <a:r>
+              <a:rPr lang="ja-JP" altLang="en-US" sz="825" dirty="0">
+                <a:solidFill>
+                  <a:prstClr val="black"/>
+                </a:solidFill>
+                <a:latin typeface="Calibri"/>
+                <a:ea typeface="ＭＳ Ｐゴシック" panose="020B0600070205080204" pitchFamily="50" charset="-128"/>
+              </a:rPr>
+              <a:t>脆弱性の問い合わせ</a:t>
+            </a:r>
+            <a:r>
+              <a:rPr lang="en-US" altLang="ja-JP" sz="825" dirty="0">
+                <a:solidFill>
+                  <a:prstClr val="black"/>
+                </a:solidFill>
+                <a:latin typeface="Calibri"/>
+                <a:ea typeface="ＭＳ Ｐゴシック" panose="020B0600070205080204" pitchFamily="50" charset="-128"/>
+              </a:rPr>
+              <a:t>)</a:t>
+            </a:r>
+            <a:endParaRPr lang="ja-JP" altLang="en-US" sz="825" dirty="0">
+              <a:solidFill>
+                <a:prstClr val="black"/>
+              </a:solidFill>
+              <a:latin typeface="Calibri"/>
+              <a:ea typeface="ＭＳ Ｐゴシック" panose="020B0600070205080204" pitchFamily="50" charset="-128"/>
+            </a:endParaRPr>
+          </a:p>
+        </p:txBody>
+      </p:sp>
+      <p:sp>
+        <p:nvSpPr>
+          <p:cNvPr id="66" name="テキスト ボックス 65">
+            <a:extLst>
+              <a:ext uri="{FF2B5EF4-FFF2-40B4-BE49-F238E27FC236}">
+                <a16:creationId xmlns:a16="http://schemas.microsoft.com/office/drawing/2014/main" id="{9F434FD0-8FC5-4E03-BE68-A09D958D245D}"/>
+              </a:ext>
+            </a:extLst>
+          </p:cNvPr>
+          <p:cNvSpPr txBox="1"/>
+          <p:nvPr/>
+        </p:nvSpPr>
+        <p:spPr>
+          <a:xfrm>
+            <a:off x="5005176" y="4263820"/>
+            <a:ext cx="873957" cy="219291"/>
+          </a:xfrm>
+          <a:prstGeom prst="rect">
+            <a:avLst/>
+          </a:prstGeom>
+          <a:noFill/>
+        </p:spPr>
+        <p:txBody>
+          <a:bodyPr wrap="none" rtlCol="0">
+            <a:spAutoFit/>
+          </a:bodyPr>
+          <a:lstStyle/>
+          <a:p>
+            <a:pPr defTabSz="685800">
+              <a:defRPr/>
+            </a:pPr>
+            <a:r>
+              <a:rPr lang="en-US" altLang="ja-JP" sz="825" dirty="0">
+                <a:solidFill>
+                  <a:prstClr val="black"/>
+                </a:solidFill>
+                <a:latin typeface="Calibri"/>
+                <a:ea typeface="ＭＳ Ｐゴシック" panose="020B0600070205080204" pitchFamily="50" charset="-128"/>
+              </a:rPr>
+              <a:t>OSS</a:t>
+            </a:r>
+            <a:r>
+              <a:rPr lang="ja-JP" altLang="en-US" sz="825" dirty="0">
+                <a:solidFill>
+                  <a:prstClr val="black"/>
+                </a:solidFill>
+                <a:latin typeface="Calibri"/>
+                <a:ea typeface="ＭＳ Ｐゴシック" panose="020B0600070205080204" pitchFamily="50" charset="-128"/>
+              </a:rPr>
+              <a:t>問い合わせ</a:t>
+            </a:r>
+          </a:p>
+        </p:txBody>
+      </p:sp>
+      <p:cxnSp>
+        <p:nvCxnSpPr>
+          <p:cNvPr id="70" name="直線矢印コネクタ 69">
+            <a:extLst>
+              <a:ext uri="{FF2B5EF4-FFF2-40B4-BE49-F238E27FC236}">
+                <a16:creationId xmlns:a16="http://schemas.microsoft.com/office/drawing/2014/main" id="{9BEC4DA4-D661-4F0B-87B8-06549A413407}"/>
+              </a:ext>
+            </a:extLst>
+          </p:cNvPr>
+          <p:cNvCxnSpPr>
+            <a:cxnSpLocks/>
+          </p:cNvCxnSpPr>
+          <p:nvPr/>
+        </p:nvCxnSpPr>
+        <p:spPr>
+          <a:xfrm flipV="1">
+            <a:off x="3359493" y="4153729"/>
+            <a:ext cx="0" cy="933353"/>
+          </a:xfrm>
+          <a:prstGeom prst="straightConnector1">
+            <a:avLst/>
+          </a:prstGeom>
+          <a:ln w="38100">
+            <a:solidFill>
+              <a:srgbClr val="FFC000"/>
+            </a:solidFill>
+            <a:tailEnd type="triangle"/>
+          </a:ln>
+        </p:spPr>
+        <p:style>
+          <a:lnRef idx="1">
+            <a:schemeClr val="accent1"/>
+          </a:lnRef>
+          <a:fillRef idx="0">
+            <a:schemeClr val="accent1"/>
+          </a:fillRef>
+          <a:effectRef idx="0">
+            <a:schemeClr val="accent1"/>
+          </a:effectRef>
+          <a:fontRef idx="minor">
+            <a:schemeClr val="tx1"/>
+          </a:fontRef>
+        </p:style>
+      </p:cxnSp>
+      <p:cxnSp>
+        <p:nvCxnSpPr>
+          <p:cNvPr id="72" name="直線矢印コネクタ 71">
+            <a:extLst>
+              <a:ext uri="{FF2B5EF4-FFF2-40B4-BE49-F238E27FC236}">
+                <a16:creationId xmlns:a16="http://schemas.microsoft.com/office/drawing/2014/main" id="{CDC1E55D-C73E-4A4F-96C5-7C9AF35137EC}"/>
+              </a:ext>
+            </a:extLst>
+          </p:cNvPr>
+          <p:cNvCxnSpPr>
+            <a:cxnSpLocks/>
+            <a:stCxn id="10" idx="1"/>
+          </p:cNvCxnSpPr>
+          <p:nvPr/>
+        </p:nvCxnSpPr>
+        <p:spPr>
+          <a:xfrm flipH="1" flipV="1">
+            <a:off x="1699478" y="4845900"/>
+            <a:ext cx="1487940" cy="477836"/>
+          </a:xfrm>
+          <a:prstGeom prst="straightConnector1">
+            <a:avLst/>
+          </a:prstGeom>
+          <a:ln w="38100">
+            <a:solidFill>
+              <a:srgbClr val="FFC000"/>
+            </a:solidFill>
+            <a:tailEnd type="triangle"/>
+          </a:ln>
+        </p:spPr>
+        <p:style>
+          <a:lnRef idx="1">
+            <a:schemeClr val="accent1"/>
+          </a:lnRef>
+          <a:fillRef idx="0">
+            <a:schemeClr val="accent1"/>
+          </a:fillRef>
+          <a:effectRef idx="0">
+            <a:schemeClr val="accent1"/>
+          </a:effectRef>
+          <a:fontRef idx="minor">
+            <a:schemeClr val="tx1"/>
+          </a:fontRef>
+        </p:style>
+      </p:cxnSp>
+      <p:sp>
+        <p:nvSpPr>
+          <p:cNvPr id="74" name="テキスト ボックス 73">
+            <a:extLst>
+              <a:ext uri="{FF2B5EF4-FFF2-40B4-BE49-F238E27FC236}">
+                <a16:creationId xmlns:a16="http://schemas.microsoft.com/office/drawing/2014/main" id="{920F6C34-2AD3-489B-99BC-8607F031AB1D}"/>
+              </a:ext>
+            </a:extLst>
+          </p:cNvPr>
+          <p:cNvSpPr txBox="1"/>
+          <p:nvPr/>
+        </p:nvSpPr>
+        <p:spPr>
+          <a:xfrm>
+            <a:off x="3045329" y="4505372"/>
+            <a:ext cx="367408" cy="230832"/>
+          </a:xfrm>
+          <a:prstGeom prst="rect">
+            <a:avLst/>
+          </a:prstGeom>
+          <a:noFill/>
+        </p:spPr>
+        <p:txBody>
+          <a:bodyPr wrap="none" rtlCol="0">
+            <a:spAutoFit/>
+          </a:bodyPr>
+          <a:lstStyle/>
+          <a:p>
+            <a:pPr defTabSz="685800">
+              <a:defRPr/>
+            </a:pPr>
+            <a:r>
+              <a:rPr lang="en-US" altLang="ja-JP" sz="900" dirty="0">
+                <a:solidFill>
+                  <a:prstClr val="black"/>
+                </a:solidFill>
+                <a:latin typeface="Calibri"/>
+                <a:ea typeface="ＭＳ Ｐゴシック" panose="020B0600070205080204" pitchFamily="50" charset="-128"/>
+              </a:rPr>
+              <a:t>OSS</a:t>
+            </a:r>
+            <a:endParaRPr lang="ja-JP" altLang="en-US" sz="900" dirty="0">
+              <a:solidFill>
+                <a:prstClr val="black"/>
+              </a:solidFill>
+              <a:latin typeface="Calibri"/>
+              <a:ea typeface="ＭＳ Ｐゴシック" panose="020B0600070205080204" pitchFamily="50" charset="-128"/>
+            </a:endParaRPr>
+          </a:p>
+        </p:txBody>
+      </p:sp>
+      <p:sp>
+        <p:nvSpPr>
+          <p:cNvPr id="75" name="テキスト ボックス 74">
+            <a:extLst>
+              <a:ext uri="{FF2B5EF4-FFF2-40B4-BE49-F238E27FC236}">
+                <a16:creationId xmlns:a16="http://schemas.microsoft.com/office/drawing/2014/main" id="{F99D00E4-8CFB-45C1-831D-1D16F50C6085}"/>
+              </a:ext>
+            </a:extLst>
+          </p:cNvPr>
+          <p:cNvSpPr txBox="1"/>
+          <p:nvPr/>
+        </p:nvSpPr>
+        <p:spPr>
+          <a:xfrm>
+            <a:off x="1953342" y="5035853"/>
+            <a:ext cx="367408" cy="230832"/>
+          </a:xfrm>
+          <a:prstGeom prst="rect">
+            <a:avLst/>
+          </a:prstGeom>
+          <a:noFill/>
+        </p:spPr>
+        <p:txBody>
+          <a:bodyPr wrap="none" rtlCol="0">
+            <a:spAutoFit/>
+          </a:bodyPr>
+          <a:lstStyle/>
+          <a:p>
+            <a:pPr defTabSz="685800">
+              <a:defRPr/>
+            </a:pPr>
+            <a:r>
+              <a:rPr lang="en-US" altLang="ja-JP" sz="900" dirty="0">
+                <a:solidFill>
+                  <a:prstClr val="black"/>
+                </a:solidFill>
+                <a:latin typeface="Calibri"/>
+                <a:ea typeface="ＭＳ Ｐゴシック" panose="020B0600070205080204" pitchFamily="50" charset="-128"/>
+              </a:rPr>
+              <a:t>OSS</a:t>
+            </a:r>
+            <a:endParaRPr lang="ja-JP" altLang="en-US" sz="900" dirty="0">
+              <a:solidFill>
+                <a:prstClr val="black"/>
+              </a:solidFill>
+              <a:latin typeface="Calibri"/>
+              <a:ea typeface="ＭＳ Ｐゴシック" panose="020B0600070205080204" pitchFamily="50" charset="-128"/>
+            </a:endParaRPr>
+          </a:p>
+        </p:txBody>
+      </p:sp>
+      <p:cxnSp>
+        <p:nvCxnSpPr>
+          <p:cNvPr id="76" name="直線矢印コネクタ 75">
+            <a:extLst>
+              <a:ext uri="{FF2B5EF4-FFF2-40B4-BE49-F238E27FC236}">
+                <a16:creationId xmlns:a16="http://schemas.microsoft.com/office/drawing/2014/main" id="{2CEF35C0-9E1C-4371-9C22-7BA0F357C050}"/>
+              </a:ext>
+            </a:extLst>
+          </p:cNvPr>
+          <p:cNvCxnSpPr>
+            <a:cxnSpLocks/>
+          </p:cNvCxnSpPr>
+          <p:nvPr/>
+        </p:nvCxnSpPr>
+        <p:spPr>
+          <a:xfrm flipH="1" flipV="1">
+            <a:off x="1683151" y="4617590"/>
+            <a:ext cx="1504268" cy="537878"/>
+          </a:xfrm>
+          <a:prstGeom prst="straightConnector1">
+            <a:avLst/>
+          </a:prstGeom>
+          <a:ln w="38100">
+            <a:solidFill>
+              <a:srgbClr val="FF0000"/>
+            </a:solidFill>
+            <a:tailEnd type="triangle"/>
+          </a:ln>
+        </p:spPr>
+        <p:style>
+          <a:lnRef idx="1">
+            <a:schemeClr val="accent1"/>
+          </a:lnRef>
+          <a:fillRef idx="0">
+            <a:schemeClr val="accent1"/>
+          </a:fillRef>
+          <a:effectRef idx="0">
+            <a:schemeClr val="accent1"/>
+          </a:effectRef>
+          <a:fontRef idx="minor">
+            <a:schemeClr val="tx1"/>
+          </a:fontRef>
+        </p:style>
+      </p:cxnSp>
+      <p:cxnSp>
+        <p:nvCxnSpPr>
+          <p:cNvPr id="78" name="直線矢印コネクタ 77">
+            <a:extLst>
+              <a:ext uri="{FF2B5EF4-FFF2-40B4-BE49-F238E27FC236}">
+                <a16:creationId xmlns:a16="http://schemas.microsoft.com/office/drawing/2014/main" id="{20935DA2-217A-4D28-A9B8-85956B32C101}"/>
+              </a:ext>
+            </a:extLst>
+          </p:cNvPr>
+          <p:cNvCxnSpPr>
+            <a:cxnSpLocks/>
+          </p:cNvCxnSpPr>
+          <p:nvPr/>
+        </p:nvCxnSpPr>
+        <p:spPr>
+          <a:xfrm flipH="1" flipV="1">
+            <a:off x="3435397" y="4153730"/>
+            <a:ext cx="7136" cy="939153"/>
+          </a:xfrm>
+          <a:prstGeom prst="straightConnector1">
+            <a:avLst/>
+          </a:prstGeom>
+          <a:ln w="38100">
+            <a:solidFill>
+              <a:srgbClr val="FF0000"/>
+            </a:solidFill>
+            <a:tailEnd type="triangle"/>
+          </a:ln>
+        </p:spPr>
+        <p:style>
+          <a:lnRef idx="1">
+            <a:schemeClr val="accent1"/>
+          </a:lnRef>
+          <a:fillRef idx="0">
+            <a:schemeClr val="accent1"/>
+          </a:fillRef>
+          <a:effectRef idx="0">
+            <a:schemeClr val="accent1"/>
+          </a:effectRef>
+          <a:fontRef idx="minor">
+            <a:schemeClr val="tx1"/>
+          </a:fontRef>
+        </p:style>
+      </p:cxnSp>
+      <p:sp>
+        <p:nvSpPr>
+          <p:cNvPr id="80" name="テキスト ボックス 79">
+            <a:extLst>
+              <a:ext uri="{FF2B5EF4-FFF2-40B4-BE49-F238E27FC236}">
+                <a16:creationId xmlns:a16="http://schemas.microsoft.com/office/drawing/2014/main" id="{DC5A38D0-4F7B-45AF-A261-CE6A47A36E02}"/>
+              </a:ext>
+            </a:extLst>
+          </p:cNvPr>
+          <p:cNvSpPr txBox="1"/>
+          <p:nvPr/>
+        </p:nvSpPr>
+        <p:spPr>
+          <a:xfrm>
+            <a:off x="3414678" y="4477211"/>
+            <a:ext cx="598241" cy="230832"/>
+          </a:xfrm>
+          <a:prstGeom prst="rect">
+            <a:avLst/>
+          </a:prstGeom>
+          <a:noFill/>
+        </p:spPr>
+        <p:txBody>
+          <a:bodyPr wrap="none" rtlCol="0">
+            <a:spAutoFit/>
+          </a:bodyPr>
+          <a:lstStyle/>
+          <a:p>
+            <a:pPr defTabSz="685800">
+              <a:defRPr/>
+            </a:pPr>
+            <a:r>
+              <a:rPr lang="en-US" altLang="ja-JP" sz="900" dirty="0">
+                <a:solidFill>
+                  <a:prstClr val="black"/>
+                </a:solidFill>
+                <a:latin typeface="Calibri"/>
+                <a:ea typeface="ＭＳ Ｐゴシック" panose="020B0600070205080204" pitchFamily="50" charset="-128"/>
+              </a:rPr>
+              <a:t>OSS</a:t>
+            </a:r>
+            <a:r>
+              <a:rPr lang="ja-JP" altLang="en-US" sz="900" dirty="0">
+                <a:solidFill>
+                  <a:prstClr val="black"/>
+                </a:solidFill>
+                <a:latin typeface="Calibri"/>
+                <a:ea typeface="ＭＳ Ｐゴシック" panose="020B0600070205080204" pitchFamily="50" charset="-128"/>
+              </a:rPr>
+              <a:t>情報</a:t>
+            </a:r>
+          </a:p>
+        </p:txBody>
+      </p:sp>
+      <p:sp>
+        <p:nvSpPr>
+          <p:cNvPr id="81" name="テキスト ボックス 80">
+            <a:extLst>
+              <a:ext uri="{FF2B5EF4-FFF2-40B4-BE49-F238E27FC236}">
+                <a16:creationId xmlns:a16="http://schemas.microsoft.com/office/drawing/2014/main" id="{0ED29373-205A-40FE-BB9B-F803B32095BB}"/>
+              </a:ext>
+            </a:extLst>
+          </p:cNvPr>
+          <p:cNvSpPr txBox="1"/>
+          <p:nvPr/>
+        </p:nvSpPr>
+        <p:spPr>
+          <a:xfrm>
+            <a:off x="2216123" y="4663710"/>
+            <a:ext cx="598241" cy="230832"/>
+          </a:xfrm>
+          <a:prstGeom prst="rect">
+            <a:avLst/>
+          </a:prstGeom>
+          <a:noFill/>
+        </p:spPr>
+        <p:txBody>
+          <a:bodyPr wrap="none" rtlCol="0">
+            <a:spAutoFit/>
+          </a:bodyPr>
+          <a:lstStyle/>
+          <a:p>
+            <a:pPr defTabSz="685800">
+              <a:defRPr/>
+            </a:pPr>
+            <a:r>
+              <a:rPr lang="en-US" altLang="ja-JP" sz="900" dirty="0">
+                <a:solidFill>
+                  <a:prstClr val="black"/>
+                </a:solidFill>
+                <a:latin typeface="Calibri"/>
+                <a:ea typeface="ＭＳ Ｐゴシック" panose="020B0600070205080204" pitchFamily="50" charset="-128"/>
+              </a:rPr>
+              <a:t>OSS</a:t>
+            </a:r>
+            <a:r>
+              <a:rPr lang="ja-JP" altLang="en-US" sz="900" dirty="0">
+                <a:solidFill>
+                  <a:prstClr val="black"/>
+                </a:solidFill>
+                <a:latin typeface="Calibri"/>
+                <a:ea typeface="ＭＳ Ｐゴシック" panose="020B0600070205080204" pitchFamily="50" charset="-128"/>
+              </a:rPr>
+              <a:t>情報</a:t>
+            </a:r>
+          </a:p>
+        </p:txBody>
+      </p:sp>
+      <p:sp>
+        <p:nvSpPr>
+          <p:cNvPr id="55" name="四角形: 角を丸くする 54">
+            <a:extLst>
+              <a:ext uri="{FF2B5EF4-FFF2-40B4-BE49-F238E27FC236}">
+                <a16:creationId xmlns:a16="http://schemas.microsoft.com/office/drawing/2014/main" id="{C41AF5F0-D940-43D9-BF35-BA72A71DA105}"/>
+              </a:ext>
+            </a:extLst>
+          </p:cNvPr>
+          <p:cNvSpPr/>
+          <p:nvPr/>
+        </p:nvSpPr>
+        <p:spPr>
+          <a:xfrm>
+            <a:off x="5283203" y="2768510"/>
+            <a:ext cx="554355" cy="1356979"/>
+          </a:xfrm>
+          <a:prstGeom prst="roundRect">
+            <a:avLst/>
+          </a:prstGeom>
+          <a:solidFill>
+            <a:srgbClr val="FFC000"/>
+          </a:solidFill>
+          <a:ln>
+            <a:noFill/>
+          </a:ln>
+        </p:spPr>
+        <p:style>
+          <a:lnRef idx="2">
+            <a:schemeClr val="accent1">
+              <a:shade val="50000"/>
+            </a:schemeClr>
+          </a:lnRef>
+          <a:fillRef idx="1">
+            <a:schemeClr val="accent1"/>
+          </a:fillRef>
+          <a:effectRef idx="0">
+            <a:schemeClr val="accent1"/>
+          </a:effectRef>
+          <a:fontRef idx="minor">
+            <a:schemeClr val="lt1"/>
+          </a:fontRef>
+        </p:style>
+        <p:txBody>
+          <a:bodyPr rtlCol="0" anchor="ctr"/>
+          <a:lstStyle/>
+          <a:p>
+            <a:pPr algn="ctr" defTabSz="685800">
+              <a:defRPr/>
+            </a:pPr>
+            <a:r>
+              <a:rPr lang="ja-JP" altLang="en-US" sz="900" dirty="0">
+                <a:solidFill>
+                  <a:prstClr val="black"/>
+                </a:solidFill>
+                <a:latin typeface="Calibri"/>
+                <a:ea typeface="ＭＳ Ｐゴシック" panose="020B0600070205080204" pitchFamily="50" charset="-128"/>
+              </a:rPr>
+              <a:t>サービス</a:t>
+            </a:r>
+            <a:endParaRPr lang="en-US" altLang="ja-JP" sz="900" dirty="0">
+              <a:solidFill>
+                <a:prstClr val="black"/>
+              </a:solidFill>
+              <a:latin typeface="Calibri"/>
+              <a:ea typeface="ＭＳ Ｐゴシック" panose="020B0600070205080204" pitchFamily="50" charset="-128"/>
+            </a:endParaRPr>
+          </a:p>
+          <a:p>
+            <a:pPr algn="ctr" defTabSz="685800">
+              <a:defRPr/>
+            </a:pPr>
+            <a:r>
+              <a:rPr lang="ja-JP" altLang="en-US" sz="900" dirty="0">
+                <a:solidFill>
+                  <a:prstClr val="black"/>
+                </a:solidFill>
+                <a:latin typeface="Calibri"/>
+                <a:ea typeface="ＭＳ Ｐゴシック" panose="020B0600070205080204" pitchFamily="50" charset="-128"/>
+              </a:rPr>
+              <a:t>リリース</a:t>
+            </a:r>
+            <a:endParaRPr lang="ja-JP" altLang="en-US" sz="1050" dirty="0">
+              <a:solidFill>
+                <a:prstClr val="black"/>
+              </a:solidFill>
+              <a:latin typeface="Calibri"/>
+              <a:ea typeface="ＭＳ Ｐゴシック" panose="020B0600070205080204" pitchFamily="50" charset="-128"/>
+            </a:endParaRPr>
+          </a:p>
+        </p:txBody>
+      </p:sp>
+      <p:sp>
+        <p:nvSpPr>
+          <p:cNvPr id="59" name="四角形: 角を丸くする 58">
+            <a:extLst>
+              <a:ext uri="{FF2B5EF4-FFF2-40B4-BE49-F238E27FC236}">
+                <a16:creationId xmlns:a16="http://schemas.microsoft.com/office/drawing/2014/main" id="{3DF67839-8CC9-444C-BA63-6CC611AFACAA}"/>
+              </a:ext>
+            </a:extLst>
+          </p:cNvPr>
+          <p:cNvSpPr/>
+          <p:nvPr/>
+        </p:nvSpPr>
+        <p:spPr>
+          <a:xfrm>
+            <a:off x="3627115" y="2010522"/>
+            <a:ext cx="554355" cy="279218"/>
+          </a:xfrm>
+          <a:prstGeom prst="roundRect">
+            <a:avLst>
+              <a:gd name="adj" fmla="val 16667"/>
+            </a:avLst>
+          </a:prstGeom>
+          <a:solidFill>
+            <a:srgbClr val="FFC000"/>
+          </a:solidFill>
+          <a:ln>
+            <a:noFill/>
+          </a:ln>
+        </p:spPr>
+        <p:style>
+          <a:lnRef idx="2">
+            <a:schemeClr val="accent1">
+              <a:shade val="50000"/>
+            </a:schemeClr>
+          </a:lnRef>
+          <a:fillRef idx="1">
+            <a:schemeClr val="accent1"/>
+          </a:fillRef>
+          <a:effectRef idx="0">
+            <a:schemeClr val="accent1"/>
+          </a:effectRef>
+          <a:fontRef idx="minor">
+            <a:schemeClr val="lt1"/>
+          </a:fontRef>
+        </p:style>
+        <p:txBody>
+          <a:bodyPr rtlCol="0" anchor="ctr"/>
+          <a:lstStyle/>
+          <a:p>
+            <a:pPr algn="ctr" defTabSz="685800">
+              <a:defRPr/>
+            </a:pPr>
+            <a:r>
+              <a:rPr lang="en-US" altLang="ja-JP" sz="1200" dirty="0">
+                <a:solidFill>
+                  <a:prstClr val="black"/>
+                </a:solidFill>
+                <a:latin typeface="Calibri"/>
+                <a:ea typeface="ＭＳ Ｐゴシック" panose="020B0600070205080204" pitchFamily="50" charset="-128"/>
+              </a:rPr>
+              <a:t>OSPO</a:t>
+            </a:r>
+            <a:endParaRPr lang="ja-JP" altLang="en-US" sz="1350" dirty="0">
+              <a:solidFill>
+                <a:prstClr val="black"/>
+              </a:solidFill>
+              <a:latin typeface="Calibri"/>
+              <a:ea typeface="ＭＳ Ｐゴシック" panose="020B0600070205080204" pitchFamily="50" charset="-128"/>
+            </a:endParaRPr>
+          </a:p>
+        </p:txBody>
+      </p:sp>
+      <p:sp>
+        <p:nvSpPr>
+          <p:cNvPr id="57" name="四角形: 角を丸くする 56">
+            <a:extLst>
+              <a:ext uri="{FF2B5EF4-FFF2-40B4-BE49-F238E27FC236}">
+                <a16:creationId xmlns:a16="http://schemas.microsoft.com/office/drawing/2014/main" id="{4D366C3B-1956-4221-AE18-48E731385CCC}"/>
+              </a:ext>
+            </a:extLst>
+          </p:cNvPr>
+          <p:cNvSpPr/>
+          <p:nvPr/>
+        </p:nvSpPr>
+        <p:spPr>
+          <a:xfrm>
+            <a:off x="3009123" y="3643614"/>
+            <a:ext cx="554355" cy="510116"/>
+          </a:xfrm>
+          <a:prstGeom prst="roundRect">
+            <a:avLst/>
+          </a:prstGeom>
+          <a:solidFill>
+            <a:srgbClr val="FFC000"/>
+          </a:solidFill>
+          <a:ln>
+            <a:noFill/>
+          </a:ln>
+        </p:spPr>
+        <p:style>
+          <a:lnRef idx="2">
+            <a:schemeClr val="accent1">
+              <a:shade val="50000"/>
+            </a:schemeClr>
+          </a:lnRef>
+          <a:fillRef idx="1">
+            <a:schemeClr val="accent1"/>
+          </a:fillRef>
+          <a:effectRef idx="0">
+            <a:schemeClr val="accent1"/>
+          </a:effectRef>
+          <a:fontRef idx="minor">
+            <a:schemeClr val="lt1"/>
+          </a:fontRef>
+        </p:style>
+        <p:txBody>
+          <a:bodyPr rtlCol="0" anchor="ctr"/>
+          <a:lstStyle/>
+          <a:p>
+            <a:pPr algn="ctr" defTabSz="685800">
+              <a:defRPr/>
+            </a:pPr>
+            <a:r>
+              <a:rPr lang="en-US" altLang="ja-JP" sz="1050" dirty="0">
+                <a:solidFill>
+                  <a:prstClr val="black"/>
+                </a:solidFill>
+                <a:latin typeface="Calibri"/>
+                <a:ea typeface="ＭＳ Ｐゴシック" panose="020B0600070205080204" pitchFamily="50" charset="-128"/>
+              </a:rPr>
+              <a:t>OSS</a:t>
+            </a:r>
+          </a:p>
+          <a:p>
+            <a:pPr algn="ctr" defTabSz="685800">
+              <a:defRPr/>
+            </a:pPr>
+            <a:r>
+              <a:rPr lang="ja-JP" altLang="en-US" sz="1050" dirty="0">
+                <a:solidFill>
+                  <a:prstClr val="black"/>
+                </a:solidFill>
+                <a:latin typeface="Calibri"/>
+                <a:ea typeface="ＭＳ Ｐゴシック" panose="020B0600070205080204" pitchFamily="50" charset="-128"/>
+              </a:rPr>
+              <a:t>受入</a:t>
+            </a:r>
+            <a:endParaRPr lang="ja-JP" altLang="en-US" sz="1200" dirty="0">
+              <a:solidFill>
+                <a:prstClr val="black"/>
+              </a:solidFill>
+              <a:latin typeface="Calibri"/>
+              <a:ea typeface="ＭＳ Ｐゴシック" panose="020B0600070205080204" pitchFamily="50" charset="-128"/>
+            </a:endParaRPr>
+          </a:p>
+        </p:txBody>
+      </p:sp>
+      <p:sp>
+        <p:nvSpPr>
+          <p:cNvPr id="63" name="四角形: 角を丸くする 62">
+            <a:extLst>
+              <a:ext uri="{FF2B5EF4-FFF2-40B4-BE49-F238E27FC236}">
+                <a16:creationId xmlns:a16="http://schemas.microsoft.com/office/drawing/2014/main" id="{C95BED48-E9D4-44D9-AC87-F6218A469675}"/>
+              </a:ext>
+            </a:extLst>
+          </p:cNvPr>
+          <p:cNvSpPr/>
+          <p:nvPr/>
+        </p:nvSpPr>
+        <p:spPr>
+          <a:xfrm>
+            <a:off x="3014186" y="2364931"/>
+            <a:ext cx="554355" cy="279218"/>
+          </a:xfrm>
+          <a:prstGeom prst="roundRect">
+            <a:avLst/>
+          </a:prstGeom>
+          <a:solidFill>
+            <a:srgbClr val="FFC000"/>
+          </a:solidFill>
+          <a:ln>
+            <a:noFill/>
+          </a:ln>
+        </p:spPr>
+        <p:style>
+          <a:lnRef idx="2">
+            <a:schemeClr val="accent1">
+              <a:shade val="50000"/>
+            </a:schemeClr>
+          </a:lnRef>
+          <a:fillRef idx="1">
+            <a:schemeClr val="accent1"/>
+          </a:fillRef>
+          <a:effectRef idx="0">
+            <a:schemeClr val="accent1"/>
+          </a:effectRef>
+          <a:fontRef idx="minor">
+            <a:schemeClr val="lt1"/>
+          </a:fontRef>
+        </p:style>
+        <p:txBody>
+          <a:bodyPr rtlCol="0" anchor="ctr"/>
+          <a:lstStyle/>
+          <a:p>
+            <a:pPr algn="ctr" defTabSz="685800">
+              <a:defRPr/>
+            </a:pPr>
+            <a:r>
+              <a:rPr lang="en-US" altLang="ja-JP" sz="900" dirty="0">
+                <a:solidFill>
+                  <a:prstClr val="black"/>
+                </a:solidFill>
+                <a:latin typeface="Calibri"/>
+                <a:ea typeface="ＭＳ Ｐゴシック" panose="020B0600070205080204" pitchFamily="50" charset="-128"/>
+              </a:rPr>
+              <a:t>OSSL</a:t>
+            </a:r>
+          </a:p>
+          <a:p>
+            <a:pPr algn="ctr" defTabSz="685800">
+              <a:defRPr/>
+            </a:pPr>
+            <a:r>
+              <a:rPr lang="ja-JP" altLang="en-US" sz="900" dirty="0">
+                <a:solidFill>
+                  <a:prstClr val="black"/>
+                </a:solidFill>
+                <a:latin typeface="Calibri"/>
+                <a:ea typeface="ＭＳ Ｐゴシック" panose="020B0600070205080204" pitchFamily="50" charset="-128"/>
+              </a:rPr>
+              <a:t>担当</a:t>
+            </a:r>
+          </a:p>
+        </p:txBody>
+      </p:sp>
+      <p:sp>
+        <p:nvSpPr>
+          <p:cNvPr id="4" name="テキスト ボックス 3">
+            <a:extLst>
+              <a:ext uri="{FF2B5EF4-FFF2-40B4-BE49-F238E27FC236}">
+                <a16:creationId xmlns:a16="http://schemas.microsoft.com/office/drawing/2014/main" id="{1C997885-B924-425D-AEF3-927A05625CF6}"/>
+              </a:ext>
+            </a:extLst>
+          </p:cNvPr>
+          <p:cNvSpPr txBox="1"/>
+          <p:nvPr/>
+        </p:nvSpPr>
+        <p:spPr>
+          <a:xfrm>
+            <a:off x="201195" y="332656"/>
+            <a:ext cx="5218223" cy="1131079"/>
+          </a:xfrm>
+          <a:prstGeom prst="rect">
+            <a:avLst/>
+          </a:prstGeom>
+          <a:noFill/>
+        </p:spPr>
+        <p:txBody>
+          <a:bodyPr wrap="none" rtlCol="0">
+            <a:spAutoFit/>
+          </a:bodyPr>
+          <a:lstStyle/>
+          <a:p>
+            <a:pPr defTabSz="685800">
+              <a:defRPr/>
+            </a:pPr>
+            <a:r>
+              <a:rPr lang="en-US" altLang="ja-JP" sz="1350" dirty="0">
+                <a:solidFill>
+                  <a:prstClr val="black"/>
+                </a:solidFill>
+                <a:latin typeface="Calibri"/>
+                <a:ea typeface="ＭＳ Ｐゴシック" panose="020B0600070205080204" pitchFamily="50" charset="-128"/>
+              </a:rPr>
+              <a:t>10/24 </a:t>
+            </a:r>
+            <a:r>
+              <a:rPr lang="en-US" altLang="ja-JP" sz="1350" dirty="0" err="1">
+                <a:solidFill>
+                  <a:prstClr val="black"/>
+                </a:solidFill>
+                <a:latin typeface="Calibri"/>
+                <a:ea typeface="ＭＳ Ｐゴシック" panose="020B0600070205080204" pitchFamily="50" charset="-128"/>
+              </a:rPr>
+              <a:t>OpenChain</a:t>
+            </a:r>
+            <a:r>
+              <a:rPr lang="ja-JP" altLang="en-US" sz="1350" dirty="0">
+                <a:solidFill>
+                  <a:prstClr val="black"/>
+                </a:solidFill>
+                <a:latin typeface="Calibri"/>
+                <a:ea typeface="ＭＳ Ｐゴシック" panose="020B0600070205080204" pitchFamily="50" charset="-128"/>
+              </a:rPr>
+              <a:t> </a:t>
+            </a:r>
+            <a:r>
+              <a:rPr lang="en-US" altLang="ja-JP" sz="1350" dirty="0">
+                <a:solidFill>
+                  <a:prstClr val="black"/>
+                </a:solidFill>
+                <a:latin typeface="Calibri"/>
+                <a:ea typeface="ＭＳ Ｐゴシック" panose="020B0600070205080204" pitchFamily="50" charset="-128"/>
+              </a:rPr>
+              <a:t>JWG</a:t>
+            </a:r>
+            <a:r>
+              <a:rPr lang="ja-JP" altLang="en-US" sz="1350" dirty="0">
+                <a:solidFill>
+                  <a:prstClr val="black"/>
+                </a:solidFill>
+                <a:latin typeface="Calibri"/>
+                <a:ea typeface="ＭＳ Ｐゴシック" panose="020B0600070205080204" pitchFamily="50" charset="-128"/>
+              </a:rPr>
+              <a:t> </a:t>
+            </a:r>
+            <a:r>
+              <a:rPr lang="en-US" altLang="ja-JP" sz="1350" dirty="0">
+                <a:solidFill>
+                  <a:prstClr val="black"/>
+                </a:solidFill>
+                <a:latin typeface="Calibri"/>
+                <a:ea typeface="ＭＳ Ｐゴシック" panose="020B0600070205080204" pitchFamily="50" charset="-128"/>
+              </a:rPr>
+              <a:t>Planning</a:t>
+            </a:r>
+            <a:r>
+              <a:rPr lang="ja-JP" altLang="en-US" sz="1350" dirty="0">
+                <a:solidFill>
+                  <a:prstClr val="black"/>
+                </a:solidFill>
+                <a:latin typeface="Calibri"/>
+                <a:ea typeface="ＭＳ Ｐゴシック" panose="020B0600070205080204" pitchFamily="50" charset="-128"/>
+              </a:rPr>
+              <a:t> </a:t>
+            </a:r>
+            <a:r>
+              <a:rPr lang="en-US" altLang="ja-JP" sz="1350" dirty="0" err="1">
+                <a:solidFill>
+                  <a:prstClr val="black"/>
+                </a:solidFill>
+                <a:latin typeface="Calibri"/>
+                <a:ea typeface="ＭＳ Ｐゴシック" panose="020B0600070205080204" pitchFamily="50" charset="-128"/>
+              </a:rPr>
+              <a:t>SubGroup</a:t>
+            </a:r>
+            <a:r>
+              <a:rPr lang="ja-JP" altLang="en-US" sz="1350" dirty="0">
+                <a:solidFill>
+                  <a:prstClr val="black"/>
+                </a:solidFill>
+                <a:latin typeface="Calibri"/>
+                <a:ea typeface="ＭＳ Ｐゴシック" panose="020B0600070205080204" pitchFamily="50" charset="-128"/>
+              </a:rPr>
+              <a:t>ミーティング議論内容を反映</a:t>
+            </a:r>
+            <a:endParaRPr lang="en-US" altLang="ja-JP" sz="1350" dirty="0">
+              <a:solidFill>
+                <a:prstClr val="black"/>
+              </a:solidFill>
+              <a:latin typeface="Calibri"/>
+              <a:ea typeface="ＭＳ Ｐゴシック" panose="020B0600070205080204" pitchFamily="50" charset="-128"/>
+            </a:endParaRPr>
+          </a:p>
+          <a:p>
+            <a:pPr defTabSz="685800">
+              <a:defRPr/>
+            </a:pPr>
+            <a:r>
+              <a:rPr lang="en-US" altLang="ja-JP" sz="1350" dirty="0">
+                <a:solidFill>
+                  <a:prstClr val="black"/>
+                </a:solidFill>
+                <a:latin typeface="Calibri"/>
+                <a:ea typeface="ＭＳ Ｐゴシック" panose="020B0600070205080204" pitchFamily="50" charset="-128"/>
+              </a:rPr>
+              <a:t>IT</a:t>
+            </a:r>
+            <a:r>
+              <a:rPr lang="ja-JP" altLang="en-US" sz="1350" dirty="0">
+                <a:solidFill>
+                  <a:prstClr val="black"/>
+                </a:solidFill>
+                <a:latin typeface="Calibri"/>
+                <a:ea typeface="ＭＳ Ｐゴシック" panose="020B0600070205080204" pitchFamily="50" charset="-128"/>
+              </a:rPr>
+              <a:t>業界もプロダクト系は</a:t>
+            </a:r>
+            <a:r>
+              <a:rPr lang="en-US" altLang="ja-JP" sz="1350" dirty="0">
+                <a:solidFill>
+                  <a:prstClr val="black"/>
+                </a:solidFill>
+                <a:latin typeface="Calibri"/>
+                <a:ea typeface="ＭＳ Ｐゴシック" panose="020B0600070205080204" pitchFamily="50" charset="-128"/>
+              </a:rPr>
+              <a:t>CE</a:t>
+            </a:r>
+            <a:r>
+              <a:rPr lang="ja-JP" altLang="en-US" sz="1350">
+                <a:solidFill>
+                  <a:prstClr val="black"/>
+                </a:solidFill>
+                <a:latin typeface="Calibri"/>
+                <a:ea typeface="ＭＳ Ｐゴシック" panose="020B0600070205080204" pitchFamily="50" charset="-128"/>
+              </a:rPr>
+              <a:t>と同じ</a:t>
+            </a:r>
+            <a:endParaRPr lang="en-US" altLang="ja-JP" sz="1350" dirty="0">
+              <a:solidFill>
+                <a:prstClr val="black"/>
+              </a:solidFill>
+              <a:latin typeface="Calibri"/>
+              <a:ea typeface="ＭＳ Ｐゴシック" panose="020B0600070205080204" pitchFamily="50" charset="-128"/>
+            </a:endParaRPr>
+          </a:p>
+          <a:p>
+            <a:pPr defTabSz="685800">
+              <a:defRPr/>
+            </a:pPr>
+            <a:r>
+              <a:rPr lang="ja-JP" altLang="en-US" sz="1350" dirty="0">
+                <a:solidFill>
+                  <a:prstClr val="black"/>
+                </a:solidFill>
+                <a:latin typeface="Calibri"/>
+                <a:ea typeface="ＭＳ Ｐゴシック" panose="020B0600070205080204" pitchFamily="50" charset="-128"/>
+              </a:rPr>
+              <a:t>クラウドサービス系は若干差異あり</a:t>
+            </a:r>
+            <a:r>
+              <a:rPr lang="en-US" altLang="ja-JP" sz="1350" dirty="0">
+                <a:solidFill>
+                  <a:prstClr val="black"/>
+                </a:solidFill>
+                <a:latin typeface="Calibri"/>
+                <a:ea typeface="ＭＳ Ｐゴシック" panose="020B0600070205080204" pitchFamily="50" charset="-128"/>
+              </a:rPr>
+              <a:t>(</a:t>
+            </a:r>
+            <a:r>
+              <a:rPr lang="ja-JP" altLang="en-US" sz="1350" dirty="0">
+                <a:solidFill>
+                  <a:prstClr val="black"/>
+                </a:solidFill>
+                <a:latin typeface="Calibri"/>
+                <a:ea typeface="ＭＳ Ｐゴシック" panose="020B0600070205080204" pitchFamily="50" charset="-128"/>
+              </a:rPr>
+              <a:t>この図）</a:t>
+            </a:r>
+            <a:endParaRPr lang="en-US" altLang="ja-JP" sz="1350" dirty="0">
+              <a:solidFill>
+                <a:prstClr val="black"/>
+              </a:solidFill>
+              <a:latin typeface="Calibri"/>
+              <a:ea typeface="ＭＳ Ｐゴシック" panose="020B0600070205080204" pitchFamily="50" charset="-128"/>
+            </a:endParaRPr>
+          </a:p>
+          <a:p>
+            <a:pPr defTabSz="685800">
+              <a:defRPr/>
+            </a:pPr>
+            <a:r>
+              <a:rPr lang="en-US" altLang="ja-JP" sz="1350" dirty="0">
+                <a:solidFill>
+                  <a:prstClr val="black"/>
+                </a:solidFill>
+                <a:latin typeface="Calibri"/>
+                <a:ea typeface="ＭＳ Ｐゴシック" panose="020B0600070205080204" pitchFamily="50" charset="-128"/>
+              </a:rPr>
+              <a:t>AGPL</a:t>
+            </a:r>
+            <a:r>
+              <a:rPr lang="ja-JP" altLang="en-US" sz="1350" dirty="0">
+                <a:solidFill>
+                  <a:prstClr val="black"/>
+                </a:solidFill>
+                <a:latin typeface="Calibri"/>
+                <a:ea typeface="ＭＳ Ｐゴシック" panose="020B0600070205080204" pitchFamily="50" charset="-128"/>
+              </a:rPr>
+              <a:t>使わなければ、顧客に対して</a:t>
+            </a:r>
+            <a:r>
+              <a:rPr lang="en-US" altLang="ja-JP" sz="1350" dirty="0">
+                <a:solidFill>
+                  <a:prstClr val="black"/>
+                </a:solidFill>
+                <a:latin typeface="Calibri"/>
+                <a:ea typeface="ＭＳ Ｐゴシック" panose="020B0600070205080204" pitchFamily="50" charset="-128"/>
+              </a:rPr>
+              <a:t>OSS</a:t>
+            </a:r>
+            <a:r>
+              <a:rPr lang="ja-JP" altLang="en-US" sz="1350" dirty="0">
+                <a:solidFill>
+                  <a:prstClr val="black"/>
+                </a:solidFill>
+                <a:latin typeface="Calibri"/>
+                <a:ea typeface="ＭＳ Ｐゴシック" panose="020B0600070205080204" pitchFamily="50" charset="-128"/>
+              </a:rPr>
+              <a:t>頒布・</a:t>
+            </a:r>
+            <a:r>
+              <a:rPr lang="en-US" altLang="ja-JP" sz="1350" dirty="0">
+                <a:solidFill>
+                  <a:prstClr val="black"/>
+                </a:solidFill>
+                <a:latin typeface="Calibri"/>
+                <a:ea typeface="ＭＳ Ｐゴシック" panose="020B0600070205080204" pitchFamily="50" charset="-128"/>
+              </a:rPr>
+              <a:t>OSS</a:t>
+            </a:r>
+            <a:r>
+              <a:rPr lang="ja-JP" altLang="en-US" sz="1350" dirty="0">
+                <a:solidFill>
+                  <a:prstClr val="black"/>
+                </a:solidFill>
+                <a:latin typeface="Calibri"/>
+                <a:ea typeface="ＭＳ Ｐゴシック" panose="020B0600070205080204" pitchFamily="50" charset="-128"/>
+              </a:rPr>
+              <a:t>義務無し。</a:t>
+            </a:r>
+            <a:endParaRPr lang="en-US" altLang="ja-JP" sz="1350" dirty="0">
+              <a:solidFill>
+                <a:prstClr val="black"/>
+              </a:solidFill>
+              <a:latin typeface="Calibri"/>
+              <a:ea typeface="ＭＳ Ｐゴシック" panose="020B0600070205080204" pitchFamily="50" charset="-128"/>
+            </a:endParaRPr>
+          </a:p>
+          <a:p>
+            <a:pPr defTabSz="685800">
+              <a:defRPr/>
+            </a:pPr>
+            <a:r>
+              <a:rPr lang="ja-JP" altLang="en-US" sz="1350" dirty="0">
+                <a:solidFill>
+                  <a:prstClr val="black"/>
+                </a:solidFill>
+                <a:latin typeface="Calibri"/>
+                <a:ea typeface="ＭＳ Ｐゴシック" panose="020B0600070205080204" pitchFamily="50" charset="-128"/>
+              </a:rPr>
+              <a:t>英語訳必要</a:t>
+            </a:r>
+          </a:p>
+        </p:txBody>
+      </p:sp>
+      <p:sp>
+        <p:nvSpPr>
+          <p:cNvPr id="65" name="四角形: 角を丸くする 64">
+            <a:extLst>
+              <a:ext uri="{FF2B5EF4-FFF2-40B4-BE49-F238E27FC236}">
+                <a16:creationId xmlns:a16="http://schemas.microsoft.com/office/drawing/2014/main" id="{8EB9B262-AFD4-4E7E-8236-F15BB3F0ED12}"/>
+              </a:ext>
+            </a:extLst>
+          </p:cNvPr>
+          <p:cNvSpPr/>
+          <p:nvPr/>
+        </p:nvSpPr>
+        <p:spPr>
+          <a:xfrm>
+            <a:off x="4241312" y="2356617"/>
+            <a:ext cx="554355" cy="279218"/>
+          </a:xfrm>
+          <a:prstGeom prst="roundRect">
+            <a:avLst/>
+          </a:prstGeom>
+          <a:solidFill>
+            <a:srgbClr val="FFC000"/>
+          </a:solidFill>
+          <a:ln>
+            <a:noFill/>
+          </a:ln>
+        </p:spPr>
+        <p:style>
+          <a:lnRef idx="2">
+            <a:schemeClr val="accent1">
+              <a:shade val="50000"/>
+            </a:schemeClr>
+          </a:lnRef>
+          <a:fillRef idx="1">
+            <a:schemeClr val="accent1"/>
+          </a:fillRef>
+          <a:effectRef idx="0">
+            <a:schemeClr val="accent1"/>
+          </a:effectRef>
+          <a:fontRef idx="minor">
+            <a:schemeClr val="lt1"/>
+          </a:fontRef>
+        </p:style>
+        <p:txBody>
+          <a:bodyPr rtlCol="0" anchor="ctr"/>
+          <a:lstStyle/>
+          <a:p>
+            <a:pPr algn="ctr" defTabSz="685800">
+              <a:defRPr/>
+            </a:pPr>
+            <a:r>
+              <a:rPr lang="ja-JP" altLang="en-US" sz="1050" dirty="0">
+                <a:solidFill>
+                  <a:prstClr val="black"/>
+                </a:solidFill>
+                <a:latin typeface="Calibri"/>
+                <a:ea typeface="ＭＳ Ｐゴシック" panose="020B0600070205080204" pitchFamily="50" charset="-128"/>
+              </a:rPr>
+              <a:t>マネジメント</a:t>
+            </a:r>
+          </a:p>
+        </p:txBody>
+      </p:sp>
+      <p:sp>
+        <p:nvSpPr>
+          <p:cNvPr id="67" name="四角形: 角を丸くする 66">
+            <a:extLst>
+              <a:ext uri="{FF2B5EF4-FFF2-40B4-BE49-F238E27FC236}">
+                <a16:creationId xmlns:a16="http://schemas.microsoft.com/office/drawing/2014/main" id="{7EA2D299-01F6-4EE7-80C7-ACB576CF76B1}"/>
+              </a:ext>
+            </a:extLst>
+          </p:cNvPr>
+          <p:cNvSpPr/>
+          <p:nvPr/>
+        </p:nvSpPr>
+        <p:spPr>
+          <a:xfrm>
+            <a:off x="3747849" y="4834498"/>
+            <a:ext cx="554355" cy="279218"/>
+          </a:xfrm>
+          <a:prstGeom prst="roundRect">
+            <a:avLst/>
+          </a:prstGeom>
+          <a:solidFill>
+            <a:srgbClr val="FFC000"/>
+          </a:solidFill>
+          <a:ln>
+            <a:noFill/>
+          </a:ln>
+        </p:spPr>
+        <p:style>
+          <a:lnRef idx="2">
+            <a:schemeClr val="accent1">
+              <a:shade val="50000"/>
+            </a:schemeClr>
+          </a:lnRef>
+          <a:fillRef idx="1">
+            <a:schemeClr val="accent1"/>
+          </a:fillRef>
+          <a:effectRef idx="0">
+            <a:schemeClr val="accent1"/>
+          </a:effectRef>
+          <a:fontRef idx="minor">
+            <a:schemeClr val="lt1"/>
+          </a:fontRef>
+        </p:style>
+        <p:txBody>
+          <a:bodyPr rtlCol="0" anchor="ctr"/>
+          <a:lstStyle/>
+          <a:p>
+            <a:pPr algn="ctr" defTabSz="685800">
+              <a:defRPr/>
+            </a:pPr>
+            <a:r>
+              <a:rPr lang="ja-JP" altLang="en-US" sz="825" dirty="0">
+                <a:solidFill>
+                  <a:prstClr val="black"/>
+                </a:solidFill>
+                <a:latin typeface="Calibri"/>
+                <a:ea typeface="ＭＳ Ｐゴシック" panose="020B0600070205080204" pitchFamily="50" charset="-128"/>
+              </a:rPr>
+              <a:t>コミュニティリエゾン</a:t>
+            </a:r>
+          </a:p>
+        </p:txBody>
+      </p:sp>
+      <p:sp>
+        <p:nvSpPr>
+          <p:cNvPr id="68" name="四角形: 角を丸くする 67">
+            <a:extLst>
+              <a:ext uri="{FF2B5EF4-FFF2-40B4-BE49-F238E27FC236}">
+                <a16:creationId xmlns:a16="http://schemas.microsoft.com/office/drawing/2014/main" id="{4DBA374D-4E39-4DCE-9553-510B87A65F96}"/>
+              </a:ext>
+            </a:extLst>
+          </p:cNvPr>
+          <p:cNvSpPr/>
+          <p:nvPr/>
+        </p:nvSpPr>
+        <p:spPr>
+          <a:xfrm>
+            <a:off x="4867436" y="2373538"/>
+            <a:ext cx="554355" cy="279218"/>
+          </a:xfrm>
+          <a:prstGeom prst="roundRect">
+            <a:avLst/>
+          </a:prstGeom>
+          <a:solidFill>
+            <a:srgbClr val="FFC000"/>
+          </a:solidFill>
+          <a:ln>
+            <a:noFill/>
+          </a:ln>
+        </p:spPr>
+        <p:style>
+          <a:lnRef idx="2">
+            <a:schemeClr val="accent1">
+              <a:shade val="50000"/>
+            </a:schemeClr>
+          </a:lnRef>
+          <a:fillRef idx="1">
+            <a:schemeClr val="accent1"/>
+          </a:fillRef>
+          <a:effectRef idx="0">
+            <a:schemeClr val="accent1"/>
+          </a:effectRef>
+          <a:fontRef idx="minor">
+            <a:schemeClr val="lt1"/>
+          </a:fontRef>
+        </p:style>
+        <p:txBody>
+          <a:bodyPr rtlCol="0" anchor="ctr"/>
+          <a:lstStyle/>
+          <a:p>
+            <a:pPr algn="ctr" defTabSz="685800">
+              <a:defRPr/>
+            </a:pPr>
+            <a:r>
+              <a:rPr lang="ja-JP" altLang="en-US" sz="1050" dirty="0">
+                <a:solidFill>
+                  <a:prstClr val="black"/>
+                </a:solidFill>
+                <a:latin typeface="Calibri"/>
+                <a:ea typeface="ＭＳ Ｐゴシック" panose="020B0600070205080204" pitchFamily="50" charset="-128"/>
+              </a:rPr>
+              <a:t>技術管理</a:t>
+            </a:r>
+          </a:p>
+        </p:txBody>
+      </p:sp>
+      <p:sp>
+        <p:nvSpPr>
+          <p:cNvPr id="69" name="四角形: 角を丸くする 68">
+            <a:extLst>
+              <a:ext uri="{FF2B5EF4-FFF2-40B4-BE49-F238E27FC236}">
+                <a16:creationId xmlns:a16="http://schemas.microsoft.com/office/drawing/2014/main" id="{66FD5A74-491E-4F0A-806B-3C2DCCB78CB2}"/>
+              </a:ext>
+            </a:extLst>
+          </p:cNvPr>
+          <p:cNvSpPr/>
+          <p:nvPr/>
+        </p:nvSpPr>
+        <p:spPr>
+          <a:xfrm>
+            <a:off x="4875850" y="1852765"/>
+            <a:ext cx="554355" cy="279218"/>
+          </a:xfrm>
+          <a:prstGeom prst="roundRect">
+            <a:avLst/>
+          </a:prstGeom>
+          <a:solidFill>
+            <a:srgbClr val="FFC000"/>
+          </a:solidFill>
+          <a:ln>
+            <a:noFill/>
+          </a:ln>
+        </p:spPr>
+        <p:style>
+          <a:lnRef idx="2">
+            <a:schemeClr val="accent1">
+              <a:shade val="50000"/>
+            </a:schemeClr>
+          </a:lnRef>
+          <a:fillRef idx="1">
+            <a:schemeClr val="accent1"/>
+          </a:fillRef>
+          <a:effectRef idx="0">
+            <a:schemeClr val="accent1"/>
+          </a:effectRef>
+          <a:fontRef idx="minor">
+            <a:schemeClr val="lt1"/>
+          </a:fontRef>
+        </p:style>
+        <p:txBody>
+          <a:bodyPr rtlCol="0" anchor="ctr"/>
+          <a:lstStyle/>
+          <a:p>
+            <a:pPr algn="ctr" defTabSz="685800">
+              <a:defRPr/>
+            </a:pPr>
+            <a:r>
+              <a:rPr lang="ja-JP" altLang="en-US" sz="1050" dirty="0">
+                <a:solidFill>
+                  <a:prstClr val="black"/>
+                </a:solidFill>
+                <a:latin typeface="Calibri"/>
+                <a:ea typeface="ＭＳ Ｐゴシック" panose="020B0600070205080204" pitchFamily="50" charset="-128"/>
+              </a:rPr>
+              <a:t>教育</a:t>
+            </a:r>
+          </a:p>
+        </p:txBody>
+      </p:sp>
+      <p:sp>
+        <p:nvSpPr>
+          <p:cNvPr id="71" name="四角形: 角を丸くする 70">
+            <a:extLst>
+              <a:ext uri="{FF2B5EF4-FFF2-40B4-BE49-F238E27FC236}">
+                <a16:creationId xmlns:a16="http://schemas.microsoft.com/office/drawing/2014/main" id="{CCF148FC-5627-4720-BAFA-4F7565168BB7}"/>
+              </a:ext>
+            </a:extLst>
+          </p:cNvPr>
+          <p:cNvSpPr/>
+          <p:nvPr/>
+        </p:nvSpPr>
+        <p:spPr>
+          <a:xfrm>
+            <a:off x="3045329" y="1628500"/>
+            <a:ext cx="554355" cy="279218"/>
+          </a:xfrm>
+          <a:prstGeom prst="roundRect">
+            <a:avLst/>
+          </a:prstGeom>
+          <a:solidFill>
+            <a:srgbClr val="FFC000"/>
+          </a:solidFill>
+          <a:ln>
+            <a:noFill/>
+          </a:ln>
+        </p:spPr>
+        <p:style>
+          <a:lnRef idx="2">
+            <a:schemeClr val="accent1">
+              <a:shade val="50000"/>
+            </a:schemeClr>
+          </a:lnRef>
+          <a:fillRef idx="1">
+            <a:schemeClr val="accent1"/>
+          </a:fillRef>
+          <a:effectRef idx="0">
+            <a:schemeClr val="accent1"/>
+          </a:effectRef>
+          <a:fontRef idx="minor">
+            <a:schemeClr val="lt1"/>
+          </a:fontRef>
+        </p:style>
+        <p:txBody>
+          <a:bodyPr rtlCol="0" anchor="ctr"/>
+          <a:lstStyle/>
+          <a:p>
+            <a:pPr algn="ctr" defTabSz="685800">
+              <a:defRPr/>
+            </a:pPr>
+            <a:r>
+              <a:rPr lang="ja-JP" altLang="en-US" sz="1050" dirty="0">
+                <a:solidFill>
+                  <a:prstClr val="black"/>
+                </a:solidFill>
+                <a:latin typeface="Calibri"/>
+                <a:ea typeface="ＭＳ Ｐゴシック" panose="020B0600070205080204" pitchFamily="50" charset="-128"/>
+              </a:rPr>
+              <a:t>設計環境</a:t>
+            </a:r>
+          </a:p>
+        </p:txBody>
+      </p:sp>
+      <p:sp>
+        <p:nvSpPr>
+          <p:cNvPr id="73" name="四角形: 角を丸くする 72">
+            <a:extLst>
+              <a:ext uri="{FF2B5EF4-FFF2-40B4-BE49-F238E27FC236}">
+                <a16:creationId xmlns:a16="http://schemas.microsoft.com/office/drawing/2014/main" id="{D90D6A46-98D1-47E6-AFEA-79E8B99D10C2}"/>
+              </a:ext>
+            </a:extLst>
+          </p:cNvPr>
+          <p:cNvSpPr/>
+          <p:nvPr/>
+        </p:nvSpPr>
+        <p:spPr>
+          <a:xfrm>
+            <a:off x="3654824" y="1602788"/>
+            <a:ext cx="554355" cy="279218"/>
+          </a:xfrm>
+          <a:prstGeom prst="roundRect">
+            <a:avLst/>
+          </a:prstGeom>
+          <a:solidFill>
+            <a:srgbClr val="FFC000"/>
+          </a:solidFill>
+          <a:ln>
+            <a:noFill/>
+          </a:ln>
+        </p:spPr>
+        <p:style>
+          <a:lnRef idx="2">
+            <a:schemeClr val="accent1">
+              <a:shade val="50000"/>
+            </a:schemeClr>
+          </a:lnRef>
+          <a:fillRef idx="1">
+            <a:schemeClr val="accent1"/>
+          </a:fillRef>
+          <a:effectRef idx="0">
+            <a:schemeClr val="accent1"/>
+          </a:effectRef>
+          <a:fontRef idx="minor">
+            <a:schemeClr val="lt1"/>
+          </a:fontRef>
+        </p:style>
+        <p:txBody>
+          <a:bodyPr rtlCol="0" anchor="ctr"/>
+          <a:lstStyle/>
+          <a:p>
+            <a:pPr algn="ctr" defTabSz="685800">
+              <a:defRPr/>
+            </a:pPr>
+            <a:r>
+              <a:rPr lang="ja-JP" altLang="en-US" sz="1050" dirty="0">
+                <a:solidFill>
+                  <a:prstClr val="black"/>
+                </a:solidFill>
+                <a:latin typeface="Calibri"/>
+                <a:ea typeface="ＭＳ Ｐゴシック" panose="020B0600070205080204" pitchFamily="50" charset="-128"/>
+              </a:rPr>
+              <a:t>企画</a:t>
+            </a:r>
+          </a:p>
+        </p:txBody>
+      </p:sp>
+      <p:sp>
+        <p:nvSpPr>
+          <p:cNvPr id="77" name="四角形: 角を丸くする 76">
+            <a:extLst>
+              <a:ext uri="{FF2B5EF4-FFF2-40B4-BE49-F238E27FC236}">
+                <a16:creationId xmlns:a16="http://schemas.microsoft.com/office/drawing/2014/main" id="{51A0DB07-3DCF-4F5A-A83A-D86AE6E7CBF2}"/>
+              </a:ext>
+            </a:extLst>
+          </p:cNvPr>
+          <p:cNvSpPr/>
+          <p:nvPr/>
+        </p:nvSpPr>
+        <p:spPr>
+          <a:xfrm>
+            <a:off x="4244892" y="1579213"/>
+            <a:ext cx="554355" cy="279218"/>
+          </a:xfrm>
+          <a:prstGeom prst="roundRect">
+            <a:avLst/>
+          </a:prstGeom>
+          <a:solidFill>
+            <a:srgbClr val="FFC000"/>
+          </a:solidFill>
+          <a:ln>
+            <a:noFill/>
+          </a:ln>
+        </p:spPr>
+        <p:style>
+          <a:lnRef idx="2">
+            <a:schemeClr val="accent1">
+              <a:shade val="50000"/>
+            </a:schemeClr>
+          </a:lnRef>
+          <a:fillRef idx="1">
+            <a:schemeClr val="accent1"/>
+          </a:fillRef>
+          <a:effectRef idx="0">
+            <a:schemeClr val="accent1"/>
+          </a:effectRef>
+          <a:fontRef idx="minor">
+            <a:schemeClr val="lt1"/>
+          </a:fontRef>
+        </p:style>
+        <p:txBody>
+          <a:bodyPr rtlCol="0" anchor="ctr"/>
+          <a:lstStyle/>
+          <a:p>
+            <a:pPr algn="ctr" defTabSz="685800">
+              <a:defRPr/>
+            </a:pPr>
+            <a:r>
+              <a:rPr lang="en-US" altLang="ja-JP" sz="1050" dirty="0">
+                <a:solidFill>
+                  <a:prstClr val="black"/>
+                </a:solidFill>
+                <a:latin typeface="Calibri"/>
+                <a:ea typeface="ＭＳ Ｐゴシック" panose="020B0600070205080204" pitchFamily="50" charset="-128"/>
+              </a:rPr>
+              <a:t>BOM</a:t>
+            </a:r>
+          </a:p>
+          <a:p>
+            <a:pPr algn="ctr" defTabSz="685800">
+              <a:defRPr/>
+            </a:pPr>
+            <a:r>
+              <a:rPr lang="ja-JP" altLang="en-US" sz="1050" dirty="0">
+                <a:solidFill>
+                  <a:prstClr val="black"/>
+                </a:solidFill>
+                <a:latin typeface="Calibri"/>
+                <a:ea typeface="ＭＳ Ｐゴシック" panose="020B0600070205080204" pitchFamily="50" charset="-128"/>
+              </a:rPr>
+              <a:t>管理</a:t>
+            </a:r>
+          </a:p>
+        </p:txBody>
+      </p:sp>
+      <p:sp>
+        <p:nvSpPr>
+          <p:cNvPr id="79" name="四角形: 角を丸くする 78">
+            <a:extLst>
+              <a:ext uri="{FF2B5EF4-FFF2-40B4-BE49-F238E27FC236}">
+                <a16:creationId xmlns:a16="http://schemas.microsoft.com/office/drawing/2014/main" id="{4AECB53A-017B-4D5C-92BA-ED8AFD099673}"/>
+              </a:ext>
+            </a:extLst>
+          </p:cNvPr>
+          <p:cNvSpPr/>
+          <p:nvPr/>
+        </p:nvSpPr>
+        <p:spPr>
+          <a:xfrm>
+            <a:off x="4346198" y="4578811"/>
+            <a:ext cx="554355" cy="279218"/>
+          </a:xfrm>
+          <a:prstGeom prst="roundRect">
+            <a:avLst/>
+          </a:prstGeom>
+          <a:solidFill>
+            <a:srgbClr val="FFC000"/>
+          </a:solidFill>
+          <a:ln>
+            <a:noFill/>
+          </a:ln>
+        </p:spPr>
+        <p:style>
+          <a:lnRef idx="2">
+            <a:schemeClr val="accent1">
+              <a:shade val="50000"/>
+            </a:schemeClr>
+          </a:lnRef>
+          <a:fillRef idx="1">
+            <a:schemeClr val="accent1"/>
+          </a:fillRef>
+          <a:effectRef idx="0">
+            <a:schemeClr val="accent1"/>
+          </a:effectRef>
+          <a:fontRef idx="minor">
+            <a:schemeClr val="lt1"/>
+          </a:fontRef>
+        </p:style>
+        <p:txBody>
+          <a:bodyPr rtlCol="0" anchor="ctr"/>
+          <a:lstStyle/>
+          <a:p>
+            <a:pPr algn="ctr" defTabSz="685800">
+              <a:defRPr/>
+            </a:pPr>
+            <a:r>
+              <a:rPr lang="ja-JP" altLang="en-US" sz="1050" dirty="0">
+                <a:solidFill>
+                  <a:prstClr val="black"/>
+                </a:solidFill>
+                <a:latin typeface="Calibri"/>
+                <a:ea typeface="ＭＳ Ｐゴシック" panose="020B0600070205080204" pitchFamily="50" charset="-128"/>
+              </a:rPr>
+              <a:t>営業</a:t>
+            </a:r>
+          </a:p>
+        </p:txBody>
+      </p:sp>
+      <p:cxnSp>
+        <p:nvCxnSpPr>
+          <p:cNvPr id="82" name="直線矢印コネクタ 81">
+            <a:extLst>
+              <a:ext uri="{FF2B5EF4-FFF2-40B4-BE49-F238E27FC236}">
+                <a16:creationId xmlns:a16="http://schemas.microsoft.com/office/drawing/2014/main" id="{1F53B414-162B-459A-9579-65D0E707831C}"/>
+              </a:ext>
+            </a:extLst>
+          </p:cNvPr>
+          <p:cNvCxnSpPr>
+            <a:cxnSpLocks/>
+          </p:cNvCxnSpPr>
+          <p:nvPr/>
+        </p:nvCxnSpPr>
+        <p:spPr>
+          <a:xfrm flipV="1">
+            <a:off x="5657850" y="2008965"/>
+            <a:ext cx="1258895" cy="844276"/>
+          </a:xfrm>
+          <a:prstGeom prst="straightConnector1">
+            <a:avLst/>
+          </a:prstGeom>
+          <a:ln w="38100">
+            <a:solidFill>
+              <a:srgbClr val="FFC000"/>
+            </a:solidFill>
+            <a:tailEnd type="triangle"/>
+          </a:ln>
+        </p:spPr>
+        <p:style>
+          <a:lnRef idx="1">
+            <a:schemeClr val="accent1"/>
+          </a:lnRef>
+          <a:fillRef idx="0">
+            <a:schemeClr val="accent1"/>
+          </a:fillRef>
+          <a:effectRef idx="0">
+            <a:schemeClr val="accent1"/>
+          </a:effectRef>
+          <a:fontRef idx="minor">
+            <a:schemeClr val="tx1"/>
+          </a:fontRef>
+        </p:style>
+      </p:cxnSp>
+      <p:grpSp>
+        <p:nvGrpSpPr>
+          <p:cNvPr id="33" name="グループ化 32">
+            <a:extLst>
+              <a:ext uri="{FF2B5EF4-FFF2-40B4-BE49-F238E27FC236}">
+                <a16:creationId xmlns:a16="http://schemas.microsoft.com/office/drawing/2014/main" id="{55603AFA-EF03-4DF1-AE3A-CA9E8081F78B}"/>
+              </a:ext>
+            </a:extLst>
+          </p:cNvPr>
+          <p:cNvGrpSpPr/>
+          <p:nvPr/>
+        </p:nvGrpSpPr>
+        <p:grpSpPr>
+          <a:xfrm>
+            <a:off x="6843680" y="1497529"/>
+            <a:ext cx="914400" cy="914400"/>
+            <a:chOff x="6843680" y="1497529"/>
+            <a:chExt cx="914400" cy="914400"/>
+          </a:xfrm>
+        </p:grpSpPr>
+        <p:pic>
+          <p:nvPicPr>
+            <p:cNvPr id="27" name="グラフィックス 26" descr="曇り">
+              <a:extLst>
+                <a:ext uri="{FF2B5EF4-FFF2-40B4-BE49-F238E27FC236}">
+                  <a16:creationId xmlns:a16="http://schemas.microsoft.com/office/drawing/2014/main" id="{075E76EC-970E-40ED-A92C-173791F50326}"/>
+                </a:ext>
+              </a:extLst>
+            </p:cNvPr>
+            <p:cNvPicPr>
+              <a:picLocks noChangeAspect="1"/>
+            </p:cNvPicPr>
+            <p:nvPr/>
+          </p:nvPicPr>
+          <p:blipFill>
+            <a:blip r:embed="rId2">
+              <a:extLst>
+                <a:ext uri="{28A0092B-C50C-407E-A947-70E740481C1C}">
+                  <a14:useLocalDpi xmlns:a14="http://schemas.microsoft.com/office/drawing/2010/main" val="0"/>
+                </a:ext>
+                <a:ext uri="{96DAC541-7B7A-43D3-8B79-37D633B846F1}">
+                  <asvg:svgBlip xmlns:asvg="http://schemas.microsoft.com/office/drawing/2016/SVG/main" r:embed="rId3"/>
+                </a:ext>
+              </a:extLst>
+            </a:blip>
+            <a:stretch>
+              <a:fillRect/>
+            </a:stretch>
+          </p:blipFill>
+          <p:spPr>
+            <a:xfrm>
+              <a:off x="6843680" y="1497529"/>
+              <a:ext cx="914400" cy="914400"/>
+            </a:xfrm>
+            <a:prstGeom prst="rect">
+              <a:avLst/>
+            </a:prstGeom>
+          </p:spPr>
+        </p:pic>
+        <p:sp>
+          <p:nvSpPr>
+            <p:cNvPr id="30" name="テキスト ボックス 29">
+              <a:extLst>
+                <a:ext uri="{FF2B5EF4-FFF2-40B4-BE49-F238E27FC236}">
+                  <a16:creationId xmlns:a16="http://schemas.microsoft.com/office/drawing/2014/main" id="{F5A9F6F4-63BD-4993-8778-500F07359B48}"/>
+                </a:ext>
+              </a:extLst>
+            </p:cNvPr>
+            <p:cNvSpPr txBox="1"/>
+            <p:nvPr/>
+          </p:nvSpPr>
+          <p:spPr>
+            <a:xfrm>
+              <a:off x="6975267" y="1866522"/>
+              <a:ext cx="686406" cy="276999"/>
+            </a:xfrm>
+            <a:prstGeom prst="rect">
+              <a:avLst/>
+            </a:prstGeom>
+            <a:noFill/>
+          </p:spPr>
+          <p:txBody>
+            <a:bodyPr wrap="none" rtlCol="0">
+              <a:spAutoFit/>
+            </a:bodyPr>
+            <a:lstStyle/>
+            <a:p>
+              <a:r>
+                <a:rPr lang="ja-JP" altLang="en-US" sz="1200" dirty="0"/>
+                <a:t>クラウド</a:t>
+              </a:r>
+              <a:endParaRPr kumimoji="1" lang="ja-JP" altLang="en-US" dirty="0"/>
+            </a:p>
+          </p:txBody>
+        </p:sp>
+      </p:grpSp>
+      <p:cxnSp>
+        <p:nvCxnSpPr>
+          <p:cNvPr id="84" name="直線矢印コネクタ 83">
+            <a:extLst>
+              <a:ext uri="{FF2B5EF4-FFF2-40B4-BE49-F238E27FC236}">
+                <a16:creationId xmlns:a16="http://schemas.microsoft.com/office/drawing/2014/main" id="{0CB108CD-5631-4874-874D-621A12878D3E}"/>
+              </a:ext>
+            </a:extLst>
+          </p:cNvPr>
+          <p:cNvCxnSpPr>
+            <a:cxnSpLocks/>
+          </p:cNvCxnSpPr>
+          <p:nvPr/>
+        </p:nvCxnSpPr>
+        <p:spPr>
+          <a:xfrm flipH="1" flipV="1">
+            <a:off x="7380312" y="2150131"/>
+            <a:ext cx="316792" cy="523367"/>
+          </a:xfrm>
+          <a:prstGeom prst="straightConnector1">
+            <a:avLst/>
+          </a:prstGeom>
+          <a:ln w="38100">
+            <a:solidFill>
+              <a:srgbClr val="92D050"/>
+            </a:solidFill>
+            <a:tailEnd type="triangle"/>
+          </a:ln>
+        </p:spPr>
+        <p:style>
+          <a:lnRef idx="1">
+            <a:schemeClr val="accent1"/>
+          </a:lnRef>
+          <a:fillRef idx="0">
+            <a:schemeClr val="accent1"/>
+          </a:fillRef>
+          <a:effectRef idx="0">
+            <a:schemeClr val="accent1"/>
+          </a:effectRef>
+          <a:fontRef idx="minor">
+            <a:schemeClr val="tx1"/>
+          </a:fontRef>
+        </p:style>
+      </p:cxnSp>
+      <p:sp>
+        <p:nvSpPr>
+          <p:cNvPr id="85" name="テキスト ボックス 84">
+            <a:extLst>
+              <a:ext uri="{FF2B5EF4-FFF2-40B4-BE49-F238E27FC236}">
+                <a16:creationId xmlns:a16="http://schemas.microsoft.com/office/drawing/2014/main" id="{AA8DC3B2-732F-417A-9263-3809E143C597}"/>
+              </a:ext>
+            </a:extLst>
+          </p:cNvPr>
+          <p:cNvSpPr txBox="1"/>
+          <p:nvPr/>
+        </p:nvSpPr>
+        <p:spPr>
+          <a:xfrm>
+            <a:off x="7470704" y="2259251"/>
+            <a:ext cx="957313" cy="253916"/>
+          </a:xfrm>
+          <a:prstGeom prst="rect">
+            <a:avLst/>
+          </a:prstGeom>
+          <a:noFill/>
+        </p:spPr>
+        <p:txBody>
+          <a:bodyPr wrap="none" rtlCol="0">
+            <a:spAutoFit/>
+          </a:bodyPr>
+          <a:lstStyle/>
+          <a:p>
+            <a:pPr defTabSz="685800">
+              <a:defRPr/>
+            </a:pPr>
+            <a:r>
+              <a:rPr lang="ja-JP" altLang="en-US" sz="1050" dirty="0">
+                <a:solidFill>
+                  <a:prstClr val="black"/>
+                </a:solidFill>
+                <a:latin typeface="Calibri"/>
+                <a:ea typeface="ＭＳ Ｐゴシック" panose="020B0600070205080204" pitchFamily="50" charset="-128"/>
+              </a:rPr>
+              <a:t>サービス利用</a:t>
+            </a:r>
+          </a:p>
+        </p:txBody>
+      </p:sp>
+    </p:spTree>
+    <p:extLst>
+      <p:ext uri="{BB962C8B-B14F-4D97-AF65-F5344CB8AC3E}">
+        <p14:creationId xmlns:p14="http://schemas.microsoft.com/office/powerpoint/2010/main" val="3983603127"/>
       </p:ext>
     </p:extLst>
   </p:cSld>

--- a/CaseStudy/BusinessFlow/BusinessFlow-IT.pptx
+++ b/CaseStudy/BusinessFlow/BusinessFlow-IT.pptx
@@ -6,7 +6,8 @@
   </p:sldMasterIdLst>
   <p:sldIdLst>
     <p:sldId id="257" r:id="rId2"/>
-    <p:sldId id="302" r:id="rId3"/>
+    <p:sldId id="258" r:id="rId3"/>
+    <p:sldId id="302" r:id="rId4"/>
   </p:sldIdLst>
   <p:sldSz cx="9144000" cy="6858000" type="screen4x3"/>
   <p:notesSz cx="6858000" cy="9144000"/>
@@ -303,7 +304,7 @@
           <a:p>
             <a:fld id="{363C93A5-AB31-4885-A4FA-4F94D9533BAB}" type="datetimeFigureOut">
               <a:rPr kumimoji="1" lang="ja-JP" altLang="en-US" smtClean="0"/>
-              <a:t>2018/10/26</a:t>
+              <a:t>2018/11/12</a:t>
             </a:fld>
             <a:endParaRPr kumimoji="1" lang="ja-JP" altLang="en-US"/>
           </a:p>
@@ -503,7 +504,7 @@
           <a:p>
             <a:fld id="{363C93A5-AB31-4885-A4FA-4F94D9533BAB}" type="datetimeFigureOut">
               <a:rPr kumimoji="1" lang="ja-JP" altLang="en-US" smtClean="0"/>
-              <a:t>2018/10/26</a:t>
+              <a:t>2018/11/12</a:t>
             </a:fld>
             <a:endParaRPr kumimoji="1" lang="ja-JP" altLang="en-US"/>
           </a:p>
@@ -713,7 +714,7 @@
           <a:p>
             <a:fld id="{363C93A5-AB31-4885-A4FA-4F94D9533BAB}" type="datetimeFigureOut">
               <a:rPr kumimoji="1" lang="ja-JP" altLang="en-US" smtClean="0"/>
-              <a:t>2018/10/26</a:t>
+              <a:t>2018/11/12</a:t>
             </a:fld>
             <a:endParaRPr kumimoji="1" lang="ja-JP" altLang="en-US"/>
           </a:p>
@@ -913,7 +914,7 @@
           <a:p>
             <a:fld id="{363C93A5-AB31-4885-A4FA-4F94D9533BAB}" type="datetimeFigureOut">
               <a:rPr kumimoji="1" lang="ja-JP" altLang="en-US" smtClean="0"/>
-              <a:t>2018/10/26</a:t>
+              <a:t>2018/11/12</a:t>
             </a:fld>
             <a:endParaRPr kumimoji="1" lang="ja-JP" altLang="en-US"/>
           </a:p>
@@ -1158,7 +1159,7 @@
           <a:p>
             <a:fld id="{363C93A5-AB31-4885-A4FA-4F94D9533BAB}" type="datetimeFigureOut">
               <a:rPr kumimoji="1" lang="ja-JP" altLang="en-US" smtClean="0"/>
-              <a:t>2018/10/26</a:t>
+              <a:t>2018/11/12</a:t>
             </a:fld>
             <a:endParaRPr kumimoji="1" lang="ja-JP" altLang="en-US"/>
           </a:p>
@@ -1507,7 +1508,7 @@
           <a:p>
             <a:fld id="{363C93A5-AB31-4885-A4FA-4F94D9533BAB}" type="datetimeFigureOut">
               <a:rPr kumimoji="1" lang="ja-JP" altLang="en-US" smtClean="0"/>
-              <a:t>2018/10/26</a:t>
+              <a:t>2018/11/12</a:t>
             </a:fld>
             <a:endParaRPr kumimoji="1" lang="ja-JP" altLang="en-US"/>
           </a:p>
@@ -1990,7 +1991,7 @@
           <a:p>
             <a:fld id="{363C93A5-AB31-4885-A4FA-4F94D9533BAB}" type="datetimeFigureOut">
               <a:rPr kumimoji="1" lang="ja-JP" altLang="en-US" smtClean="0"/>
-              <a:t>2018/10/26</a:t>
+              <a:t>2018/11/12</a:t>
             </a:fld>
             <a:endParaRPr kumimoji="1" lang="ja-JP" altLang="en-US"/>
           </a:p>
@@ -2107,7 +2108,7 @@
           <a:p>
             <a:fld id="{363C93A5-AB31-4885-A4FA-4F94D9533BAB}" type="datetimeFigureOut">
               <a:rPr kumimoji="1" lang="ja-JP" altLang="en-US" smtClean="0"/>
-              <a:t>2018/10/26</a:t>
+              <a:t>2018/11/12</a:t>
             </a:fld>
             <a:endParaRPr kumimoji="1" lang="ja-JP" altLang="en-US"/>
           </a:p>
@@ -2202,7 +2203,7 @@
           <a:p>
             <a:fld id="{363C93A5-AB31-4885-A4FA-4F94D9533BAB}" type="datetimeFigureOut">
               <a:rPr kumimoji="1" lang="ja-JP" altLang="en-US" smtClean="0"/>
-              <a:t>2018/10/26</a:t>
+              <a:t>2018/11/12</a:t>
             </a:fld>
             <a:endParaRPr kumimoji="1" lang="ja-JP" altLang="en-US"/>
           </a:p>
@@ -2509,7 +2510,7 @@
           <a:p>
             <a:fld id="{363C93A5-AB31-4885-A4FA-4F94D9533BAB}" type="datetimeFigureOut">
               <a:rPr kumimoji="1" lang="ja-JP" altLang="en-US" smtClean="0"/>
-              <a:t>2018/10/26</a:t>
+              <a:t>2018/11/12</a:t>
             </a:fld>
             <a:endParaRPr kumimoji="1" lang="ja-JP" altLang="en-US"/>
           </a:p>
@@ -2761,7 +2762,7 @@
           <a:p>
             <a:fld id="{363C93A5-AB31-4885-A4FA-4F94D9533BAB}" type="datetimeFigureOut">
               <a:rPr kumimoji="1" lang="ja-JP" altLang="en-US" smtClean="0"/>
-              <a:t>2018/10/26</a:t>
+              <a:t>2018/11/12</a:t>
             </a:fld>
             <a:endParaRPr kumimoji="1" lang="ja-JP" altLang="en-US"/>
           </a:p>
@@ -3004,7 +3005,7 @@
           <a:p>
             <a:fld id="{363C93A5-AB31-4885-A4FA-4F94D9533BAB}" type="datetimeFigureOut">
               <a:rPr kumimoji="1" lang="ja-JP" altLang="en-US" smtClean="0"/>
-              <a:t>2018/10/26</a:t>
+              <a:t>2018/11/12</a:t>
             </a:fld>
             <a:endParaRPr kumimoji="1" lang="ja-JP" altLang="en-US"/>
           </a:p>
@@ -6155,6 +6156,3349 @@
 </file>
 
 <file path=ppt/slides/slide2.xml><?xml version="1.0" encoding="utf-8"?>
+<p:sld xmlns:a="http://schemas.openxmlformats.org/drawingml/2006/main" xmlns:r="http://schemas.openxmlformats.org/officeDocument/2006/relationships" xmlns:p="http://schemas.openxmlformats.org/presentationml/2006/main">
+  <p:cSld>
+    <p:spTree>
+      <p:nvGrpSpPr>
+        <p:cNvPr id="1" name=""/>
+        <p:cNvGrpSpPr/>
+        <p:nvPr/>
+      </p:nvGrpSpPr>
+      <p:grpSpPr>
+        <a:xfrm>
+          <a:off x="0" y="0"/>
+          <a:ext cx="0" cy="0"/>
+          <a:chOff x="0" y="0"/>
+          <a:chExt cx="0" cy="0"/>
+        </a:xfrm>
+      </p:grpSpPr>
+      <p:sp>
+        <p:nvSpPr>
+          <p:cNvPr id="2" name="フッター プレースホルダー 1"/>
+          <p:cNvSpPr>
+            <a:spLocks noGrp="1"/>
+          </p:cNvSpPr>
+          <p:nvPr>
+            <p:ph type="ftr" sz="quarter" idx="11"/>
+          </p:nvPr>
+        </p:nvSpPr>
+        <p:spPr>
+          <a:xfrm>
+            <a:off x="3124200" y="6520259"/>
+            <a:ext cx="2895600" cy="365125"/>
+          </a:xfrm>
+        </p:spPr>
+        <p:txBody>
+          <a:bodyPr/>
+          <a:lstStyle/>
+          <a:p>
+            <a:r>
+              <a:rPr kumimoji="1" lang="en-US" altLang="ja-JP"/>
+              <a:t>CC0-1.0</a:t>
+            </a:r>
+            <a:endParaRPr kumimoji="1" lang="ja-JP" altLang="en-US" dirty="0"/>
+          </a:p>
+        </p:txBody>
+      </p:sp>
+      <p:grpSp>
+        <p:nvGrpSpPr>
+          <p:cNvPr id="11" name="グループ化 10">
+            <a:extLst>
+              <a:ext uri="{FF2B5EF4-FFF2-40B4-BE49-F238E27FC236}">
+                <a16:creationId xmlns:a16="http://schemas.microsoft.com/office/drawing/2014/main" id="{075BB555-A52C-4E85-BD05-486E55FB03BC}"/>
+              </a:ext>
+            </a:extLst>
+          </p:cNvPr>
+          <p:cNvGrpSpPr/>
+          <p:nvPr/>
+        </p:nvGrpSpPr>
+        <p:grpSpPr>
+          <a:xfrm>
+            <a:off x="301525" y="404665"/>
+            <a:ext cx="8734971" cy="1568799"/>
+            <a:chOff x="301525" y="404665"/>
+            <a:chExt cx="8734971" cy="1568799"/>
+          </a:xfrm>
+        </p:grpSpPr>
+        <p:sp>
+          <p:nvSpPr>
+            <p:cNvPr id="3" name="四角形: 角を丸くする 2"/>
+            <p:cNvSpPr/>
+            <p:nvPr/>
+          </p:nvSpPr>
+          <p:spPr>
+            <a:xfrm>
+              <a:off x="1913184" y="404665"/>
+              <a:ext cx="5539135" cy="1064032"/>
+            </a:xfrm>
+            <a:prstGeom prst="roundRect">
+              <a:avLst/>
+            </a:prstGeom>
+            <a:solidFill>
+              <a:schemeClr val="accent1">
+                <a:lumMod val="60000"/>
+                <a:lumOff val="40000"/>
+              </a:schemeClr>
+            </a:solidFill>
+          </p:spPr>
+          <p:style>
+            <a:lnRef idx="2">
+              <a:schemeClr val="accent1">
+                <a:shade val="50000"/>
+              </a:schemeClr>
+            </a:lnRef>
+            <a:fillRef idx="1">
+              <a:schemeClr val="accent1"/>
+            </a:fillRef>
+            <a:effectRef idx="0">
+              <a:schemeClr val="accent1"/>
+            </a:effectRef>
+            <a:fontRef idx="minor">
+              <a:schemeClr val="lt1"/>
+            </a:fontRef>
+          </p:style>
+          <p:txBody>
+            <a:bodyPr rtlCol="0" anchor="ctr"/>
+            <a:lstStyle/>
+            <a:p>
+              <a:pPr algn="ctr"/>
+              <a:endParaRPr kumimoji="1" lang="ja-JP" altLang="en-US" sz="1400"/>
+            </a:p>
+          </p:txBody>
+        </p:sp>
+        <p:sp>
+          <p:nvSpPr>
+            <p:cNvPr id="4" name="テキスト ボックス 3"/>
+            <p:cNvSpPr txBox="1"/>
+            <p:nvPr/>
+          </p:nvSpPr>
+          <p:spPr>
+            <a:xfrm>
+              <a:off x="301525" y="692696"/>
+              <a:ext cx="1177331" cy="369332"/>
+            </a:xfrm>
+            <a:prstGeom prst="rect">
+              <a:avLst/>
+            </a:prstGeom>
+            <a:noFill/>
+          </p:spPr>
+          <p:txBody>
+            <a:bodyPr wrap="square" rtlCol="0">
+              <a:spAutoFit/>
+            </a:bodyPr>
+            <a:lstStyle/>
+            <a:p>
+              <a:r>
+                <a:rPr kumimoji="1" lang="en-US" altLang="ja-JP" dirty="0"/>
+                <a:t>IT-1</a:t>
+              </a:r>
+              <a:endParaRPr kumimoji="1" lang="ja-JP" altLang="en-US" dirty="0"/>
+            </a:p>
+          </p:txBody>
+        </p:sp>
+        <p:sp>
+          <p:nvSpPr>
+            <p:cNvPr id="8" name="四角形: 角を丸くする 7"/>
+            <p:cNvSpPr/>
+            <p:nvPr/>
+          </p:nvSpPr>
+          <p:spPr>
+            <a:xfrm>
+              <a:off x="2195736" y="497731"/>
+              <a:ext cx="1665435" cy="779050"/>
+            </a:xfrm>
+            <a:prstGeom prst="roundRect">
+              <a:avLst/>
+            </a:prstGeom>
+            <a:solidFill>
+              <a:srgbClr val="FFFF00"/>
+            </a:solidFill>
+          </p:spPr>
+          <p:style>
+            <a:lnRef idx="2">
+              <a:schemeClr val="accent1">
+                <a:shade val="50000"/>
+              </a:schemeClr>
+            </a:lnRef>
+            <a:fillRef idx="1">
+              <a:schemeClr val="accent1"/>
+            </a:fillRef>
+            <a:effectRef idx="0">
+              <a:schemeClr val="accent1"/>
+            </a:effectRef>
+            <a:fontRef idx="minor">
+              <a:schemeClr val="lt1"/>
+            </a:fontRef>
+          </p:style>
+          <p:txBody>
+            <a:bodyPr rtlCol="0" anchor="ctr"/>
+            <a:lstStyle/>
+            <a:p>
+              <a:pPr algn="ctr"/>
+              <a:r>
+                <a:rPr lang="en-US" altLang="ja-JP" sz="1400" dirty="0">
+                  <a:solidFill>
+                    <a:schemeClr val="tx1"/>
+                  </a:solidFill>
+                </a:rPr>
+                <a:t>Planning/</a:t>
+              </a:r>
+            </a:p>
+            <a:p>
+              <a:pPr algn="ctr"/>
+              <a:r>
+                <a:rPr lang="en-US" altLang="ja-JP" sz="1400" dirty="0">
+                  <a:solidFill>
+                    <a:schemeClr val="tx1"/>
+                  </a:solidFill>
+                </a:rPr>
+                <a:t>development</a:t>
+              </a:r>
+              <a:endParaRPr kumimoji="1" lang="ja-JP" altLang="en-US" sz="1400" dirty="0">
+                <a:solidFill>
+                  <a:schemeClr val="tx1"/>
+                </a:solidFill>
+              </a:endParaRPr>
+            </a:p>
+          </p:txBody>
+        </p:sp>
+        <p:cxnSp>
+          <p:nvCxnSpPr>
+            <p:cNvPr id="13" name="直線矢印コネクタ 12"/>
+            <p:cNvCxnSpPr>
+              <a:cxnSpLocks/>
+              <a:stCxn id="8" idx="3"/>
+              <a:endCxn id="53" idx="1"/>
+            </p:cNvCxnSpPr>
+            <p:nvPr/>
+          </p:nvCxnSpPr>
+          <p:spPr>
+            <a:xfrm flipV="1">
+              <a:off x="3861171" y="883196"/>
+              <a:ext cx="566813" cy="4060"/>
+            </a:xfrm>
+            <a:prstGeom prst="straightConnector1">
+              <a:avLst/>
+            </a:prstGeom>
+            <a:ln w="38100">
+              <a:solidFill>
+                <a:schemeClr val="tx1"/>
+              </a:solidFill>
+              <a:tailEnd type="triangle"/>
+            </a:ln>
+          </p:spPr>
+          <p:style>
+            <a:lnRef idx="1">
+              <a:schemeClr val="accent1"/>
+            </a:lnRef>
+            <a:fillRef idx="0">
+              <a:schemeClr val="accent1"/>
+            </a:fillRef>
+            <a:effectRef idx="0">
+              <a:schemeClr val="accent1"/>
+            </a:effectRef>
+            <a:fontRef idx="minor">
+              <a:schemeClr val="tx1"/>
+            </a:fontRef>
+          </p:style>
+        </p:cxnSp>
+        <p:sp>
+          <p:nvSpPr>
+            <p:cNvPr id="53" name="四角形: 角を丸くする 52"/>
+            <p:cNvSpPr/>
+            <p:nvPr/>
+          </p:nvSpPr>
+          <p:spPr>
+            <a:xfrm>
+              <a:off x="4427984" y="692696"/>
+              <a:ext cx="1163091" cy="381000"/>
+            </a:xfrm>
+            <a:prstGeom prst="roundRect">
+              <a:avLst/>
+            </a:prstGeom>
+            <a:solidFill>
+              <a:srgbClr val="FFFF00"/>
+            </a:solidFill>
+          </p:spPr>
+          <p:style>
+            <a:lnRef idx="2">
+              <a:schemeClr val="accent1">
+                <a:shade val="50000"/>
+              </a:schemeClr>
+            </a:lnRef>
+            <a:fillRef idx="1">
+              <a:schemeClr val="accent1"/>
+            </a:fillRef>
+            <a:effectRef idx="0">
+              <a:schemeClr val="accent1"/>
+            </a:effectRef>
+            <a:fontRef idx="minor">
+              <a:schemeClr val="lt1"/>
+            </a:fontRef>
+          </p:style>
+          <p:txBody>
+            <a:bodyPr rtlCol="0" anchor="ctr"/>
+            <a:lstStyle/>
+            <a:p>
+              <a:pPr algn="ctr"/>
+              <a:r>
+                <a:rPr lang="en-US" altLang="ja-JP" sz="1400" dirty="0">
+                  <a:solidFill>
+                    <a:schemeClr val="tx1"/>
+                  </a:solidFill>
+                </a:rPr>
+                <a:t>Verification</a:t>
+              </a:r>
+              <a:endParaRPr kumimoji="1" lang="ja-JP" altLang="en-US" sz="1400" dirty="0">
+                <a:solidFill>
+                  <a:schemeClr val="tx1"/>
+                </a:solidFill>
+              </a:endParaRPr>
+            </a:p>
+          </p:txBody>
+        </p:sp>
+        <p:cxnSp>
+          <p:nvCxnSpPr>
+            <p:cNvPr id="55" name="直線矢印コネクタ 54"/>
+            <p:cNvCxnSpPr>
+              <a:stCxn id="53" idx="3"/>
+            </p:cNvCxnSpPr>
+            <p:nvPr/>
+          </p:nvCxnSpPr>
+          <p:spPr>
+            <a:xfrm>
+              <a:off x="5591075" y="883196"/>
+              <a:ext cx="482129" cy="0"/>
+            </a:xfrm>
+            <a:prstGeom prst="straightConnector1">
+              <a:avLst/>
+            </a:prstGeom>
+            <a:ln w="38100">
+              <a:solidFill>
+                <a:schemeClr val="tx1"/>
+              </a:solidFill>
+              <a:tailEnd type="triangle"/>
+            </a:ln>
+          </p:spPr>
+          <p:style>
+            <a:lnRef idx="1">
+              <a:schemeClr val="accent1"/>
+            </a:lnRef>
+            <a:fillRef idx="0">
+              <a:schemeClr val="accent1"/>
+            </a:fillRef>
+            <a:effectRef idx="0">
+              <a:schemeClr val="accent1"/>
+            </a:effectRef>
+            <a:fontRef idx="minor">
+              <a:schemeClr val="tx1"/>
+            </a:fontRef>
+          </p:style>
+        </p:cxnSp>
+        <p:sp>
+          <p:nvSpPr>
+            <p:cNvPr id="49" name="四角形: 角を丸くする 48"/>
+            <p:cNvSpPr/>
+            <p:nvPr/>
+          </p:nvSpPr>
+          <p:spPr>
+            <a:xfrm>
+              <a:off x="2411760" y="1535832"/>
+              <a:ext cx="1163091" cy="381000"/>
+            </a:xfrm>
+            <a:prstGeom prst="roundRect">
+              <a:avLst/>
+            </a:prstGeom>
+            <a:solidFill>
+              <a:schemeClr val="accent3">
+                <a:lumMod val="50000"/>
+              </a:schemeClr>
+            </a:solidFill>
+            <a:ln>
+              <a:solidFill>
+                <a:schemeClr val="accent3">
+                  <a:lumMod val="50000"/>
+                </a:schemeClr>
+              </a:solidFill>
+            </a:ln>
+          </p:spPr>
+          <p:style>
+            <a:lnRef idx="2">
+              <a:schemeClr val="accent1">
+                <a:shade val="50000"/>
+              </a:schemeClr>
+            </a:lnRef>
+            <a:fillRef idx="1">
+              <a:schemeClr val="accent1"/>
+            </a:fillRef>
+            <a:effectRef idx="0">
+              <a:schemeClr val="accent1"/>
+            </a:effectRef>
+            <a:fontRef idx="minor">
+              <a:schemeClr val="lt1"/>
+            </a:fontRef>
+          </p:style>
+          <p:txBody>
+            <a:bodyPr rtlCol="0" anchor="ctr"/>
+            <a:lstStyle/>
+            <a:p>
+              <a:pPr algn="ctr"/>
+              <a:r>
+                <a:rPr lang="en-US" altLang="ja-JP" sz="1400" dirty="0">
+                  <a:solidFill>
+                    <a:schemeClr val="bg1"/>
+                  </a:solidFill>
+                </a:rPr>
+                <a:t>Community</a:t>
+              </a:r>
+              <a:endParaRPr kumimoji="1" lang="ja-JP" altLang="en-US" sz="1400" dirty="0">
+                <a:solidFill>
+                  <a:schemeClr val="bg1"/>
+                </a:solidFill>
+              </a:endParaRPr>
+            </a:p>
+          </p:txBody>
+        </p:sp>
+        <p:cxnSp>
+          <p:nvCxnSpPr>
+            <p:cNvPr id="51" name="直線矢印コネクタ 50"/>
+            <p:cNvCxnSpPr>
+              <a:cxnSpLocks/>
+              <a:endCxn id="8" idx="2"/>
+            </p:cNvCxnSpPr>
+            <p:nvPr/>
+          </p:nvCxnSpPr>
+          <p:spPr>
+            <a:xfrm flipV="1">
+              <a:off x="3028453" y="1276781"/>
+              <a:ext cx="1" cy="231272"/>
+            </a:xfrm>
+            <a:prstGeom prst="straightConnector1">
+              <a:avLst/>
+            </a:prstGeom>
+            <a:ln w="38100">
+              <a:solidFill>
+                <a:schemeClr val="tx1"/>
+              </a:solidFill>
+              <a:tailEnd type="triangle"/>
+            </a:ln>
+          </p:spPr>
+          <p:style>
+            <a:lnRef idx="1">
+              <a:schemeClr val="accent1"/>
+            </a:lnRef>
+            <a:fillRef idx="0">
+              <a:schemeClr val="accent1"/>
+            </a:fillRef>
+            <a:effectRef idx="0">
+              <a:schemeClr val="accent1"/>
+            </a:effectRef>
+            <a:fontRef idx="minor">
+              <a:schemeClr val="tx1"/>
+            </a:fontRef>
+          </p:style>
+        </p:cxnSp>
+        <p:sp>
+          <p:nvSpPr>
+            <p:cNvPr id="56" name="四角形: 角を丸くする 9"/>
+            <p:cNvSpPr/>
+            <p:nvPr/>
+          </p:nvSpPr>
+          <p:spPr>
+            <a:xfrm>
+              <a:off x="7873405" y="527720"/>
+              <a:ext cx="1163091" cy="749061"/>
+            </a:xfrm>
+            <a:prstGeom prst="roundRect">
+              <a:avLst/>
+            </a:prstGeom>
+            <a:solidFill>
+              <a:schemeClr val="accent3">
+                <a:lumMod val="50000"/>
+              </a:schemeClr>
+            </a:solidFill>
+            <a:ln>
+              <a:solidFill>
+                <a:schemeClr val="accent3">
+                  <a:lumMod val="50000"/>
+                </a:schemeClr>
+              </a:solidFill>
+            </a:ln>
+          </p:spPr>
+          <p:style>
+            <a:lnRef idx="2">
+              <a:schemeClr val="accent1">
+                <a:shade val="50000"/>
+              </a:schemeClr>
+            </a:lnRef>
+            <a:fillRef idx="1">
+              <a:schemeClr val="accent1"/>
+            </a:fillRef>
+            <a:effectRef idx="0">
+              <a:schemeClr val="accent1"/>
+            </a:effectRef>
+            <a:fontRef idx="minor">
+              <a:schemeClr val="lt1"/>
+            </a:fontRef>
+          </p:style>
+          <p:txBody>
+            <a:bodyPr rtlCol="0" anchor="ctr"/>
+            <a:lstStyle/>
+            <a:p>
+              <a:pPr algn="ctr"/>
+              <a:r>
+                <a:rPr lang="en-US" altLang="ja-JP" sz="1400" dirty="0">
+                  <a:solidFill>
+                    <a:schemeClr val="bg1"/>
+                  </a:solidFill>
+                </a:rPr>
+                <a:t>Customer</a:t>
+              </a:r>
+              <a:r>
+                <a:rPr lang="ja-JP" altLang="en-US" sz="1400" dirty="0">
+                  <a:solidFill>
+                    <a:schemeClr val="bg1"/>
+                  </a:solidFill>
+                </a:rPr>
+                <a:t> </a:t>
+              </a:r>
+              <a:r>
+                <a:rPr lang="en-US" altLang="ja-JP" sz="1400" dirty="0">
+                  <a:solidFill>
+                    <a:schemeClr val="bg1"/>
+                  </a:solidFill>
+                </a:rPr>
+                <a:t>Company</a:t>
+              </a:r>
+              <a:endParaRPr kumimoji="1" lang="ja-JP" altLang="en-US" sz="1400" dirty="0">
+                <a:solidFill>
+                  <a:schemeClr val="bg1"/>
+                </a:solidFill>
+              </a:endParaRPr>
+            </a:p>
+          </p:txBody>
+        </p:sp>
+        <p:cxnSp>
+          <p:nvCxnSpPr>
+            <p:cNvPr id="57" name="直線矢印コネクタ 56"/>
+            <p:cNvCxnSpPr>
+              <a:cxnSpLocks/>
+              <a:endCxn id="56" idx="1"/>
+            </p:cNvCxnSpPr>
+            <p:nvPr/>
+          </p:nvCxnSpPr>
+          <p:spPr>
+            <a:xfrm flipV="1">
+              <a:off x="7249565" y="902251"/>
+              <a:ext cx="623840" cy="4214"/>
+            </a:xfrm>
+            <a:prstGeom prst="straightConnector1">
+              <a:avLst/>
+            </a:prstGeom>
+            <a:ln w="38100">
+              <a:solidFill>
+                <a:schemeClr val="tx1"/>
+              </a:solidFill>
+              <a:tailEnd type="triangle"/>
+            </a:ln>
+          </p:spPr>
+          <p:style>
+            <a:lnRef idx="1">
+              <a:schemeClr val="accent1"/>
+            </a:lnRef>
+            <a:fillRef idx="0">
+              <a:schemeClr val="accent1"/>
+            </a:fillRef>
+            <a:effectRef idx="0">
+              <a:schemeClr val="accent1"/>
+            </a:effectRef>
+            <a:fontRef idx="minor">
+              <a:schemeClr val="tx1"/>
+            </a:fontRef>
+          </p:style>
+        </p:cxnSp>
+        <p:sp>
+          <p:nvSpPr>
+            <p:cNvPr id="58" name="四角形: 角を丸くする 52"/>
+            <p:cNvSpPr/>
+            <p:nvPr/>
+          </p:nvSpPr>
+          <p:spPr>
+            <a:xfrm>
+              <a:off x="6073205" y="527720"/>
+              <a:ext cx="1163091" cy="381000"/>
+            </a:xfrm>
+            <a:prstGeom prst="roundRect">
+              <a:avLst/>
+            </a:prstGeom>
+            <a:solidFill>
+              <a:srgbClr val="FFFF00"/>
+            </a:solidFill>
+          </p:spPr>
+          <p:style>
+            <a:lnRef idx="2">
+              <a:schemeClr val="accent1">
+                <a:shade val="50000"/>
+              </a:schemeClr>
+            </a:lnRef>
+            <a:fillRef idx="1">
+              <a:schemeClr val="accent1"/>
+            </a:fillRef>
+            <a:effectRef idx="0">
+              <a:schemeClr val="accent1"/>
+            </a:effectRef>
+            <a:fontRef idx="minor">
+              <a:schemeClr val="lt1"/>
+            </a:fontRef>
+          </p:style>
+          <p:txBody>
+            <a:bodyPr rtlCol="0" anchor="ctr"/>
+            <a:lstStyle/>
+            <a:p>
+              <a:pPr algn="ctr"/>
+              <a:r>
+                <a:rPr kumimoji="1" lang="en-US" altLang="ja-JP" sz="1400" dirty="0">
+                  <a:solidFill>
+                    <a:schemeClr val="tx1"/>
+                  </a:solidFill>
+                </a:rPr>
+                <a:t>Release</a:t>
+              </a:r>
+              <a:endParaRPr kumimoji="1" lang="ja-JP" altLang="en-US" sz="1400" dirty="0">
+                <a:solidFill>
+                  <a:schemeClr val="tx1"/>
+                </a:solidFill>
+              </a:endParaRPr>
+            </a:p>
+          </p:txBody>
+        </p:sp>
+        <p:sp>
+          <p:nvSpPr>
+            <p:cNvPr id="135" name="テキスト ボックス 134"/>
+            <p:cNvSpPr txBox="1"/>
+            <p:nvPr/>
+          </p:nvSpPr>
+          <p:spPr>
+            <a:xfrm>
+              <a:off x="7385512" y="580263"/>
+              <a:ext cx="439544" cy="307777"/>
+            </a:xfrm>
+            <a:prstGeom prst="rect">
+              <a:avLst/>
+            </a:prstGeom>
+            <a:noFill/>
+          </p:spPr>
+          <p:txBody>
+            <a:bodyPr wrap="none" rtlCol="0">
+              <a:spAutoFit/>
+            </a:bodyPr>
+            <a:lstStyle/>
+            <a:p>
+              <a:r>
+                <a:rPr lang="en-US" altLang="ja-JP" sz="1400" dirty="0"/>
+                <a:t>Sell</a:t>
+              </a:r>
+              <a:endParaRPr kumimoji="1" lang="ja-JP" altLang="en-US" sz="1400" dirty="0"/>
+            </a:p>
+          </p:txBody>
+        </p:sp>
+        <p:sp>
+          <p:nvSpPr>
+            <p:cNvPr id="136" name="四角形: 角を丸くする 52"/>
+            <p:cNvSpPr/>
+            <p:nvPr/>
+          </p:nvSpPr>
+          <p:spPr>
+            <a:xfrm>
+              <a:off x="6073205" y="908720"/>
+              <a:ext cx="1163091" cy="381000"/>
+            </a:xfrm>
+            <a:prstGeom prst="roundRect">
+              <a:avLst/>
+            </a:prstGeom>
+            <a:solidFill>
+              <a:srgbClr val="FFFF00"/>
+            </a:solidFill>
+          </p:spPr>
+          <p:style>
+            <a:lnRef idx="2">
+              <a:schemeClr val="accent1">
+                <a:shade val="50000"/>
+              </a:schemeClr>
+            </a:lnRef>
+            <a:fillRef idx="1">
+              <a:schemeClr val="accent1"/>
+            </a:fillRef>
+            <a:effectRef idx="0">
+              <a:schemeClr val="accent1"/>
+            </a:effectRef>
+            <a:fontRef idx="minor">
+              <a:schemeClr val="lt1"/>
+            </a:fontRef>
+          </p:style>
+          <p:txBody>
+            <a:bodyPr rtlCol="0" anchor="ctr"/>
+            <a:lstStyle/>
+            <a:p>
+              <a:pPr algn="ctr"/>
+              <a:r>
+                <a:rPr kumimoji="1" lang="en-US" altLang="ja-JP" sz="1400" dirty="0">
+                  <a:solidFill>
+                    <a:schemeClr val="tx1"/>
+                  </a:solidFill>
+                </a:rPr>
+                <a:t>Support</a:t>
+              </a:r>
+              <a:endParaRPr kumimoji="1" lang="ja-JP" altLang="en-US" sz="1400" dirty="0">
+                <a:solidFill>
+                  <a:schemeClr val="tx1"/>
+                </a:solidFill>
+              </a:endParaRPr>
+            </a:p>
+          </p:txBody>
+        </p:sp>
+        <p:sp>
+          <p:nvSpPr>
+            <p:cNvPr id="69" name="テキスト ボックス 68">
+              <a:extLst>
+                <a:ext uri="{FF2B5EF4-FFF2-40B4-BE49-F238E27FC236}">
+                  <a16:creationId xmlns:a16="http://schemas.microsoft.com/office/drawing/2014/main" id="{14079DDE-B385-4341-A4EE-6B72D7A65F30}"/>
+                </a:ext>
+              </a:extLst>
+            </p:cNvPr>
+            <p:cNvSpPr txBox="1"/>
+            <p:nvPr/>
+          </p:nvSpPr>
+          <p:spPr>
+            <a:xfrm>
+              <a:off x="3574851" y="1450244"/>
+              <a:ext cx="1043876" cy="523220"/>
+            </a:xfrm>
+            <a:prstGeom prst="rect">
+              <a:avLst/>
+            </a:prstGeom>
+            <a:noFill/>
+          </p:spPr>
+          <p:txBody>
+            <a:bodyPr wrap="none" rtlCol="0">
+              <a:spAutoFit/>
+            </a:bodyPr>
+            <a:lstStyle/>
+            <a:p>
+              <a:r>
+                <a:rPr kumimoji="1" lang="en-US" altLang="ja-JP" sz="1400" dirty="0"/>
+                <a:t>OSS +</a:t>
+              </a:r>
+            </a:p>
+            <a:p>
+              <a:r>
+                <a:rPr kumimoji="1" lang="en-US" altLang="ja-JP" sz="1400" dirty="0"/>
+                <a:t>OSS</a:t>
+              </a:r>
+              <a:r>
+                <a:rPr kumimoji="1" lang="ja-JP" altLang="en-US" sz="1400" dirty="0"/>
+                <a:t> </a:t>
+              </a:r>
+              <a:r>
+                <a:rPr kumimoji="1" lang="en-US" altLang="ja-JP" sz="1400" dirty="0"/>
+                <a:t>License</a:t>
+              </a:r>
+              <a:endParaRPr kumimoji="1" lang="ja-JP" altLang="en-US" sz="1400" dirty="0"/>
+            </a:p>
+          </p:txBody>
+        </p:sp>
+      </p:grpSp>
+      <p:grpSp>
+        <p:nvGrpSpPr>
+          <p:cNvPr id="12" name="グループ化 11">
+            <a:extLst>
+              <a:ext uri="{FF2B5EF4-FFF2-40B4-BE49-F238E27FC236}">
+                <a16:creationId xmlns:a16="http://schemas.microsoft.com/office/drawing/2014/main" id="{90921A6C-0282-4469-9EE5-5E9DAD93DB26}"/>
+              </a:ext>
+            </a:extLst>
+          </p:cNvPr>
+          <p:cNvGrpSpPr/>
+          <p:nvPr/>
+        </p:nvGrpSpPr>
+        <p:grpSpPr>
+          <a:xfrm>
+            <a:off x="301525" y="2060847"/>
+            <a:ext cx="8734971" cy="1414272"/>
+            <a:chOff x="301525" y="2060847"/>
+            <a:chExt cx="8734971" cy="1414272"/>
+          </a:xfrm>
+        </p:grpSpPr>
+        <p:sp>
+          <p:nvSpPr>
+            <p:cNvPr id="64" name="テキスト ボックス 63"/>
+            <p:cNvSpPr txBox="1"/>
+            <p:nvPr/>
+          </p:nvSpPr>
+          <p:spPr>
+            <a:xfrm>
+              <a:off x="301525" y="2255912"/>
+              <a:ext cx="1177331" cy="381000"/>
+            </a:xfrm>
+            <a:prstGeom prst="rect">
+              <a:avLst/>
+            </a:prstGeom>
+            <a:noFill/>
+          </p:spPr>
+          <p:txBody>
+            <a:bodyPr wrap="square" rtlCol="0">
+              <a:spAutoFit/>
+            </a:bodyPr>
+            <a:lstStyle/>
+            <a:p>
+              <a:r>
+                <a:rPr lang="en-US" altLang="ja-JP" dirty="0"/>
+                <a:t>IT-2</a:t>
+              </a:r>
+              <a:endParaRPr kumimoji="1" lang="ja-JP" altLang="en-US" dirty="0"/>
+            </a:p>
+          </p:txBody>
+        </p:sp>
+        <p:sp>
+          <p:nvSpPr>
+            <p:cNvPr id="65" name="四角形: 角を丸くする 2"/>
+            <p:cNvSpPr/>
+            <p:nvPr/>
+          </p:nvSpPr>
+          <p:spPr>
+            <a:xfrm>
+              <a:off x="2411760" y="2060847"/>
+              <a:ext cx="4981794" cy="922153"/>
+            </a:xfrm>
+            <a:prstGeom prst="roundRect">
+              <a:avLst/>
+            </a:prstGeom>
+            <a:solidFill>
+              <a:schemeClr val="accent1">
+                <a:lumMod val="60000"/>
+                <a:lumOff val="40000"/>
+              </a:schemeClr>
+            </a:solidFill>
+          </p:spPr>
+          <p:style>
+            <a:lnRef idx="2">
+              <a:schemeClr val="accent1">
+                <a:shade val="50000"/>
+              </a:schemeClr>
+            </a:lnRef>
+            <a:fillRef idx="1">
+              <a:schemeClr val="accent1"/>
+            </a:fillRef>
+            <a:effectRef idx="0">
+              <a:schemeClr val="accent1"/>
+            </a:effectRef>
+            <a:fontRef idx="minor">
+              <a:schemeClr val="lt1"/>
+            </a:fontRef>
+          </p:style>
+          <p:txBody>
+            <a:bodyPr rtlCol="0" anchor="ctr"/>
+            <a:lstStyle/>
+            <a:p>
+              <a:pPr algn="ctr"/>
+              <a:endParaRPr kumimoji="1" lang="ja-JP" altLang="en-US" sz="1400"/>
+            </a:p>
+          </p:txBody>
+        </p:sp>
+        <p:sp>
+          <p:nvSpPr>
+            <p:cNvPr id="68" name="四角形: 角を丸くする 7"/>
+            <p:cNvSpPr/>
+            <p:nvPr/>
+          </p:nvSpPr>
+          <p:spPr>
+            <a:xfrm>
+              <a:off x="3243531" y="2142148"/>
+              <a:ext cx="968429" cy="659378"/>
+            </a:xfrm>
+            <a:prstGeom prst="roundRect">
+              <a:avLst/>
+            </a:prstGeom>
+            <a:solidFill>
+              <a:srgbClr val="FFFF00"/>
+            </a:solidFill>
+          </p:spPr>
+          <p:style>
+            <a:lnRef idx="2">
+              <a:schemeClr val="accent1">
+                <a:shade val="50000"/>
+              </a:schemeClr>
+            </a:lnRef>
+            <a:fillRef idx="1">
+              <a:schemeClr val="accent1"/>
+            </a:fillRef>
+            <a:effectRef idx="0">
+              <a:schemeClr val="accent1"/>
+            </a:effectRef>
+            <a:fontRef idx="minor">
+              <a:schemeClr val="lt1"/>
+            </a:fontRef>
+          </p:style>
+          <p:txBody>
+            <a:bodyPr rtlCol="0" anchor="ctr"/>
+            <a:lstStyle/>
+            <a:p>
+              <a:pPr algn="ctr"/>
+              <a:r>
+                <a:rPr lang="en-US" altLang="ja-JP" sz="1400" dirty="0">
+                  <a:solidFill>
+                    <a:schemeClr val="tx1"/>
+                  </a:solidFill>
+                </a:rPr>
+                <a:t>Planning/Inbound</a:t>
+              </a:r>
+              <a:endParaRPr kumimoji="1" lang="ja-JP" altLang="en-US" sz="1400" dirty="0">
+                <a:solidFill>
+                  <a:schemeClr val="tx1"/>
+                </a:solidFill>
+              </a:endParaRPr>
+            </a:p>
+          </p:txBody>
+        </p:sp>
+        <p:cxnSp>
+          <p:nvCxnSpPr>
+            <p:cNvPr id="70" name="直線矢印コネクタ 69"/>
+            <p:cNvCxnSpPr>
+              <a:cxnSpLocks/>
+              <a:stCxn id="68" idx="3"/>
+              <a:endCxn id="71" idx="1"/>
+            </p:cNvCxnSpPr>
+            <p:nvPr/>
+          </p:nvCxnSpPr>
+          <p:spPr>
+            <a:xfrm>
+              <a:off x="4211960" y="2471837"/>
+              <a:ext cx="288032" cy="11648"/>
+            </a:xfrm>
+            <a:prstGeom prst="straightConnector1">
+              <a:avLst/>
+            </a:prstGeom>
+            <a:ln w="38100">
+              <a:solidFill>
+                <a:schemeClr val="tx1"/>
+              </a:solidFill>
+              <a:tailEnd type="triangle"/>
+            </a:ln>
+          </p:spPr>
+          <p:style>
+            <a:lnRef idx="1">
+              <a:schemeClr val="accent1"/>
+            </a:lnRef>
+            <a:fillRef idx="0">
+              <a:schemeClr val="accent1"/>
+            </a:fillRef>
+            <a:effectRef idx="0">
+              <a:schemeClr val="accent1"/>
+            </a:effectRef>
+            <a:fontRef idx="minor">
+              <a:schemeClr val="tx1"/>
+            </a:fontRef>
+          </p:style>
+        </p:cxnSp>
+        <p:sp>
+          <p:nvSpPr>
+            <p:cNvPr id="71" name="四角形: 角を丸くする 52"/>
+            <p:cNvSpPr/>
+            <p:nvPr/>
+          </p:nvSpPr>
+          <p:spPr>
+            <a:xfrm>
+              <a:off x="4499992" y="2292985"/>
+              <a:ext cx="1163091" cy="381000"/>
+            </a:xfrm>
+            <a:prstGeom prst="roundRect">
+              <a:avLst/>
+            </a:prstGeom>
+            <a:solidFill>
+              <a:srgbClr val="FFFF00"/>
+            </a:solidFill>
+          </p:spPr>
+          <p:style>
+            <a:lnRef idx="2">
+              <a:schemeClr val="accent1">
+                <a:shade val="50000"/>
+              </a:schemeClr>
+            </a:lnRef>
+            <a:fillRef idx="1">
+              <a:schemeClr val="accent1"/>
+            </a:fillRef>
+            <a:effectRef idx="0">
+              <a:schemeClr val="accent1"/>
+            </a:effectRef>
+            <a:fontRef idx="minor">
+              <a:schemeClr val="lt1"/>
+            </a:fontRef>
+          </p:style>
+          <p:txBody>
+            <a:bodyPr rtlCol="0" anchor="ctr"/>
+            <a:lstStyle/>
+            <a:p>
+              <a:pPr algn="ctr"/>
+              <a:r>
+                <a:rPr lang="en-US" altLang="ja-JP" sz="1400" dirty="0">
+                  <a:solidFill>
+                    <a:schemeClr val="tx1"/>
+                  </a:solidFill>
+                </a:rPr>
+                <a:t>Verification</a:t>
+              </a:r>
+              <a:endParaRPr kumimoji="1" lang="ja-JP" altLang="en-US" sz="1400" dirty="0">
+                <a:solidFill>
+                  <a:schemeClr val="tx1"/>
+                </a:solidFill>
+              </a:endParaRPr>
+            </a:p>
+          </p:txBody>
+        </p:sp>
+        <p:cxnSp>
+          <p:nvCxnSpPr>
+            <p:cNvPr id="74" name="直線矢印コネクタ 73"/>
+            <p:cNvCxnSpPr>
+              <a:cxnSpLocks/>
+              <a:stCxn id="71" idx="3"/>
+            </p:cNvCxnSpPr>
+            <p:nvPr/>
+          </p:nvCxnSpPr>
+          <p:spPr>
+            <a:xfrm>
+              <a:off x="5663083" y="2483485"/>
+              <a:ext cx="432047" cy="38438"/>
+            </a:xfrm>
+            <a:prstGeom prst="straightConnector1">
+              <a:avLst/>
+            </a:prstGeom>
+            <a:ln w="38100">
+              <a:solidFill>
+                <a:schemeClr val="tx1"/>
+              </a:solidFill>
+              <a:tailEnd type="triangle"/>
+            </a:ln>
+          </p:spPr>
+          <p:style>
+            <a:lnRef idx="1">
+              <a:schemeClr val="accent1"/>
+            </a:lnRef>
+            <a:fillRef idx="0">
+              <a:schemeClr val="accent1"/>
+            </a:fillRef>
+            <a:effectRef idx="0">
+              <a:schemeClr val="accent1"/>
+            </a:effectRef>
+            <a:fontRef idx="minor">
+              <a:schemeClr val="tx1"/>
+            </a:fontRef>
+          </p:style>
+        </p:cxnSp>
+        <p:sp>
+          <p:nvSpPr>
+            <p:cNvPr id="77" name="四角形: 角を丸くする 48"/>
+            <p:cNvSpPr/>
+            <p:nvPr/>
+          </p:nvSpPr>
+          <p:spPr>
+            <a:xfrm>
+              <a:off x="1075726" y="2956583"/>
+              <a:ext cx="1163091" cy="381000"/>
+            </a:xfrm>
+            <a:prstGeom prst="roundRect">
+              <a:avLst/>
+            </a:prstGeom>
+            <a:solidFill>
+              <a:schemeClr val="accent3">
+                <a:lumMod val="50000"/>
+              </a:schemeClr>
+            </a:solidFill>
+            <a:ln>
+              <a:solidFill>
+                <a:schemeClr val="accent3">
+                  <a:lumMod val="50000"/>
+                </a:schemeClr>
+              </a:solidFill>
+            </a:ln>
+          </p:spPr>
+          <p:style>
+            <a:lnRef idx="2">
+              <a:schemeClr val="accent1">
+                <a:shade val="50000"/>
+              </a:schemeClr>
+            </a:lnRef>
+            <a:fillRef idx="1">
+              <a:schemeClr val="accent1"/>
+            </a:fillRef>
+            <a:effectRef idx="0">
+              <a:schemeClr val="accent1"/>
+            </a:effectRef>
+            <a:fontRef idx="minor">
+              <a:schemeClr val="lt1"/>
+            </a:fontRef>
+          </p:style>
+          <p:txBody>
+            <a:bodyPr rtlCol="0" anchor="ctr"/>
+            <a:lstStyle/>
+            <a:p>
+              <a:pPr algn="ctr"/>
+              <a:r>
+                <a:rPr lang="en-US" altLang="ja-JP" sz="1400" dirty="0">
+                  <a:solidFill>
+                    <a:schemeClr val="bg1"/>
+                  </a:solidFill>
+                </a:rPr>
+                <a:t>Community</a:t>
+              </a:r>
+              <a:endParaRPr kumimoji="1" lang="ja-JP" altLang="en-US" sz="1400" dirty="0">
+                <a:solidFill>
+                  <a:schemeClr val="bg1"/>
+                </a:solidFill>
+              </a:endParaRPr>
+            </a:p>
+          </p:txBody>
+        </p:sp>
+        <p:cxnSp>
+          <p:nvCxnSpPr>
+            <p:cNvPr id="78" name="直線矢印コネクタ 77"/>
+            <p:cNvCxnSpPr>
+              <a:cxnSpLocks/>
+              <a:stCxn id="77" idx="0"/>
+              <a:endCxn id="102" idx="2"/>
+            </p:cNvCxnSpPr>
+            <p:nvPr/>
+          </p:nvCxnSpPr>
+          <p:spPr>
+            <a:xfrm flipV="1">
+              <a:off x="1657272" y="2692556"/>
+              <a:ext cx="6211" cy="264027"/>
+            </a:xfrm>
+            <a:prstGeom prst="straightConnector1">
+              <a:avLst/>
+            </a:prstGeom>
+            <a:ln w="38100">
+              <a:solidFill>
+                <a:schemeClr val="tx1"/>
+              </a:solidFill>
+              <a:tailEnd type="triangle"/>
+            </a:ln>
+          </p:spPr>
+          <p:style>
+            <a:lnRef idx="1">
+              <a:schemeClr val="accent1"/>
+            </a:lnRef>
+            <a:fillRef idx="0">
+              <a:schemeClr val="accent1"/>
+            </a:fillRef>
+            <a:effectRef idx="0">
+              <a:schemeClr val="accent1"/>
+            </a:effectRef>
+            <a:fontRef idx="minor">
+              <a:schemeClr val="tx1"/>
+            </a:fontRef>
+          </p:style>
+        </p:cxnSp>
+        <p:sp>
+          <p:nvSpPr>
+            <p:cNvPr id="84" name="四角形: 角を丸くする 9"/>
+            <p:cNvSpPr/>
+            <p:nvPr/>
+          </p:nvSpPr>
+          <p:spPr>
+            <a:xfrm>
+              <a:off x="7873405" y="2132856"/>
+              <a:ext cx="1163091" cy="762000"/>
+            </a:xfrm>
+            <a:prstGeom prst="roundRect">
+              <a:avLst/>
+            </a:prstGeom>
+            <a:solidFill>
+              <a:schemeClr val="accent3">
+                <a:lumMod val="50000"/>
+              </a:schemeClr>
+            </a:solidFill>
+            <a:ln>
+              <a:solidFill>
+                <a:schemeClr val="accent3">
+                  <a:lumMod val="50000"/>
+                </a:schemeClr>
+              </a:solidFill>
+            </a:ln>
+          </p:spPr>
+          <p:style>
+            <a:lnRef idx="2">
+              <a:schemeClr val="accent1">
+                <a:shade val="50000"/>
+              </a:schemeClr>
+            </a:lnRef>
+            <a:fillRef idx="1">
+              <a:schemeClr val="accent1"/>
+            </a:fillRef>
+            <a:effectRef idx="0">
+              <a:schemeClr val="accent1"/>
+            </a:effectRef>
+            <a:fontRef idx="minor">
+              <a:schemeClr val="lt1"/>
+            </a:fontRef>
+          </p:style>
+          <p:txBody>
+            <a:bodyPr rtlCol="0" anchor="ctr"/>
+            <a:lstStyle/>
+            <a:p>
+              <a:pPr algn="ctr"/>
+              <a:r>
+                <a:rPr lang="en-US" altLang="ja-JP" sz="1400" dirty="0">
+                  <a:solidFill>
+                    <a:schemeClr val="bg1"/>
+                  </a:solidFill>
+                </a:rPr>
+                <a:t>Customer</a:t>
+              </a:r>
+              <a:r>
+                <a:rPr lang="ja-JP" altLang="en-US" sz="1400" dirty="0">
+                  <a:solidFill>
+                    <a:schemeClr val="bg1"/>
+                  </a:solidFill>
+                </a:rPr>
+                <a:t> </a:t>
+              </a:r>
+              <a:r>
+                <a:rPr lang="en-US" altLang="ja-JP" sz="1400" dirty="0">
+                  <a:solidFill>
+                    <a:schemeClr val="bg1"/>
+                  </a:solidFill>
+                </a:rPr>
+                <a:t>Company</a:t>
+              </a:r>
+              <a:endParaRPr kumimoji="1" lang="ja-JP" altLang="en-US" sz="1400" dirty="0">
+                <a:solidFill>
+                  <a:schemeClr val="bg1"/>
+                </a:solidFill>
+              </a:endParaRPr>
+            </a:p>
+          </p:txBody>
+        </p:sp>
+        <p:cxnSp>
+          <p:nvCxnSpPr>
+            <p:cNvPr id="85" name="直線矢印コネクタ 84"/>
+            <p:cNvCxnSpPr>
+              <a:cxnSpLocks/>
+              <a:endCxn id="84" idx="1"/>
+            </p:cNvCxnSpPr>
+            <p:nvPr/>
+          </p:nvCxnSpPr>
+          <p:spPr>
+            <a:xfrm>
+              <a:off x="7164288" y="2506752"/>
+              <a:ext cx="709117" cy="7104"/>
+            </a:xfrm>
+            <a:prstGeom prst="straightConnector1">
+              <a:avLst/>
+            </a:prstGeom>
+            <a:ln w="38100">
+              <a:solidFill>
+                <a:schemeClr val="tx1"/>
+              </a:solidFill>
+              <a:tailEnd type="triangle"/>
+            </a:ln>
+          </p:spPr>
+          <p:style>
+            <a:lnRef idx="1">
+              <a:schemeClr val="accent1"/>
+            </a:lnRef>
+            <a:fillRef idx="0">
+              <a:schemeClr val="accent1"/>
+            </a:fillRef>
+            <a:effectRef idx="0">
+              <a:schemeClr val="accent1"/>
+            </a:effectRef>
+            <a:fontRef idx="minor">
+              <a:schemeClr val="tx1"/>
+            </a:fontRef>
+          </p:style>
+        </p:cxnSp>
+        <p:sp>
+          <p:nvSpPr>
+            <p:cNvPr id="102" name="四角形: 角を丸くする 9"/>
+            <p:cNvSpPr/>
+            <p:nvPr/>
+          </p:nvSpPr>
+          <p:spPr>
+            <a:xfrm>
+              <a:off x="1197031" y="2236253"/>
+              <a:ext cx="932904" cy="456303"/>
+            </a:xfrm>
+            <a:prstGeom prst="roundRect">
+              <a:avLst/>
+            </a:prstGeom>
+            <a:solidFill>
+              <a:schemeClr val="accent3">
+                <a:lumMod val="50000"/>
+              </a:schemeClr>
+            </a:solidFill>
+            <a:ln>
+              <a:solidFill>
+                <a:schemeClr val="accent3">
+                  <a:lumMod val="50000"/>
+                </a:schemeClr>
+              </a:solidFill>
+            </a:ln>
+          </p:spPr>
+          <p:style>
+            <a:lnRef idx="2">
+              <a:schemeClr val="accent1">
+                <a:shade val="50000"/>
+              </a:schemeClr>
+            </a:lnRef>
+            <a:fillRef idx="1">
+              <a:schemeClr val="accent1"/>
+            </a:fillRef>
+            <a:effectRef idx="0">
+              <a:schemeClr val="accent1"/>
+            </a:effectRef>
+            <a:fontRef idx="minor">
+              <a:schemeClr val="lt1"/>
+            </a:fontRef>
+          </p:style>
+          <p:txBody>
+            <a:bodyPr rtlCol="0" anchor="ctr"/>
+            <a:lstStyle/>
+            <a:p>
+              <a:pPr algn="ctr"/>
+              <a:r>
+                <a:rPr lang="en-US" altLang="ja-JP" sz="1400" dirty="0">
+                  <a:solidFill>
+                    <a:schemeClr val="bg1"/>
+                  </a:solidFill>
+                </a:rPr>
+                <a:t>ISV</a:t>
+              </a:r>
+            </a:p>
+          </p:txBody>
+        </p:sp>
+        <p:cxnSp>
+          <p:nvCxnSpPr>
+            <p:cNvPr id="103" name="直線矢印コネクタ 102"/>
+            <p:cNvCxnSpPr>
+              <a:cxnSpLocks/>
+              <a:stCxn id="102" idx="3"/>
+              <a:endCxn id="68" idx="1"/>
+            </p:cNvCxnSpPr>
+            <p:nvPr/>
+          </p:nvCxnSpPr>
+          <p:spPr>
+            <a:xfrm>
+              <a:off x="2129935" y="2464405"/>
+              <a:ext cx="1113596" cy="7432"/>
+            </a:xfrm>
+            <a:prstGeom prst="straightConnector1">
+              <a:avLst/>
+            </a:prstGeom>
+            <a:ln w="38100">
+              <a:solidFill>
+                <a:schemeClr val="tx1"/>
+              </a:solidFill>
+              <a:headEnd type="triangle" w="med" len="med"/>
+              <a:tailEnd type="triangle" w="med" len="med"/>
+            </a:ln>
+          </p:spPr>
+          <p:style>
+            <a:lnRef idx="1">
+              <a:schemeClr val="accent1"/>
+            </a:lnRef>
+            <a:fillRef idx="0">
+              <a:schemeClr val="accent1"/>
+            </a:fillRef>
+            <a:effectRef idx="0">
+              <a:schemeClr val="accent1"/>
+            </a:effectRef>
+            <a:fontRef idx="minor">
+              <a:schemeClr val="tx1"/>
+            </a:fontRef>
+          </p:style>
+        </p:cxnSp>
+        <p:sp>
+          <p:nvSpPr>
+            <p:cNvPr id="24" name="テキスト ボックス 23"/>
+            <p:cNvSpPr txBox="1"/>
+            <p:nvPr/>
+          </p:nvSpPr>
+          <p:spPr>
+            <a:xfrm>
+              <a:off x="2437614" y="2182118"/>
+              <a:ext cx="855412" cy="307777"/>
+            </a:xfrm>
+            <a:prstGeom prst="rect">
+              <a:avLst/>
+            </a:prstGeom>
+            <a:noFill/>
+          </p:spPr>
+          <p:txBody>
+            <a:bodyPr wrap="square" rtlCol="0">
+              <a:spAutoFit/>
+            </a:bodyPr>
+            <a:lstStyle/>
+            <a:p>
+              <a:r>
+                <a:rPr kumimoji="1" lang="en-US" altLang="ja-JP" sz="1400" dirty="0"/>
+                <a:t>Contract</a:t>
+              </a:r>
+              <a:endParaRPr kumimoji="1" lang="ja-JP" altLang="en-US" sz="1400" dirty="0"/>
+            </a:p>
+          </p:txBody>
+        </p:sp>
+        <p:sp>
+          <p:nvSpPr>
+            <p:cNvPr id="138" name="テキスト ボックス 137"/>
+            <p:cNvSpPr txBox="1"/>
+            <p:nvPr/>
+          </p:nvSpPr>
+          <p:spPr>
+            <a:xfrm>
+              <a:off x="7363933" y="2175708"/>
+              <a:ext cx="439544" cy="307777"/>
+            </a:xfrm>
+            <a:prstGeom prst="rect">
+              <a:avLst/>
+            </a:prstGeom>
+            <a:noFill/>
+          </p:spPr>
+          <p:txBody>
+            <a:bodyPr wrap="none" rtlCol="0">
+              <a:spAutoFit/>
+            </a:bodyPr>
+            <a:lstStyle/>
+            <a:p>
+              <a:r>
+                <a:rPr lang="en-US" altLang="ja-JP" sz="1400" dirty="0"/>
+                <a:t>Sell</a:t>
+              </a:r>
+              <a:endParaRPr kumimoji="1" lang="ja-JP" altLang="en-US" sz="1400" dirty="0"/>
+            </a:p>
+          </p:txBody>
+        </p:sp>
+        <p:sp>
+          <p:nvSpPr>
+            <p:cNvPr id="140" name="テキスト ボックス 139"/>
+            <p:cNvSpPr txBox="1"/>
+            <p:nvPr/>
+          </p:nvSpPr>
+          <p:spPr>
+            <a:xfrm>
+              <a:off x="2498971" y="2489895"/>
+              <a:ext cx="673582" cy="307777"/>
+            </a:xfrm>
+            <a:prstGeom prst="rect">
+              <a:avLst/>
+            </a:prstGeom>
+            <a:noFill/>
+          </p:spPr>
+          <p:txBody>
+            <a:bodyPr wrap="none" rtlCol="0">
+              <a:spAutoFit/>
+            </a:bodyPr>
+            <a:lstStyle/>
+            <a:p>
+              <a:r>
+                <a:rPr lang="en-US" altLang="ja-JP" sz="1400" dirty="0"/>
+                <a:t>Supply</a:t>
+              </a:r>
+              <a:endParaRPr kumimoji="1" lang="ja-JP" altLang="en-US" sz="1400" dirty="0"/>
+            </a:p>
+          </p:txBody>
+        </p:sp>
+        <p:sp>
+          <p:nvSpPr>
+            <p:cNvPr id="164" name="四角形: 角を丸くする 52"/>
+            <p:cNvSpPr/>
+            <p:nvPr/>
+          </p:nvSpPr>
+          <p:spPr>
+            <a:xfrm>
+              <a:off x="6084168" y="2132856"/>
+              <a:ext cx="1163091" cy="381000"/>
+            </a:xfrm>
+            <a:prstGeom prst="roundRect">
+              <a:avLst/>
+            </a:prstGeom>
+            <a:solidFill>
+              <a:srgbClr val="FFFF00"/>
+            </a:solidFill>
+          </p:spPr>
+          <p:style>
+            <a:lnRef idx="2">
+              <a:schemeClr val="accent1">
+                <a:shade val="50000"/>
+              </a:schemeClr>
+            </a:lnRef>
+            <a:fillRef idx="1">
+              <a:schemeClr val="accent1"/>
+            </a:fillRef>
+            <a:effectRef idx="0">
+              <a:schemeClr val="accent1"/>
+            </a:effectRef>
+            <a:fontRef idx="minor">
+              <a:schemeClr val="lt1"/>
+            </a:fontRef>
+          </p:style>
+          <p:txBody>
+            <a:bodyPr rtlCol="0" anchor="ctr"/>
+            <a:lstStyle/>
+            <a:p>
+              <a:pPr algn="ctr"/>
+              <a:r>
+                <a:rPr kumimoji="1" lang="en-US" altLang="ja-JP" sz="1400" dirty="0">
+                  <a:solidFill>
+                    <a:schemeClr val="tx1"/>
+                  </a:solidFill>
+                </a:rPr>
+                <a:t>Release</a:t>
+              </a:r>
+              <a:endParaRPr kumimoji="1" lang="ja-JP" altLang="en-US" sz="1400" dirty="0">
+                <a:solidFill>
+                  <a:schemeClr val="tx1"/>
+                </a:solidFill>
+              </a:endParaRPr>
+            </a:p>
+          </p:txBody>
+        </p:sp>
+        <p:sp>
+          <p:nvSpPr>
+            <p:cNvPr id="165" name="四角形: 角を丸くする 52"/>
+            <p:cNvSpPr/>
+            <p:nvPr/>
+          </p:nvSpPr>
+          <p:spPr>
+            <a:xfrm>
+              <a:off x="6084168" y="2513856"/>
+              <a:ext cx="1163091" cy="381000"/>
+            </a:xfrm>
+            <a:prstGeom prst="roundRect">
+              <a:avLst/>
+            </a:prstGeom>
+            <a:solidFill>
+              <a:srgbClr val="FFFF00"/>
+            </a:solidFill>
+          </p:spPr>
+          <p:style>
+            <a:lnRef idx="2">
+              <a:schemeClr val="accent1">
+                <a:shade val="50000"/>
+              </a:schemeClr>
+            </a:lnRef>
+            <a:fillRef idx="1">
+              <a:schemeClr val="accent1"/>
+            </a:fillRef>
+            <a:effectRef idx="0">
+              <a:schemeClr val="accent1"/>
+            </a:effectRef>
+            <a:fontRef idx="minor">
+              <a:schemeClr val="lt1"/>
+            </a:fontRef>
+          </p:style>
+          <p:txBody>
+            <a:bodyPr rtlCol="0" anchor="ctr"/>
+            <a:lstStyle/>
+            <a:p>
+              <a:pPr algn="ctr"/>
+              <a:r>
+                <a:rPr kumimoji="1" lang="en-US" altLang="ja-JP" sz="1400" dirty="0">
+                  <a:solidFill>
+                    <a:schemeClr val="tx1"/>
+                  </a:solidFill>
+                </a:rPr>
+                <a:t>Support</a:t>
+              </a:r>
+              <a:endParaRPr kumimoji="1" lang="ja-JP" altLang="en-US" sz="1400" dirty="0">
+                <a:solidFill>
+                  <a:schemeClr val="tx1"/>
+                </a:solidFill>
+              </a:endParaRPr>
+            </a:p>
+          </p:txBody>
+        </p:sp>
+        <p:sp>
+          <p:nvSpPr>
+            <p:cNvPr id="72" name="テキスト ボックス 71">
+              <a:extLst>
+                <a:ext uri="{FF2B5EF4-FFF2-40B4-BE49-F238E27FC236}">
+                  <a16:creationId xmlns:a16="http://schemas.microsoft.com/office/drawing/2014/main" id="{489BD1CF-0933-4C76-BC6B-8C1BD0A22F65}"/>
+                </a:ext>
+              </a:extLst>
+            </p:cNvPr>
+            <p:cNvSpPr txBox="1"/>
+            <p:nvPr/>
+          </p:nvSpPr>
+          <p:spPr>
+            <a:xfrm>
+              <a:off x="2224588" y="2951899"/>
+              <a:ext cx="1043876" cy="523220"/>
+            </a:xfrm>
+            <a:prstGeom prst="rect">
+              <a:avLst/>
+            </a:prstGeom>
+            <a:noFill/>
+          </p:spPr>
+          <p:txBody>
+            <a:bodyPr wrap="none" rtlCol="0">
+              <a:spAutoFit/>
+            </a:bodyPr>
+            <a:lstStyle/>
+            <a:p>
+              <a:r>
+                <a:rPr kumimoji="1" lang="en-US" altLang="ja-JP" sz="1400" dirty="0"/>
+                <a:t>OSS +</a:t>
+              </a:r>
+            </a:p>
+            <a:p>
+              <a:r>
+                <a:rPr kumimoji="1" lang="en-US" altLang="ja-JP" sz="1400" dirty="0"/>
+                <a:t>OSS</a:t>
+              </a:r>
+              <a:r>
+                <a:rPr kumimoji="1" lang="ja-JP" altLang="en-US" sz="1400" dirty="0"/>
+                <a:t> </a:t>
+              </a:r>
+              <a:r>
+                <a:rPr kumimoji="1" lang="en-US" altLang="ja-JP" sz="1400" dirty="0"/>
+                <a:t>License</a:t>
+              </a:r>
+              <a:endParaRPr kumimoji="1" lang="ja-JP" altLang="en-US" sz="1400" dirty="0"/>
+            </a:p>
+          </p:txBody>
+        </p:sp>
+      </p:grpSp>
+      <p:grpSp>
+        <p:nvGrpSpPr>
+          <p:cNvPr id="15" name="グループ化 14">
+            <a:extLst>
+              <a:ext uri="{FF2B5EF4-FFF2-40B4-BE49-F238E27FC236}">
+                <a16:creationId xmlns:a16="http://schemas.microsoft.com/office/drawing/2014/main" id="{31FB021D-61F8-4D0C-A2C2-8CE6D4BB6139}"/>
+              </a:ext>
+            </a:extLst>
+          </p:cNvPr>
+          <p:cNvGrpSpPr/>
+          <p:nvPr/>
+        </p:nvGrpSpPr>
+        <p:grpSpPr>
+          <a:xfrm>
+            <a:off x="251521" y="4916611"/>
+            <a:ext cx="8733050" cy="1557685"/>
+            <a:chOff x="251521" y="4916611"/>
+            <a:chExt cx="8733050" cy="1557685"/>
+          </a:xfrm>
+        </p:grpSpPr>
+        <p:sp>
+          <p:nvSpPr>
+            <p:cNvPr id="109" name="テキスト ボックス 108"/>
+            <p:cNvSpPr txBox="1"/>
+            <p:nvPr/>
+          </p:nvSpPr>
+          <p:spPr>
+            <a:xfrm>
+              <a:off x="251521" y="5301208"/>
+              <a:ext cx="1227336" cy="381000"/>
+            </a:xfrm>
+            <a:prstGeom prst="rect">
+              <a:avLst/>
+            </a:prstGeom>
+            <a:noFill/>
+          </p:spPr>
+          <p:txBody>
+            <a:bodyPr wrap="square" rtlCol="0">
+              <a:spAutoFit/>
+            </a:bodyPr>
+            <a:lstStyle/>
+            <a:p>
+              <a:r>
+                <a:rPr lang="en-US" altLang="ja-JP" dirty="0"/>
+                <a:t>IT-4</a:t>
+              </a:r>
+              <a:endParaRPr kumimoji="1" lang="ja-JP" altLang="en-US" dirty="0"/>
+            </a:p>
+          </p:txBody>
+        </p:sp>
+        <p:sp>
+          <p:nvSpPr>
+            <p:cNvPr id="122" name="四角形: 角を丸くする 2"/>
+            <p:cNvSpPr/>
+            <p:nvPr/>
+          </p:nvSpPr>
+          <p:spPr>
+            <a:xfrm>
+              <a:off x="3124200" y="4941168"/>
+              <a:ext cx="3619004" cy="741040"/>
+            </a:xfrm>
+            <a:prstGeom prst="roundRect">
+              <a:avLst/>
+            </a:prstGeom>
+            <a:solidFill>
+              <a:schemeClr val="accent1">
+                <a:lumMod val="60000"/>
+                <a:lumOff val="40000"/>
+              </a:schemeClr>
+            </a:solidFill>
+          </p:spPr>
+          <p:style>
+            <a:lnRef idx="2">
+              <a:schemeClr val="accent1">
+                <a:shade val="50000"/>
+              </a:schemeClr>
+            </a:lnRef>
+            <a:fillRef idx="1">
+              <a:schemeClr val="accent1"/>
+            </a:fillRef>
+            <a:effectRef idx="0">
+              <a:schemeClr val="accent1"/>
+            </a:effectRef>
+            <a:fontRef idx="minor">
+              <a:schemeClr val="lt1"/>
+            </a:fontRef>
+          </p:style>
+          <p:txBody>
+            <a:bodyPr rtlCol="0" anchor="ctr"/>
+            <a:lstStyle/>
+            <a:p>
+              <a:pPr algn="ctr"/>
+              <a:endParaRPr kumimoji="1" lang="ja-JP" altLang="en-US" sz="1400"/>
+            </a:p>
+          </p:txBody>
+        </p:sp>
+        <p:sp>
+          <p:nvSpPr>
+            <p:cNvPr id="123" name="四角形: 角を丸くする 52"/>
+            <p:cNvSpPr/>
+            <p:nvPr/>
+          </p:nvSpPr>
+          <p:spPr>
+            <a:xfrm>
+              <a:off x="4427984" y="5013175"/>
+              <a:ext cx="1729679" cy="592909"/>
+            </a:xfrm>
+            <a:prstGeom prst="roundRect">
+              <a:avLst/>
+            </a:prstGeom>
+            <a:solidFill>
+              <a:srgbClr val="FFFF00"/>
+            </a:solidFill>
+          </p:spPr>
+          <p:style>
+            <a:lnRef idx="2">
+              <a:schemeClr val="accent1">
+                <a:shade val="50000"/>
+              </a:schemeClr>
+            </a:lnRef>
+            <a:fillRef idx="1">
+              <a:schemeClr val="accent1"/>
+            </a:fillRef>
+            <a:effectRef idx="0">
+              <a:schemeClr val="accent1"/>
+            </a:effectRef>
+            <a:fontRef idx="minor">
+              <a:schemeClr val="lt1"/>
+            </a:fontRef>
+          </p:style>
+          <p:txBody>
+            <a:bodyPr rtlCol="0" anchor="ctr"/>
+            <a:lstStyle/>
+            <a:p>
+              <a:pPr algn="ctr"/>
+              <a:r>
+                <a:rPr kumimoji="1" lang="en-US" altLang="ja-JP" sz="1400" dirty="0">
+                  <a:solidFill>
+                    <a:schemeClr val="tx1"/>
+                  </a:solidFill>
+                </a:rPr>
+                <a:t>Inbound/</a:t>
+              </a:r>
+              <a:r>
+                <a:rPr kumimoji="1" lang="en-US" altLang="ja-JP" sz="1400" dirty="0" err="1">
+                  <a:solidFill>
+                    <a:schemeClr val="tx1"/>
+                  </a:solidFill>
+                </a:rPr>
+                <a:t>verificaiton</a:t>
+              </a:r>
+              <a:r>
+                <a:rPr kumimoji="1" lang="en-US" altLang="ja-JP" sz="1400" dirty="0">
+                  <a:solidFill>
+                    <a:schemeClr val="tx1"/>
+                  </a:solidFill>
+                </a:rPr>
+                <a:t>/release</a:t>
+              </a:r>
+              <a:endParaRPr kumimoji="1" lang="ja-JP" altLang="en-US" sz="1400" dirty="0">
+                <a:solidFill>
+                  <a:schemeClr val="tx1"/>
+                </a:solidFill>
+              </a:endParaRPr>
+            </a:p>
+          </p:txBody>
+        </p:sp>
+        <p:sp>
+          <p:nvSpPr>
+            <p:cNvPr id="124" name="四角形: 角を丸くする 48"/>
+            <p:cNvSpPr/>
+            <p:nvPr/>
+          </p:nvSpPr>
+          <p:spPr>
+            <a:xfrm>
+              <a:off x="1157935" y="5885504"/>
+              <a:ext cx="1163091" cy="381000"/>
+            </a:xfrm>
+            <a:prstGeom prst="roundRect">
+              <a:avLst/>
+            </a:prstGeom>
+            <a:solidFill>
+              <a:schemeClr val="accent3">
+                <a:lumMod val="50000"/>
+              </a:schemeClr>
+            </a:solidFill>
+            <a:ln>
+              <a:solidFill>
+                <a:schemeClr val="accent3">
+                  <a:lumMod val="50000"/>
+                </a:schemeClr>
+              </a:solidFill>
+            </a:ln>
+          </p:spPr>
+          <p:style>
+            <a:lnRef idx="2">
+              <a:schemeClr val="accent1">
+                <a:shade val="50000"/>
+              </a:schemeClr>
+            </a:lnRef>
+            <a:fillRef idx="1">
+              <a:schemeClr val="accent1"/>
+            </a:fillRef>
+            <a:effectRef idx="0">
+              <a:schemeClr val="accent1"/>
+            </a:effectRef>
+            <a:fontRef idx="minor">
+              <a:schemeClr val="lt1"/>
+            </a:fontRef>
+          </p:style>
+          <p:txBody>
+            <a:bodyPr rtlCol="0" anchor="ctr"/>
+            <a:lstStyle/>
+            <a:p>
+              <a:pPr algn="ctr"/>
+              <a:r>
+                <a:rPr lang="en-US" altLang="ja-JP" sz="1400" dirty="0">
+                  <a:solidFill>
+                    <a:schemeClr val="bg1"/>
+                  </a:solidFill>
+                </a:rPr>
+                <a:t>Community</a:t>
+              </a:r>
+              <a:endParaRPr kumimoji="1" lang="ja-JP" altLang="en-US" sz="1400" dirty="0">
+                <a:solidFill>
+                  <a:schemeClr val="bg1"/>
+                </a:solidFill>
+              </a:endParaRPr>
+            </a:p>
+          </p:txBody>
+        </p:sp>
+        <p:cxnSp>
+          <p:nvCxnSpPr>
+            <p:cNvPr id="125" name="直線矢印コネクタ 124"/>
+            <p:cNvCxnSpPr>
+              <a:cxnSpLocks/>
+              <a:stCxn id="124" idx="0"/>
+              <a:endCxn id="128" idx="2"/>
+            </p:cNvCxnSpPr>
+            <p:nvPr/>
+          </p:nvCxnSpPr>
+          <p:spPr>
+            <a:xfrm flipH="1" flipV="1">
+              <a:off x="1738341" y="5550319"/>
+              <a:ext cx="1140" cy="335185"/>
+            </a:xfrm>
+            <a:prstGeom prst="straightConnector1">
+              <a:avLst/>
+            </a:prstGeom>
+            <a:ln w="38100">
+              <a:solidFill>
+                <a:schemeClr val="tx1"/>
+              </a:solidFill>
+              <a:tailEnd type="triangle"/>
+            </a:ln>
+          </p:spPr>
+          <p:style>
+            <a:lnRef idx="1">
+              <a:schemeClr val="accent1"/>
+            </a:lnRef>
+            <a:fillRef idx="0">
+              <a:schemeClr val="accent1"/>
+            </a:fillRef>
+            <a:effectRef idx="0">
+              <a:schemeClr val="accent1"/>
+            </a:effectRef>
+            <a:fontRef idx="minor">
+              <a:schemeClr val="tx1"/>
+            </a:fontRef>
+          </p:style>
+        </p:cxnSp>
+        <p:cxnSp>
+          <p:nvCxnSpPr>
+            <p:cNvPr id="127" name="直線矢印コネクタ 126"/>
+            <p:cNvCxnSpPr>
+              <a:cxnSpLocks/>
+              <a:stCxn id="123" idx="3"/>
+              <a:endCxn id="134" idx="1"/>
+            </p:cNvCxnSpPr>
+            <p:nvPr/>
+          </p:nvCxnSpPr>
+          <p:spPr>
+            <a:xfrm flipV="1">
+              <a:off x="6157663" y="5309629"/>
+              <a:ext cx="1663817" cy="1"/>
+            </a:xfrm>
+            <a:prstGeom prst="straightConnector1">
+              <a:avLst/>
+            </a:prstGeom>
+            <a:ln w="38100">
+              <a:solidFill>
+                <a:schemeClr val="tx1"/>
+              </a:solidFill>
+              <a:headEnd type="none" w="med" len="med"/>
+              <a:tailEnd type="triangle" w="med" len="med"/>
+            </a:ln>
+          </p:spPr>
+          <p:style>
+            <a:lnRef idx="1">
+              <a:schemeClr val="accent1"/>
+            </a:lnRef>
+            <a:fillRef idx="0">
+              <a:schemeClr val="accent1"/>
+            </a:fillRef>
+            <a:effectRef idx="0">
+              <a:schemeClr val="accent1"/>
+            </a:effectRef>
+            <a:fontRef idx="minor">
+              <a:schemeClr val="tx1"/>
+            </a:fontRef>
+          </p:style>
+        </p:cxnSp>
+        <p:sp>
+          <p:nvSpPr>
+            <p:cNvPr id="128" name="四角形: 角を丸くする 9"/>
+            <p:cNvSpPr/>
+            <p:nvPr/>
+          </p:nvSpPr>
+          <p:spPr>
+            <a:xfrm>
+              <a:off x="1155655" y="5094016"/>
+              <a:ext cx="1165371" cy="456303"/>
+            </a:xfrm>
+            <a:prstGeom prst="roundRect">
+              <a:avLst/>
+            </a:prstGeom>
+            <a:solidFill>
+              <a:schemeClr val="accent3">
+                <a:lumMod val="50000"/>
+              </a:schemeClr>
+            </a:solidFill>
+            <a:ln>
+              <a:solidFill>
+                <a:schemeClr val="accent3">
+                  <a:lumMod val="50000"/>
+                </a:schemeClr>
+              </a:solidFill>
+            </a:ln>
+          </p:spPr>
+          <p:style>
+            <a:lnRef idx="2">
+              <a:schemeClr val="accent1">
+                <a:shade val="50000"/>
+              </a:schemeClr>
+            </a:lnRef>
+            <a:fillRef idx="1">
+              <a:schemeClr val="accent1"/>
+            </a:fillRef>
+            <a:effectRef idx="0">
+              <a:schemeClr val="accent1"/>
+            </a:effectRef>
+            <a:fontRef idx="minor">
+              <a:schemeClr val="lt1"/>
+            </a:fontRef>
+          </p:style>
+          <p:txBody>
+            <a:bodyPr rtlCol="0" anchor="ctr"/>
+            <a:lstStyle/>
+            <a:p>
+              <a:pPr algn="ctr"/>
+              <a:r>
+                <a:rPr lang="en-US" altLang="ja-JP" sz="1400" dirty="0">
+                  <a:solidFill>
+                    <a:schemeClr val="bg1"/>
+                  </a:solidFill>
+                </a:rPr>
+                <a:t>Hardware</a:t>
+              </a:r>
+              <a:r>
+                <a:rPr lang="ja-JP" altLang="en-US" sz="1400" dirty="0">
+                  <a:solidFill>
+                    <a:schemeClr val="bg1"/>
+                  </a:solidFill>
+                </a:rPr>
+                <a:t> </a:t>
+              </a:r>
+              <a:r>
+                <a:rPr lang="en-US" altLang="ja-JP" sz="1400" dirty="0">
+                  <a:solidFill>
+                    <a:schemeClr val="bg1"/>
+                  </a:solidFill>
+                </a:rPr>
+                <a:t>Vendor</a:t>
+              </a:r>
+            </a:p>
+          </p:txBody>
+        </p:sp>
+        <p:cxnSp>
+          <p:nvCxnSpPr>
+            <p:cNvPr id="129" name="直線矢印コネクタ 128"/>
+            <p:cNvCxnSpPr>
+              <a:cxnSpLocks/>
+              <a:stCxn id="128" idx="3"/>
+              <a:endCxn id="123" idx="1"/>
+            </p:cNvCxnSpPr>
+            <p:nvPr/>
+          </p:nvCxnSpPr>
+          <p:spPr>
+            <a:xfrm flipV="1">
+              <a:off x="2321026" y="5309630"/>
+              <a:ext cx="2106958" cy="12538"/>
+            </a:xfrm>
+            <a:prstGeom prst="straightConnector1">
+              <a:avLst/>
+            </a:prstGeom>
+            <a:ln w="38100">
+              <a:solidFill>
+                <a:schemeClr val="tx1"/>
+              </a:solidFill>
+              <a:headEnd type="none" w="med" len="med"/>
+              <a:tailEnd type="triangle" w="med" len="med"/>
+            </a:ln>
+          </p:spPr>
+          <p:style>
+            <a:lnRef idx="1">
+              <a:schemeClr val="accent1"/>
+            </a:lnRef>
+            <a:fillRef idx="0">
+              <a:schemeClr val="accent1"/>
+            </a:fillRef>
+            <a:effectRef idx="0">
+              <a:schemeClr val="accent1"/>
+            </a:effectRef>
+            <a:fontRef idx="minor">
+              <a:schemeClr val="tx1"/>
+            </a:fontRef>
+          </p:style>
+        </p:cxnSp>
+        <p:sp>
+          <p:nvSpPr>
+            <p:cNvPr id="130" name="テキスト ボックス 129"/>
+            <p:cNvSpPr txBox="1"/>
+            <p:nvPr/>
+          </p:nvSpPr>
+          <p:spPr>
+            <a:xfrm>
+              <a:off x="3363073" y="5014391"/>
+              <a:ext cx="848887" cy="307777"/>
+            </a:xfrm>
+            <a:prstGeom prst="rect">
+              <a:avLst/>
+            </a:prstGeom>
+            <a:noFill/>
+          </p:spPr>
+          <p:txBody>
+            <a:bodyPr wrap="none" rtlCol="0">
+              <a:spAutoFit/>
+            </a:bodyPr>
+            <a:lstStyle/>
+            <a:p>
+              <a:r>
+                <a:rPr kumimoji="1" lang="en-US" altLang="ja-JP" sz="1400" dirty="0"/>
+                <a:t>Purchase</a:t>
+              </a:r>
+              <a:endParaRPr kumimoji="1" lang="ja-JP" altLang="en-US" sz="1400" dirty="0"/>
+            </a:p>
+          </p:txBody>
+        </p:sp>
+        <p:sp>
+          <p:nvSpPr>
+            <p:cNvPr id="134" name="四角形: 角を丸くする 9"/>
+            <p:cNvSpPr/>
+            <p:nvPr/>
+          </p:nvSpPr>
+          <p:spPr>
+            <a:xfrm>
+              <a:off x="7821480" y="4979782"/>
+              <a:ext cx="1163091" cy="659694"/>
+            </a:xfrm>
+            <a:prstGeom prst="roundRect">
+              <a:avLst/>
+            </a:prstGeom>
+            <a:solidFill>
+              <a:schemeClr val="accent3">
+                <a:lumMod val="50000"/>
+              </a:schemeClr>
+            </a:solidFill>
+            <a:ln>
+              <a:solidFill>
+                <a:schemeClr val="accent3">
+                  <a:lumMod val="50000"/>
+                </a:schemeClr>
+              </a:solidFill>
+            </a:ln>
+          </p:spPr>
+          <p:style>
+            <a:lnRef idx="2">
+              <a:schemeClr val="accent1">
+                <a:shade val="50000"/>
+              </a:schemeClr>
+            </a:lnRef>
+            <a:fillRef idx="1">
+              <a:schemeClr val="accent1"/>
+            </a:fillRef>
+            <a:effectRef idx="0">
+              <a:schemeClr val="accent1"/>
+            </a:effectRef>
+            <a:fontRef idx="minor">
+              <a:schemeClr val="lt1"/>
+            </a:fontRef>
+          </p:style>
+          <p:txBody>
+            <a:bodyPr rtlCol="0" anchor="ctr"/>
+            <a:lstStyle/>
+            <a:p>
+              <a:pPr algn="ctr"/>
+              <a:r>
+                <a:rPr lang="en-US" altLang="ja-JP" sz="1400" dirty="0">
+                  <a:solidFill>
+                    <a:schemeClr val="bg1"/>
+                  </a:solidFill>
+                </a:rPr>
+                <a:t>Customer</a:t>
+              </a:r>
+              <a:r>
+                <a:rPr lang="ja-JP" altLang="en-US" sz="1400" dirty="0">
+                  <a:solidFill>
+                    <a:schemeClr val="bg1"/>
+                  </a:solidFill>
+                </a:rPr>
+                <a:t> </a:t>
+              </a:r>
+              <a:r>
+                <a:rPr lang="en-US" altLang="ja-JP" sz="1400" dirty="0">
+                  <a:solidFill>
+                    <a:schemeClr val="bg1"/>
+                  </a:solidFill>
+                </a:rPr>
+                <a:t>Company</a:t>
+              </a:r>
+              <a:endParaRPr kumimoji="1" lang="ja-JP" altLang="en-US" sz="1400" dirty="0">
+                <a:solidFill>
+                  <a:schemeClr val="bg1"/>
+                </a:solidFill>
+              </a:endParaRPr>
+            </a:p>
+          </p:txBody>
+        </p:sp>
+        <p:sp>
+          <p:nvSpPr>
+            <p:cNvPr id="146" name="四角形: 角を丸くする 2"/>
+            <p:cNvSpPr/>
+            <p:nvPr/>
+          </p:nvSpPr>
+          <p:spPr>
+            <a:xfrm>
+              <a:off x="3124200" y="5733256"/>
+              <a:ext cx="3598790" cy="741040"/>
+            </a:xfrm>
+            <a:prstGeom prst="roundRect">
+              <a:avLst/>
+            </a:prstGeom>
+            <a:solidFill>
+              <a:schemeClr val="accent1">
+                <a:lumMod val="60000"/>
+                <a:lumOff val="40000"/>
+              </a:schemeClr>
+            </a:solidFill>
+          </p:spPr>
+          <p:style>
+            <a:lnRef idx="2">
+              <a:schemeClr val="accent1">
+                <a:shade val="50000"/>
+              </a:schemeClr>
+            </a:lnRef>
+            <a:fillRef idx="1">
+              <a:schemeClr val="accent1"/>
+            </a:fillRef>
+            <a:effectRef idx="0">
+              <a:schemeClr val="accent1"/>
+            </a:effectRef>
+            <a:fontRef idx="minor">
+              <a:schemeClr val="lt1"/>
+            </a:fontRef>
+          </p:style>
+          <p:txBody>
+            <a:bodyPr rtlCol="0" anchor="ctr"/>
+            <a:lstStyle/>
+            <a:p>
+              <a:pPr algn="ctr"/>
+              <a:endParaRPr kumimoji="1" lang="ja-JP" altLang="en-US" sz="1400"/>
+            </a:p>
+          </p:txBody>
+        </p:sp>
+        <p:sp>
+          <p:nvSpPr>
+            <p:cNvPr id="147" name="四角形: 角を丸くする 52"/>
+            <p:cNvSpPr/>
+            <p:nvPr/>
+          </p:nvSpPr>
+          <p:spPr>
+            <a:xfrm>
+              <a:off x="4506647" y="5817339"/>
+              <a:ext cx="2087058" cy="516131"/>
+            </a:xfrm>
+            <a:prstGeom prst="roundRect">
+              <a:avLst/>
+            </a:prstGeom>
+            <a:solidFill>
+              <a:srgbClr val="FFFF00"/>
+            </a:solidFill>
+          </p:spPr>
+          <p:style>
+            <a:lnRef idx="2">
+              <a:schemeClr val="accent1">
+                <a:shade val="50000"/>
+              </a:schemeClr>
+            </a:lnRef>
+            <a:fillRef idx="1">
+              <a:schemeClr val="accent1"/>
+            </a:fillRef>
+            <a:effectRef idx="0">
+              <a:schemeClr val="accent1"/>
+            </a:effectRef>
+            <a:fontRef idx="minor">
+              <a:schemeClr val="lt1"/>
+            </a:fontRef>
+          </p:style>
+          <p:txBody>
+            <a:bodyPr rtlCol="0" anchor="ctr"/>
+            <a:lstStyle/>
+            <a:p>
+              <a:pPr algn="ctr"/>
+              <a:r>
+                <a:rPr lang="en-US" altLang="ja-JP" sz="1400" dirty="0">
+                  <a:solidFill>
+                    <a:schemeClr val="tx1"/>
+                  </a:solidFill>
+                </a:rPr>
+                <a:t>Planning</a:t>
+              </a:r>
+            </a:p>
+            <a:p>
+              <a:pPr algn="ctr"/>
+              <a:r>
+                <a:rPr lang="en-US" altLang="ja-JP" sz="1400" dirty="0">
+                  <a:solidFill>
+                    <a:schemeClr val="tx1"/>
+                  </a:solidFill>
+                </a:rPr>
+                <a:t>Inbound/ release</a:t>
+              </a:r>
+            </a:p>
+          </p:txBody>
+        </p:sp>
+        <p:sp>
+          <p:nvSpPr>
+            <p:cNvPr id="148" name="テキスト ボックス 147"/>
+            <p:cNvSpPr txBox="1"/>
+            <p:nvPr/>
+          </p:nvSpPr>
+          <p:spPr>
+            <a:xfrm>
+              <a:off x="3635896" y="6011996"/>
+              <a:ext cx="721672" cy="307777"/>
+            </a:xfrm>
+            <a:prstGeom prst="rect">
+              <a:avLst/>
+            </a:prstGeom>
+            <a:noFill/>
+          </p:spPr>
+          <p:txBody>
+            <a:bodyPr wrap="none" rtlCol="0">
+              <a:spAutoFit/>
+            </a:bodyPr>
+            <a:lstStyle/>
+            <a:p>
+              <a:r>
+                <a:rPr kumimoji="1" lang="en-US" altLang="ja-JP" sz="1400" dirty="0"/>
+                <a:t>License</a:t>
+              </a:r>
+              <a:endParaRPr kumimoji="1" lang="ja-JP" altLang="en-US" sz="1400" dirty="0"/>
+            </a:p>
+          </p:txBody>
+        </p:sp>
+        <p:sp>
+          <p:nvSpPr>
+            <p:cNvPr id="149" name="テキスト ボックス 148"/>
+            <p:cNvSpPr txBox="1"/>
+            <p:nvPr/>
+          </p:nvSpPr>
+          <p:spPr>
+            <a:xfrm>
+              <a:off x="6739701" y="4916611"/>
+              <a:ext cx="439544" cy="307777"/>
+            </a:xfrm>
+            <a:prstGeom prst="rect">
+              <a:avLst/>
+            </a:prstGeom>
+            <a:noFill/>
+          </p:spPr>
+          <p:txBody>
+            <a:bodyPr wrap="none" rtlCol="0">
+              <a:spAutoFit/>
+            </a:bodyPr>
+            <a:lstStyle/>
+            <a:p>
+              <a:r>
+                <a:rPr lang="en-US" altLang="ja-JP" sz="1400" dirty="0"/>
+                <a:t>Sell</a:t>
+              </a:r>
+              <a:endParaRPr kumimoji="1" lang="ja-JP" altLang="en-US" sz="1400" dirty="0"/>
+            </a:p>
+          </p:txBody>
+        </p:sp>
+        <p:cxnSp>
+          <p:nvCxnSpPr>
+            <p:cNvPr id="150" name="直線矢印コネクタ 149"/>
+            <p:cNvCxnSpPr>
+              <a:cxnSpLocks/>
+              <a:stCxn id="128" idx="3"/>
+              <a:endCxn id="147" idx="1"/>
+            </p:cNvCxnSpPr>
+            <p:nvPr/>
+          </p:nvCxnSpPr>
+          <p:spPr>
+            <a:xfrm>
+              <a:off x="2321026" y="5322168"/>
+              <a:ext cx="2185621" cy="753237"/>
+            </a:xfrm>
+            <a:prstGeom prst="straightConnector1">
+              <a:avLst/>
+            </a:prstGeom>
+            <a:ln w="38100">
+              <a:solidFill>
+                <a:schemeClr val="tx1"/>
+              </a:solidFill>
+              <a:headEnd type="none" w="med" len="med"/>
+              <a:tailEnd type="triangle" w="med" len="med"/>
+            </a:ln>
+          </p:spPr>
+          <p:style>
+            <a:lnRef idx="1">
+              <a:schemeClr val="accent1"/>
+            </a:lnRef>
+            <a:fillRef idx="0">
+              <a:schemeClr val="accent1"/>
+            </a:fillRef>
+            <a:effectRef idx="0">
+              <a:schemeClr val="accent1"/>
+            </a:effectRef>
+            <a:fontRef idx="minor">
+              <a:schemeClr val="tx1"/>
+            </a:fontRef>
+          </p:style>
+        </p:cxnSp>
+        <p:cxnSp>
+          <p:nvCxnSpPr>
+            <p:cNvPr id="160" name="直線矢印コネクタ 159"/>
+            <p:cNvCxnSpPr>
+              <a:cxnSpLocks/>
+              <a:stCxn id="147" idx="3"/>
+              <a:endCxn id="134" idx="1"/>
+            </p:cNvCxnSpPr>
+            <p:nvPr/>
+          </p:nvCxnSpPr>
+          <p:spPr>
+            <a:xfrm flipV="1">
+              <a:off x="6593705" y="5309629"/>
+              <a:ext cx="1227775" cy="765776"/>
+            </a:xfrm>
+            <a:prstGeom prst="straightConnector1">
+              <a:avLst/>
+            </a:prstGeom>
+            <a:ln w="38100">
+              <a:solidFill>
+                <a:schemeClr val="tx1"/>
+              </a:solidFill>
+              <a:headEnd type="none" w="med" len="med"/>
+              <a:tailEnd type="triangle" w="med" len="med"/>
+            </a:ln>
+          </p:spPr>
+          <p:style>
+            <a:lnRef idx="1">
+              <a:schemeClr val="accent1"/>
+            </a:lnRef>
+            <a:fillRef idx="0">
+              <a:schemeClr val="accent1"/>
+            </a:fillRef>
+            <a:effectRef idx="0">
+              <a:schemeClr val="accent1"/>
+            </a:effectRef>
+            <a:fontRef idx="minor">
+              <a:schemeClr val="tx1"/>
+            </a:fontRef>
+          </p:style>
+        </p:cxnSp>
+        <p:sp>
+          <p:nvSpPr>
+            <p:cNvPr id="163" name="テキスト ボックス 162"/>
+            <p:cNvSpPr txBox="1"/>
+            <p:nvPr/>
+          </p:nvSpPr>
+          <p:spPr>
+            <a:xfrm>
+              <a:off x="6993669" y="5856312"/>
+              <a:ext cx="439544" cy="307777"/>
+            </a:xfrm>
+            <a:prstGeom prst="rect">
+              <a:avLst/>
+            </a:prstGeom>
+            <a:noFill/>
+          </p:spPr>
+          <p:txBody>
+            <a:bodyPr wrap="none" rtlCol="0">
+              <a:spAutoFit/>
+            </a:bodyPr>
+            <a:lstStyle/>
+            <a:p>
+              <a:r>
+                <a:rPr lang="en-US" altLang="ja-JP" sz="1400" dirty="0"/>
+                <a:t>Sell</a:t>
+              </a:r>
+              <a:endParaRPr kumimoji="1" lang="ja-JP" altLang="en-US" sz="1400" dirty="0"/>
+            </a:p>
+          </p:txBody>
+        </p:sp>
+        <p:sp>
+          <p:nvSpPr>
+            <p:cNvPr id="75" name="テキスト ボックス 74">
+              <a:extLst>
+                <a:ext uri="{FF2B5EF4-FFF2-40B4-BE49-F238E27FC236}">
+                  <a16:creationId xmlns:a16="http://schemas.microsoft.com/office/drawing/2014/main" id="{3D9705F4-325B-4B36-B9FB-8E892C59B05C}"/>
+                </a:ext>
+              </a:extLst>
+            </p:cNvPr>
+            <p:cNvSpPr txBox="1"/>
+            <p:nvPr/>
+          </p:nvSpPr>
+          <p:spPr>
+            <a:xfrm>
+              <a:off x="2285927" y="5799987"/>
+              <a:ext cx="1043876" cy="523220"/>
+            </a:xfrm>
+            <a:prstGeom prst="rect">
+              <a:avLst/>
+            </a:prstGeom>
+            <a:noFill/>
+          </p:spPr>
+          <p:txBody>
+            <a:bodyPr wrap="none" rtlCol="0">
+              <a:spAutoFit/>
+            </a:bodyPr>
+            <a:lstStyle/>
+            <a:p>
+              <a:r>
+                <a:rPr kumimoji="1" lang="en-US" altLang="ja-JP" sz="1400" dirty="0"/>
+                <a:t>OSS +</a:t>
+              </a:r>
+            </a:p>
+            <a:p>
+              <a:r>
+                <a:rPr kumimoji="1" lang="en-US" altLang="ja-JP" sz="1400" dirty="0"/>
+                <a:t>OSS</a:t>
+              </a:r>
+              <a:r>
+                <a:rPr kumimoji="1" lang="ja-JP" altLang="en-US" sz="1400" dirty="0"/>
+                <a:t> </a:t>
+              </a:r>
+              <a:r>
+                <a:rPr kumimoji="1" lang="en-US" altLang="ja-JP" sz="1400" dirty="0"/>
+                <a:t>License</a:t>
+              </a:r>
+              <a:endParaRPr kumimoji="1" lang="ja-JP" altLang="en-US" sz="1400" dirty="0"/>
+            </a:p>
+          </p:txBody>
+        </p:sp>
+      </p:grpSp>
+      <p:grpSp>
+        <p:nvGrpSpPr>
+          <p:cNvPr id="14" name="グループ化 13">
+            <a:extLst>
+              <a:ext uri="{FF2B5EF4-FFF2-40B4-BE49-F238E27FC236}">
+                <a16:creationId xmlns:a16="http://schemas.microsoft.com/office/drawing/2014/main" id="{FBC2D373-6681-43CA-A41C-1757171EE411}"/>
+              </a:ext>
+            </a:extLst>
+          </p:cNvPr>
+          <p:cNvGrpSpPr/>
+          <p:nvPr/>
+        </p:nvGrpSpPr>
+        <p:grpSpPr>
+          <a:xfrm>
+            <a:off x="323528" y="3413882"/>
+            <a:ext cx="8643040" cy="1466102"/>
+            <a:chOff x="323528" y="3413882"/>
+            <a:chExt cx="8643040" cy="1466102"/>
+          </a:xfrm>
+        </p:grpSpPr>
+        <p:sp>
+          <p:nvSpPr>
+            <p:cNvPr id="104" name="テキスト ボックス 103"/>
+            <p:cNvSpPr txBox="1"/>
+            <p:nvPr/>
+          </p:nvSpPr>
+          <p:spPr>
+            <a:xfrm>
+              <a:off x="323528" y="3645024"/>
+              <a:ext cx="1177331" cy="381000"/>
+            </a:xfrm>
+            <a:prstGeom prst="rect">
+              <a:avLst/>
+            </a:prstGeom>
+            <a:noFill/>
+          </p:spPr>
+          <p:txBody>
+            <a:bodyPr wrap="square" rtlCol="0">
+              <a:spAutoFit/>
+            </a:bodyPr>
+            <a:lstStyle/>
+            <a:p>
+              <a:r>
+                <a:rPr kumimoji="1" lang="en-US" altLang="ja-JP" dirty="0"/>
+                <a:t>IT-3</a:t>
+              </a:r>
+              <a:endParaRPr kumimoji="1" lang="ja-JP" altLang="en-US" dirty="0"/>
+            </a:p>
+          </p:txBody>
+        </p:sp>
+        <p:sp>
+          <p:nvSpPr>
+            <p:cNvPr id="105" name="四角形: 角を丸くする 2"/>
+            <p:cNvSpPr/>
+            <p:nvPr/>
+          </p:nvSpPr>
+          <p:spPr>
+            <a:xfrm>
+              <a:off x="3124200" y="3429000"/>
+              <a:ext cx="3619004" cy="795278"/>
+            </a:xfrm>
+            <a:prstGeom prst="roundRect">
+              <a:avLst/>
+            </a:prstGeom>
+            <a:solidFill>
+              <a:schemeClr val="accent1">
+                <a:lumMod val="60000"/>
+                <a:lumOff val="40000"/>
+              </a:schemeClr>
+            </a:solidFill>
+          </p:spPr>
+          <p:style>
+            <a:lnRef idx="2">
+              <a:schemeClr val="accent1">
+                <a:shade val="50000"/>
+              </a:schemeClr>
+            </a:lnRef>
+            <a:fillRef idx="1">
+              <a:schemeClr val="accent1"/>
+            </a:fillRef>
+            <a:effectRef idx="0">
+              <a:schemeClr val="accent1"/>
+            </a:effectRef>
+            <a:fontRef idx="minor">
+              <a:schemeClr val="lt1"/>
+            </a:fontRef>
+          </p:style>
+          <p:txBody>
+            <a:bodyPr rtlCol="0" anchor="ctr"/>
+            <a:lstStyle/>
+            <a:p>
+              <a:pPr algn="ctr"/>
+              <a:endParaRPr kumimoji="1" lang="ja-JP" altLang="en-US" sz="1400"/>
+            </a:p>
+          </p:txBody>
+        </p:sp>
+        <p:sp>
+          <p:nvSpPr>
+            <p:cNvPr id="108" name="四角形: 角を丸くする 52"/>
+            <p:cNvSpPr/>
+            <p:nvPr/>
+          </p:nvSpPr>
+          <p:spPr>
+            <a:xfrm>
+              <a:off x="4251001" y="3501008"/>
+              <a:ext cx="1844130" cy="674738"/>
+            </a:xfrm>
+            <a:prstGeom prst="roundRect">
+              <a:avLst/>
+            </a:prstGeom>
+            <a:solidFill>
+              <a:srgbClr val="FFFF00"/>
+            </a:solidFill>
+          </p:spPr>
+          <p:style>
+            <a:lnRef idx="2">
+              <a:schemeClr val="accent1">
+                <a:shade val="50000"/>
+              </a:schemeClr>
+            </a:lnRef>
+            <a:fillRef idx="1">
+              <a:schemeClr val="accent1"/>
+            </a:fillRef>
+            <a:effectRef idx="0">
+              <a:schemeClr val="accent1"/>
+            </a:effectRef>
+            <a:fontRef idx="minor">
+              <a:schemeClr val="lt1"/>
+            </a:fontRef>
+          </p:style>
+          <p:txBody>
+            <a:bodyPr rtlCol="0" anchor="ctr"/>
+            <a:lstStyle/>
+            <a:p>
+              <a:r>
+                <a:rPr lang="en-US" altLang="ja-JP" sz="1400" dirty="0">
+                  <a:solidFill>
+                    <a:schemeClr val="tx1"/>
+                  </a:solidFill>
+                </a:rPr>
+                <a:t>Inbound</a:t>
+              </a:r>
+            </a:p>
+            <a:p>
+              <a:r>
+                <a:rPr lang="en-US" altLang="ja-JP" sz="1400" dirty="0">
+                  <a:solidFill>
+                    <a:schemeClr val="tx1"/>
+                  </a:solidFill>
+                </a:rPr>
+                <a:t>Development</a:t>
+              </a:r>
+            </a:p>
+            <a:p>
+              <a:r>
+                <a:rPr lang="en-US" altLang="ja-JP" sz="1400" dirty="0">
+                  <a:solidFill>
+                    <a:schemeClr val="tx1"/>
+                  </a:solidFill>
+                </a:rPr>
+                <a:t>Verification/ Release</a:t>
+              </a:r>
+              <a:endParaRPr lang="ja-JP" altLang="en-US" sz="1400" dirty="0">
+                <a:solidFill>
+                  <a:schemeClr val="tx1"/>
+                </a:solidFill>
+              </a:endParaRPr>
+            </a:p>
+          </p:txBody>
+        </p:sp>
+        <p:sp>
+          <p:nvSpPr>
+            <p:cNvPr id="111" name="四角形: 角を丸くする 48"/>
+            <p:cNvSpPr/>
+            <p:nvPr/>
+          </p:nvSpPr>
+          <p:spPr>
+            <a:xfrm>
+              <a:off x="1108596" y="4369614"/>
+              <a:ext cx="1163091" cy="381000"/>
+            </a:xfrm>
+            <a:prstGeom prst="roundRect">
+              <a:avLst/>
+            </a:prstGeom>
+            <a:solidFill>
+              <a:schemeClr val="accent3">
+                <a:lumMod val="50000"/>
+              </a:schemeClr>
+            </a:solidFill>
+            <a:ln>
+              <a:solidFill>
+                <a:schemeClr val="accent3">
+                  <a:lumMod val="50000"/>
+                </a:schemeClr>
+              </a:solidFill>
+            </a:ln>
+          </p:spPr>
+          <p:style>
+            <a:lnRef idx="2">
+              <a:schemeClr val="accent1">
+                <a:shade val="50000"/>
+              </a:schemeClr>
+            </a:lnRef>
+            <a:fillRef idx="1">
+              <a:schemeClr val="accent1"/>
+            </a:fillRef>
+            <a:effectRef idx="0">
+              <a:schemeClr val="accent1"/>
+            </a:effectRef>
+            <a:fontRef idx="minor">
+              <a:schemeClr val="lt1"/>
+            </a:fontRef>
+          </p:style>
+          <p:txBody>
+            <a:bodyPr rtlCol="0" anchor="ctr"/>
+            <a:lstStyle/>
+            <a:p>
+              <a:pPr algn="ctr"/>
+              <a:r>
+                <a:rPr lang="en-US" altLang="ja-JP" sz="1400" dirty="0">
+                  <a:solidFill>
+                    <a:schemeClr val="bg1"/>
+                  </a:solidFill>
+                </a:rPr>
+                <a:t>Community</a:t>
+              </a:r>
+              <a:endParaRPr kumimoji="1" lang="ja-JP" altLang="en-US" sz="1400" dirty="0">
+                <a:solidFill>
+                  <a:schemeClr val="bg1"/>
+                </a:solidFill>
+              </a:endParaRPr>
+            </a:p>
+          </p:txBody>
+        </p:sp>
+        <p:cxnSp>
+          <p:nvCxnSpPr>
+            <p:cNvPr id="112" name="直線矢印コネクタ 111"/>
+            <p:cNvCxnSpPr>
+              <a:cxnSpLocks/>
+              <a:stCxn id="111" idx="0"/>
+              <a:endCxn id="116" idx="2"/>
+            </p:cNvCxnSpPr>
+            <p:nvPr/>
+          </p:nvCxnSpPr>
+          <p:spPr>
+            <a:xfrm flipV="1">
+              <a:off x="1690142" y="4104825"/>
+              <a:ext cx="7120" cy="264789"/>
+            </a:xfrm>
+            <a:prstGeom prst="straightConnector1">
+              <a:avLst/>
+            </a:prstGeom>
+            <a:ln w="38100">
+              <a:solidFill>
+                <a:schemeClr val="tx1"/>
+              </a:solidFill>
+              <a:tailEnd type="triangle"/>
+            </a:ln>
+          </p:spPr>
+          <p:style>
+            <a:lnRef idx="1">
+              <a:schemeClr val="accent1"/>
+            </a:lnRef>
+            <a:fillRef idx="0">
+              <a:schemeClr val="accent1"/>
+            </a:fillRef>
+            <a:effectRef idx="0">
+              <a:schemeClr val="accent1"/>
+            </a:effectRef>
+            <a:fontRef idx="minor">
+              <a:schemeClr val="tx1"/>
+            </a:fontRef>
+          </p:style>
+        </p:cxnSp>
+        <p:sp>
+          <p:nvSpPr>
+            <p:cNvPr id="113" name="四角形: 角を丸くする 9"/>
+            <p:cNvSpPr/>
+            <p:nvPr/>
+          </p:nvSpPr>
+          <p:spPr>
+            <a:xfrm>
+              <a:off x="7803477" y="3413882"/>
+              <a:ext cx="1163091" cy="789805"/>
+            </a:xfrm>
+            <a:prstGeom prst="roundRect">
+              <a:avLst/>
+            </a:prstGeom>
+            <a:solidFill>
+              <a:schemeClr val="accent3">
+                <a:lumMod val="50000"/>
+              </a:schemeClr>
+            </a:solidFill>
+            <a:ln>
+              <a:solidFill>
+                <a:schemeClr val="accent3">
+                  <a:lumMod val="50000"/>
+                </a:schemeClr>
+              </a:solidFill>
+            </a:ln>
+          </p:spPr>
+          <p:style>
+            <a:lnRef idx="2">
+              <a:schemeClr val="accent1">
+                <a:shade val="50000"/>
+              </a:schemeClr>
+            </a:lnRef>
+            <a:fillRef idx="1">
+              <a:schemeClr val="accent1"/>
+            </a:fillRef>
+            <a:effectRef idx="0">
+              <a:schemeClr val="accent1"/>
+            </a:effectRef>
+            <a:fontRef idx="minor">
+              <a:schemeClr val="lt1"/>
+            </a:fontRef>
+          </p:style>
+          <p:txBody>
+            <a:bodyPr rtlCol="0" anchor="ctr"/>
+            <a:lstStyle/>
+            <a:p>
+              <a:pPr algn="ctr"/>
+              <a:r>
+                <a:rPr lang="en-US" altLang="ja-JP" sz="1400" dirty="0">
+                  <a:solidFill>
+                    <a:schemeClr val="bg1"/>
+                  </a:solidFill>
+                </a:rPr>
+                <a:t>Customer</a:t>
+              </a:r>
+              <a:r>
+                <a:rPr lang="ja-JP" altLang="en-US" sz="1400" dirty="0">
+                  <a:solidFill>
+                    <a:schemeClr val="bg1"/>
+                  </a:solidFill>
+                </a:rPr>
+                <a:t> </a:t>
+              </a:r>
+              <a:r>
+                <a:rPr lang="en-US" altLang="ja-JP" sz="1400" dirty="0">
+                  <a:solidFill>
+                    <a:schemeClr val="bg1"/>
+                  </a:solidFill>
+                </a:rPr>
+                <a:t>Company</a:t>
+              </a:r>
+              <a:r>
+                <a:rPr lang="ja-JP" altLang="en-US" sz="1400" dirty="0">
+                  <a:solidFill>
+                    <a:schemeClr val="bg1"/>
+                  </a:solidFill>
+                </a:rPr>
+                <a:t> </a:t>
+              </a:r>
+              <a:r>
+                <a:rPr lang="en-US" altLang="ja-JP" sz="1100" dirty="0">
+                  <a:solidFill>
+                    <a:schemeClr val="bg1"/>
+                  </a:solidFill>
+                </a:rPr>
+                <a:t>(Brand</a:t>
+              </a:r>
+              <a:r>
+                <a:rPr lang="ja-JP" altLang="en-US" sz="1100" dirty="0">
+                  <a:solidFill>
+                    <a:schemeClr val="bg1"/>
+                  </a:solidFill>
+                </a:rPr>
+                <a:t> </a:t>
+              </a:r>
+              <a:r>
+                <a:rPr lang="en-US" altLang="ja-JP" sz="1100" dirty="0">
+                  <a:solidFill>
+                    <a:schemeClr val="bg1"/>
+                  </a:solidFill>
+                </a:rPr>
+                <a:t>Owner)</a:t>
+              </a:r>
+              <a:endParaRPr kumimoji="1" lang="en-US" altLang="ja-JP" sz="1100" dirty="0">
+                <a:solidFill>
+                  <a:schemeClr val="bg1"/>
+                </a:solidFill>
+              </a:endParaRPr>
+            </a:p>
+          </p:txBody>
+        </p:sp>
+        <p:cxnSp>
+          <p:nvCxnSpPr>
+            <p:cNvPr id="114" name="直線矢印コネクタ 113"/>
+            <p:cNvCxnSpPr>
+              <a:stCxn id="108" idx="3"/>
+              <a:endCxn id="113" idx="1"/>
+            </p:cNvCxnSpPr>
+            <p:nvPr/>
+          </p:nvCxnSpPr>
+          <p:spPr>
+            <a:xfrm flipV="1">
+              <a:off x="6095131" y="3808785"/>
+              <a:ext cx="1708346" cy="29592"/>
+            </a:xfrm>
+            <a:prstGeom prst="straightConnector1">
+              <a:avLst/>
+            </a:prstGeom>
+            <a:ln w="38100">
+              <a:solidFill>
+                <a:schemeClr val="tx1"/>
+              </a:solidFill>
+              <a:headEnd type="triangle" w="med" len="med"/>
+              <a:tailEnd type="triangle" w="med" len="med"/>
+            </a:ln>
+          </p:spPr>
+          <p:style>
+            <a:lnRef idx="1">
+              <a:schemeClr val="accent1"/>
+            </a:lnRef>
+            <a:fillRef idx="0">
+              <a:schemeClr val="accent1"/>
+            </a:fillRef>
+            <a:effectRef idx="0">
+              <a:schemeClr val="accent1"/>
+            </a:effectRef>
+            <a:fontRef idx="minor">
+              <a:schemeClr val="tx1"/>
+            </a:fontRef>
+          </p:style>
+        </p:cxnSp>
+        <p:sp>
+          <p:nvSpPr>
+            <p:cNvPr id="116" name="四角形: 角を丸くする 9"/>
+            <p:cNvSpPr/>
+            <p:nvPr/>
+          </p:nvSpPr>
+          <p:spPr>
+            <a:xfrm>
+              <a:off x="1108596" y="3648522"/>
+              <a:ext cx="1177331" cy="456303"/>
+            </a:xfrm>
+            <a:prstGeom prst="roundRect">
+              <a:avLst/>
+            </a:prstGeom>
+            <a:solidFill>
+              <a:schemeClr val="accent3">
+                <a:lumMod val="50000"/>
+              </a:schemeClr>
+            </a:solidFill>
+            <a:ln>
+              <a:solidFill>
+                <a:schemeClr val="accent3">
+                  <a:lumMod val="50000"/>
+                </a:schemeClr>
+              </a:solidFill>
+            </a:ln>
+          </p:spPr>
+          <p:style>
+            <a:lnRef idx="2">
+              <a:schemeClr val="accent1">
+                <a:shade val="50000"/>
+              </a:schemeClr>
+            </a:lnRef>
+            <a:fillRef idx="1">
+              <a:schemeClr val="accent1"/>
+            </a:fillRef>
+            <a:effectRef idx="0">
+              <a:schemeClr val="accent1"/>
+            </a:effectRef>
+            <a:fontRef idx="minor">
+              <a:schemeClr val="lt1"/>
+            </a:fontRef>
+          </p:style>
+          <p:txBody>
+            <a:bodyPr rtlCol="0" anchor="ctr"/>
+            <a:lstStyle/>
+            <a:p>
+              <a:pPr algn="ctr"/>
+              <a:r>
+                <a:rPr lang="en-US" altLang="ja-JP" sz="1400" dirty="0">
+                  <a:solidFill>
+                    <a:schemeClr val="bg1"/>
+                  </a:solidFill>
+                </a:rPr>
+                <a:t>ISV</a:t>
+              </a:r>
+            </a:p>
+          </p:txBody>
+        </p:sp>
+        <p:cxnSp>
+          <p:nvCxnSpPr>
+            <p:cNvPr id="117" name="直線矢印コネクタ 116"/>
+            <p:cNvCxnSpPr>
+              <a:cxnSpLocks/>
+              <a:stCxn id="116" idx="3"/>
+              <a:endCxn id="108" idx="1"/>
+            </p:cNvCxnSpPr>
+            <p:nvPr/>
+          </p:nvCxnSpPr>
+          <p:spPr>
+            <a:xfrm flipV="1">
+              <a:off x="2285927" y="3838377"/>
+              <a:ext cx="1965074" cy="38297"/>
+            </a:xfrm>
+            <a:prstGeom prst="straightConnector1">
+              <a:avLst/>
+            </a:prstGeom>
+            <a:ln w="38100">
+              <a:solidFill>
+                <a:schemeClr val="tx1"/>
+              </a:solidFill>
+              <a:headEnd type="triangle" w="med" len="med"/>
+              <a:tailEnd type="triangle" w="med" len="med"/>
+            </a:ln>
+          </p:spPr>
+          <p:style>
+            <a:lnRef idx="1">
+              <a:schemeClr val="accent1"/>
+            </a:lnRef>
+            <a:fillRef idx="0">
+              <a:schemeClr val="accent1"/>
+            </a:fillRef>
+            <a:effectRef idx="0">
+              <a:schemeClr val="accent1"/>
+            </a:effectRef>
+            <a:fontRef idx="minor">
+              <a:schemeClr val="tx1"/>
+            </a:fontRef>
+          </p:style>
+        </p:cxnSp>
+        <p:sp>
+          <p:nvSpPr>
+            <p:cNvPr id="118" name="テキスト ボックス 117"/>
+            <p:cNvSpPr txBox="1"/>
+            <p:nvPr/>
+          </p:nvSpPr>
+          <p:spPr>
+            <a:xfrm>
+              <a:off x="3318735" y="3568896"/>
+              <a:ext cx="810928" cy="307777"/>
+            </a:xfrm>
+            <a:prstGeom prst="rect">
+              <a:avLst/>
+            </a:prstGeom>
+            <a:noFill/>
+          </p:spPr>
+          <p:txBody>
+            <a:bodyPr wrap="none" rtlCol="0">
+              <a:spAutoFit/>
+            </a:bodyPr>
+            <a:lstStyle/>
+            <a:p>
+              <a:r>
+                <a:rPr lang="en-US" altLang="ja-JP" sz="1400" dirty="0"/>
+                <a:t>Contract</a:t>
+              </a:r>
+              <a:endParaRPr kumimoji="1" lang="ja-JP" altLang="en-US" sz="1400" dirty="0"/>
+            </a:p>
+          </p:txBody>
+        </p:sp>
+        <p:sp>
+          <p:nvSpPr>
+            <p:cNvPr id="119" name="テキスト ボックス 118"/>
+            <p:cNvSpPr txBox="1"/>
+            <p:nvPr/>
+          </p:nvSpPr>
+          <p:spPr>
+            <a:xfrm>
+              <a:off x="6805989" y="3429000"/>
+              <a:ext cx="810928" cy="307777"/>
+            </a:xfrm>
+            <a:prstGeom prst="rect">
+              <a:avLst/>
+            </a:prstGeom>
+            <a:noFill/>
+          </p:spPr>
+          <p:txBody>
+            <a:bodyPr wrap="none" rtlCol="0">
+              <a:spAutoFit/>
+            </a:bodyPr>
+            <a:lstStyle/>
+            <a:p>
+              <a:r>
+                <a:rPr lang="en-US" altLang="ja-JP" sz="1400" dirty="0"/>
+                <a:t>Contract</a:t>
+              </a:r>
+              <a:endParaRPr kumimoji="1" lang="ja-JP" altLang="en-US" sz="1400" dirty="0"/>
+            </a:p>
+          </p:txBody>
+        </p:sp>
+        <p:sp>
+          <p:nvSpPr>
+            <p:cNvPr id="120" name="四角形: 角を丸くする 48"/>
+            <p:cNvSpPr/>
+            <p:nvPr/>
+          </p:nvSpPr>
+          <p:spPr>
+            <a:xfrm>
+              <a:off x="4591520" y="4437799"/>
+              <a:ext cx="1163091" cy="381000"/>
+            </a:xfrm>
+            <a:prstGeom prst="roundRect">
+              <a:avLst/>
+            </a:prstGeom>
+            <a:solidFill>
+              <a:schemeClr val="accent3">
+                <a:lumMod val="50000"/>
+              </a:schemeClr>
+            </a:solidFill>
+            <a:ln>
+              <a:solidFill>
+                <a:schemeClr val="accent3">
+                  <a:lumMod val="50000"/>
+                </a:schemeClr>
+              </a:solidFill>
+            </a:ln>
+          </p:spPr>
+          <p:style>
+            <a:lnRef idx="2">
+              <a:schemeClr val="accent1">
+                <a:shade val="50000"/>
+              </a:schemeClr>
+            </a:lnRef>
+            <a:fillRef idx="1">
+              <a:schemeClr val="accent1"/>
+            </a:fillRef>
+            <a:effectRef idx="0">
+              <a:schemeClr val="accent1"/>
+            </a:effectRef>
+            <a:fontRef idx="minor">
+              <a:schemeClr val="lt1"/>
+            </a:fontRef>
+          </p:style>
+          <p:txBody>
+            <a:bodyPr rtlCol="0" anchor="ctr"/>
+            <a:lstStyle/>
+            <a:p>
+              <a:pPr algn="ctr"/>
+              <a:r>
+                <a:rPr lang="en-US" altLang="ja-JP" sz="1400" dirty="0">
+                  <a:solidFill>
+                    <a:schemeClr val="bg1"/>
+                  </a:solidFill>
+                </a:rPr>
+                <a:t>Community</a:t>
+              </a:r>
+              <a:endParaRPr kumimoji="1" lang="ja-JP" altLang="en-US" sz="1400" dirty="0">
+                <a:solidFill>
+                  <a:schemeClr val="bg1"/>
+                </a:solidFill>
+              </a:endParaRPr>
+            </a:p>
+          </p:txBody>
+        </p:sp>
+        <p:cxnSp>
+          <p:nvCxnSpPr>
+            <p:cNvPr id="121" name="直線矢印コネクタ 120"/>
+            <p:cNvCxnSpPr>
+              <a:stCxn id="120" idx="0"/>
+              <a:endCxn id="108" idx="2"/>
+            </p:cNvCxnSpPr>
+            <p:nvPr/>
+          </p:nvCxnSpPr>
+          <p:spPr>
+            <a:xfrm flipV="1">
+              <a:off x="5173066" y="4175746"/>
+              <a:ext cx="0" cy="262053"/>
+            </a:xfrm>
+            <a:prstGeom prst="straightConnector1">
+              <a:avLst/>
+            </a:prstGeom>
+            <a:ln w="38100">
+              <a:solidFill>
+                <a:schemeClr val="tx1"/>
+              </a:solidFill>
+              <a:tailEnd type="triangle"/>
+            </a:ln>
+          </p:spPr>
+          <p:style>
+            <a:lnRef idx="1">
+              <a:schemeClr val="accent1"/>
+            </a:lnRef>
+            <a:fillRef idx="0">
+              <a:schemeClr val="accent1"/>
+            </a:fillRef>
+            <a:effectRef idx="0">
+              <a:schemeClr val="accent1"/>
+            </a:effectRef>
+            <a:fontRef idx="minor">
+              <a:schemeClr val="tx1"/>
+            </a:fontRef>
+          </p:style>
+        </p:cxnSp>
+        <p:sp>
+          <p:nvSpPr>
+            <p:cNvPr id="141" name="テキスト ボックス 140"/>
+            <p:cNvSpPr txBox="1"/>
+            <p:nvPr/>
+          </p:nvSpPr>
+          <p:spPr>
+            <a:xfrm>
+              <a:off x="3376074" y="3835524"/>
+              <a:ext cx="673582" cy="307777"/>
+            </a:xfrm>
+            <a:prstGeom prst="rect">
+              <a:avLst/>
+            </a:prstGeom>
+            <a:noFill/>
+          </p:spPr>
+          <p:txBody>
+            <a:bodyPr wrap="none" rtlCol="0">
+              <a:spAutoFit/>
+            </a:bodyPr>
+            <a:lstStyle/>
+            <a:p>
+              <a:r>
+                <a:rPr kumimoji="1" lang="en-US" altLang="ja-JP" sz="1400" dirty="0"/>
+                <a:t>Supply</a:t>
+              </a:r>
+              <a:endParaRPr kumimoji="1" lang="ja-JP" altLang="en-US" sz="1400" dirty="0"/>
+            </a:p>
+          </p:txBody>
+        </p:sp>
+        <p:sp>
+          <p:nvSpPr>
+            <p:cNvPr id="142" name="テキスト ボックス 141"/>
+            <p:cNvSpPr txBox="1"/>
+            <p:nvPr/>
+          </p:nvSpPr>
+          <p:spPr>
+            <a:xfrm>
+              <a:off x="6840214" y="3832409"/>
+              <a:ext cx="673582" cy="307777"/>
+            </a:xfrm>
+            <a:prstGeom prst="rect">
+              <a:avLst/>
+            </a:prstGeom>
+            <a:noFill/>
+          </p:spPr>
+          <p:txBody>
+            <a:bodyPr wrap="none" rtlCol="0">
+              <a:spAutoFit/>
+            </a:bodyPr>
+            <a:lstStyle/>
+            <a:p>
+              <a:r>
+                <a:rPr lang="en-US" altLang="ja-JP" sz="1400" dirty="0"/>
+                <a:t>Supply</a:t>
+              </a:r>
+              <a:endParaRPr kumimoji="1" lang="ja-JP" altLang="en-US" sz="1400" dirty="0"/>
+            </a:p>
+          </p:txBody>
+        </p:sp>
+        <p:sp>
+          <p:nvSpPr>
+            <p:cNvPr id="73" name="テキスト ボックス 72">
+              <a:extLst>
+                <a:ext uri="{FF2B5EF4-FFF2-40B4-BE49-F238E27FC236}">
+                  <a16:creationId xmlns:a16="http://schemas.microsoft.com/office/drawing/2014/main" id="{F84B4AE3-0246-41D8-927D-EBB055E35683}"/>
+                </a:ext>
+              </a:extLst>
+            </p:cNvPr>
+            <p:cNvSpPr txBox="1"/>
+            <p:nvPr/>
+          </p:nvSpPr>
+          <p:spPr>
+            <a:xfrm>
+              <a:off x="2264070" y="4286051"/>
+              <a:ext cx="1043876" cy="523220"/>
+            </a:xfrm>
+            <a:prstGeom prst="rect">
+              <a:avLst/>
+            </a:prstGeom>
+            <a:noFill/>
+          </p:spPr>
+          <p:txBody>
+            <a:bodyPr wrap="none" rtlCol="0">
+              <a:spAutoFit/>
+            </a:bodyPr>
+            <a:lstStyle/>
+            <a:p>
+              <a:r>
+                <a:rPr kumimoji="1" lang="en-US" altLang="ja-JP" sz="1400" dirty="0"/>
+                <a:t>OSS +</a:t>
+              </a:r>
+            </a:p>
+            <a:p>
+              <a:r>
+                <a:rPr kumimoji="1" lang="en-US" altLang="ja-JP" sz="1400" dirty="0"/>
+                <a:t>OSS</a:t>
+              </a:r>
+              <a:r>
+                <a:rPr kumimoji="1" lang="ja-JP" altLang="en-US" sz="1400" dirty="0"/>
+                <a:t> </a:t>
+              </a:r>
+              <a:r>
+                <a:rPr kumimoji="1" lang="en-US" altLang="ja-JP" sz="1400" dirty="0"/>
+                <a:t>License</a:t>
+              </a:r>
+              <a:endParaRPr kumimoji="1" lang="ja-JP" altLang="en-US" sz="1400" dirty="0"/>
+            </a:p>
+          </p:txBody>
+        </p:sp>
+        <p:sp>
+          <p:nvSpPr>
+            <p:cNvPr id="76" name="テキスト ボックス 75">
+              <a:extLst>
+                <a:ext uri="{FF2B5EF4-FFF2-40B4-BE49-F238E27FC236}">
+                  <a16:creationId xmlns:a16="http://schemas.microsoft.com/office/drawing/2014/main" id="{7B95DADA-3902-466A-8C31-37D68F4E4D9D}"/>
+                </a:ext>
+              </a:extLst>
+            </p:cNvPr>
+            <p:cNvSpPr txBox="1"/>
+            <p:nvPr/>
+          </p:nvSpPr>
+          <p:spPr>
+            <a:xfrm>
+              <a:off x="5698658" y="4356764"/>
+              <a:ext cx="1043876" cy="523220"/>
+            </a:xfrm>
+            <a:prstGeom prst="rect">
+              <a:avLst/>
+            </a:prstGeom>
+            <a:noFill/>
+          </p:spPr>
+          <p:txBody>
+            <a:bodyPr wrap="none" rtlCol="0">
+              <a:spAutoFit/>
+            </a:bodyPr>
+            <a:lstStyle/>
+            <a:p>
+              <a:r>
+                <a:rPr kumimoji="1" lang="en-US" altLang="ja-JP" sz="1400" dirty="0"/>
+                <a:t>OSS +</a:t>
+              </a:r>
+            </a:p>
+            <a:p>
+              <a:r>
+                <a:rPr kumimoji="1" lang="en-US" altLang="ja-JP" sz="1400" dirty="0"/>
+                <a:t>OSS</a:t>
+              </a:r>
+              <a:r>
+                <a:rPr kumimoji="1" lang="ja-JP" altLang="en-US" sz="1400" dirty="0"/>
+                <a:t> </a:t>
+              </a:r>
+              <a:r>
+                <a:rPr kumimoji="1" lang="en-US" altLang="ja-JP" sz="1400" dirty="0"/>
+                <a:t>License</a:t>
+              </a:r>
+              <a:endParaRPr kumimoji="1" lang="ja-JP" altLang="en-US" sz="1400" dirty="0"/>
+            </a:p>
+          </p:txBody>
+        </p:sp>
+      </p:grpSp>
+    </p:spTree>
+    <p:extLst>
+      <p:ext uri="{BB962C8B-B14F-4D97-AF65-F5344CB8AC3E}">
+        <p14:creationId xmlns:p14="http://schemas.microsoft.com/office/powerpoint/2010/main" val="1855917365"/>
+      </p:ext>
+    </p:extLst>
+  </p:cSld>
+  <p:clrMapOvr>
+    <a:masterClrMapping/>
+  </p:clrMapOvr>
+</p:sld>
+</file>
+
+<file path=ppt/slides/slide3.xml><?xml version="1.0" encoding="utf-8"?>
 <p:sld xmlns:a="http://schemas.openxmlformats.org/drawingml/2006/main" xmlns:r="http://schemas.openxmlformats.org/officeDocument/2006/relationships" xmlns:p="http://schemas.openxmlformats.org/presentationml/2006/main">
   <p:cSld>
     <p:spTree>
